--- a/Slides/ggl004-Textures.pptx
+++ b/Slides/ggl004-Textures.pptx
@@ -5,7 +5,7 @@
     <p:sldMasterId id="2147483648" r:id="rId1"/>
   </p:sldMasterIdLst>
   <p:notesMasterIdLst>
-    <p:notesMasterId r:id="rId9"/>
+    <p:notesMasterId r:id="rId18"/>
   </p:notesMasterIdLst>
   <p:sldIdLst>
     <p:sldId id="256" r:id="rId2"/>
@@ -15,6 +15,15 @@
     <p:sldId id="539" r:id="rId6"/>
     <p:sldId id="540" r:id="rId7"/>
     <p:sldId id="541" r:id="rId8"/>
+    <p:sldId id="488" r:id="rId9"/>
+    <p:sldId id="543" r:id="rId10"/>
+    <p:sldId id="544" r:id="rId11"/>
+    <p:sldId id="542" r:id="rId12"/>
+    <p:sldId id="545" r:id="rId13"/>
+    <p:sldId id="546" r:id="rId14"/>
+    <p:sldId id="547" r:id="rId15"/>
+    <p:sldId id="548" r:id="rId16"/>
+    <p:sldId id="549" r:id="rId17"/>
   </p:sldIdLst>
   <p:sldSz cx="9144000" cy="6858000" type="screen4x3"/>
   <p:notesSz cx="6858000" cy="9144000"/>
@@ -575,6 +584,2688 @@
 </p:notes>
 </file>
 
+<file path=ppt/notesSlides/notesSlide10.xml><?xml version="1.0" encoding="utf-8"?>
+<p:notes xmlns:a="http://schemas.openxmlformats.org/drawingml/2006/main" xmlns:r="http://schemas.openxmlformats.org/officeDocument/2006/relationships" xmlns:p="http://schemas.openxmlformats.org/presentationml/2006/main">
+  <p:cSld>
+    <p:spTree>
+      <p:nvGrpSpPr>
+        <p:cNvPr id="1" name=""/>
+        <p:cNvGrpSpPr/>
+        <p:nvPr/>
+      </p:nvGrpSpPr>
+      <p:grpSpPr>
+        <a:xfrm>
+          <a:off x="0" y="0"/>
+          <a:ext cx="0" cy="0"/>
+          <a:chOff x="0" y="0"/>
+          <a:chExt cx="0" cy="0"/>
+        </a:xfrm>
+      </p:grpSpPr>
+      <p:sp>
+        <p:nvSpPr>
+          <p:cNvPr id="2" name="Slide Image Placeholder 1"/>
+          <p:cNvSpPr>
+            <a:spLocks noGrp="1" noRot="1" noChangeAspect="1"/>
+          </p:cNvSpPr>
+          <p:nvPr>
+            <p:ph type="sldImg"/>
+          </p:nvPr>
+        </p:nvSpPr>
+        <p:spPr/>
+      </p:sp>
+      <p:sp>
+        <p:nvSpPr>
+          <p:cNvPr id="3" name="Notes Placeholder 2"/>
+          <p:cNvSpPr>
+            <a:spLocks noGrp="1"/>
+          </p:cNvSpPr>
+          <p:nvPr>
+            <p:ph type="body" idx="1"/>
+          </p:nvPr>
+        </p:nvSpPr>
+        <p:spPr/>
+        <p:txBody>
+          <a:bodyPr/>
+          <a:lstStyle/>
+          <a:p>
+            <a:pPr marL="0" indent="0">
+              <a:buFontTx/>
+              <a:buNone/>
+            </a:pPr>
+            <a:r>
+              <a:rPr lang="en-US" dirty="0"/>
+              <a:t>DirectX </a:t>
+            </a:r>
+            <a:r>
+              <a:rPr lang="en-US" dirty="0" err="1"/>
+              <a:t>kitérő</a:t>
+            </a:r>
+            <a:r>
+              <a:rPr lang="en-US" dirty="0"/>
+              <a:t>:</a:t>
+            </a:r>
+          </a:p>
+          <a:p>
+            <a:pPr marL="0" indent="0">
+              <a:buFontTx/>
+              <a:buNone/>
+            </a:pPr>
+            <a:r>
+              <a:rPr lang="en-US" dirty="0"/>
+              <a:t>A COPY_DEST </a:t>
+            </a:r>
+            <a:r>
+              <a:rPr lang="en-US" dirty="0" err="1"/>
+              <a:t>állapot</a:t>
+            </a:r>
+            <a:r>
+              <a:rPr lang="en-US" dirty="0"/>
+              <a:t> </a:t>
+            </a:r>
+            <a:r>
+              <a:rPr lang="en-US" dirty="0" err="1"/>
+              <a:t>ahogy</a:t>
+            </a:r>
+            <a:r>
+              <a:rPr lang="en-US" dirty="0"/>
+              <a:t> a neve is </a:t>
+            </a:r>
+            <a:r>
+              <a:rPr lang="en-US" dirty="0" err="1"/>
+              <a:t>sugallja</a:t>
+            </a:r>
+            <a:r>
+              <a:rPr lang="en-US" dirty="0"/>
+              <a:t> </a:t>
+            </a:r>
+            <a:r>
+              <a:rPr lang="en-US" dirty="0" err="1"/>
+              <a:t>egy</a:t>
+            </a:r>
+            <a:r>
+              <a:rPr lang="en-US" dirty="0"/>
+              <a:t> </a:t>
+            </a:r>
+            <a:r>
+              <a:rPr lang="en-US" dirty="0" err="1"/>
+              <a:t>másolás</a:t>
+            </a:r>
+            <a:r>
+              <a:rPr lang="en-US" dirty="0"/>
+              <a:t> </a:t>
+            </a:r>
+            <a:r>
+              <a:rPr lang="en-US" dirty="0" err="1"/>
+              <a:t>parancsnak</a:t>
+            </a:r>
+            <a:r>
+              <a:rPr lang="en-US" dirty="0"/>
+              <a:t> a </a:t>
+            </a:r>
+            <a:r>
+              <a:rPr lang="en-US" dirty="0" err="1"/>
+              <a:t>célpontját</a:t>
+            </a:r>
+            <a:r>
+              <a:rPr lang="en-US" dirty="0"/>
+              <a:t> </a:t>
+            </a:r>
+            <a:r>
+              <a:rPr lang="en-US" dirty="0" err="1"/>
+              <a:t>jelöli</a:t>
+            </a:r>
+            <a:r>
+              <a:rPr lang="en-US" dirty="0"/>
+              <a:t>, de </a:t>
+            </a:r>
+            <a:r>
+              <a:rPr lang="en-US" dirty="0" err="1"/>
+              <a:t>mik</a:t>
+            </a:r>
+            <a:r>
+              <a:rPr lang="en-US" dirty="0"/>
+              <a:t> is </a:t>
+            </a:r>
+            <a:r>
+              <a:rPr lang="en-US" dirty="0" err="1"/>
+              <a:t>ezek</a:t>
+            </a:r>
+            <a:r>
+              <a:rPr lang="en-US" dirty="0"/>
+              <a:t> </a:t>
+            </a:r>
+            <a:r>
+              <a:rPr lang="en-US" dirty="0" err="1"/>
+              <a:t>az</a:t>
+            </a:r>
+            <a:r>
+              <a:rPr lang="en-US" dirty="0"/>
+              <a:t> </a:t>
+            </a:r>
+            <a:r>
+              <a:rPr lang="en-US" dirty="0" err="1"/>
+              <a:t>állapotok</a:t>
+            </a:r>
+            <a:r>
+              <a:rPr lang="en-US" dirty="0"/>
+              <a:t>? Minden </a:t>
+            </a:r>
+            <a:r>
+              <a:rPr lang="en-US" dirty="0" err="1"/>
+              <a:t>erőforrásnak</a:t>
+            </a:r>
+            <a:r>
+              <a:rPr lang="en-US" dirty="0"/>
+              <a:t> van </a:t>
+            </a:r>
+            <a:r>
+              <a:rPr lang="en-US" dirty="0" err="1"/>
+              <a:t>egy</a:t>
+            </a:r>
+            <a:r>
+              <a:rPr lang="en-US" dirty="0"/>
+              <a:t> </a:t>
+            </a:r>
+            <a:r>
+              <a:rPr lang="en-US" dirty="0" err="1"/>
+              <a:t>állapota</a:t>
+            </a:r>
+            <a:r>
+              <a:rPr lang="en-US" dirty="0"/>
+              <a:t>, </a:t>
+            </a:r>
+            <a:r>
+              <a:rPr lang="en-US" dirty="0" err="1"/>
+              <a:t>amelyet</a:t>
+            </a:r>
+            <a:r>
+              <a:rPr lang="en-US" dirty="0"/>
+              <a:t> </a:t>
+            </a:r>
+            <a:r>
+              <a:rPr lang="en-US" dirty="0" err="1"/>
+              <a:t>váltogatnunk</a:t>
+            </a:r>
+            <a:r>
+              <a:rPr lang="en-US" dirty="0"/>
+              <a:t> </a:t>
+            </a:r>
+            <a:r>
+              <a:rPr lang="en-US" dirty="0" err="1"/>
+              <a:t>kell</a:t>
+            </a:r>
+            <a:r>
+              <a:rPr lang="en-US" dirty="0"/>
+              <a:t>, </a:t>
+            </a:r>
+            <a:r>
+              <a:rPr lang="en-US" dirty="0" err="1"/>
+              <a:t>hogy</a:t>
+            </a:r>
+            <a:r>
+              <a:rPr lang="en-US" dirty="0"/>
+              <a:t> </a:t>
+            </a:r>
+            <a:r>
+              <a:rPr lang="en-US" dirty="0" err="1"/>
+              <a:t>jelezzük</a:t>
+            </a:r>
+            <a:r>
+              <a:rPr lang="en-US" dirty="0"/>
+              <a:t> a driver </a:t>
+            </a:r>
+            <a:r>
+              <a:rPr lang="en-US" dirty="0" err="1"/>
+              <a:t>ellenőrizhesse</a:t>
+            </a:r>
+            <a:r>
+              <a:rPr lang="en-US" dirty="0"/>
+              <a:t>, </a:t>
+            </a:r>
+            <a:r>
+              <a:rPr lang="en-US" dirty="0" err="1"/>
+              <a:t>hogy</a:t>
+            </a:r>
+            <a:r>
+              <a:rPr lang="en-US" dirty="0"/>
+              <a:t> </a:t>
+            </a:r>
+            <a:r>
+              <a:rPr lang="en-US" dirty="0" err="1"/>
+              <a:t>az</a:t>
+            </a:r>
+            <a:r>
+              <a:rPr lang="en-US" dirty="0"/>
+              <a:t> </a:t>
+            </a:r>
+            <a:r>
+              <a:rPr lang="en-US" dirty="0" err="1"/>
+              <a:t>erőforrás</a:t>
+            </a:r>
+            <a:r>
+              <a:rPr lang="en-US" dirty="0"/>
+              <a:t> </a:t>
+            </a:r>
+            <a:r>
+              <a:rPr lang="en-US" dirty="0" err="1"/>
+              <a:t>helyes</a:t>
+            </a:r>
+            <a:r>
+              <a:rPr lang="en-US" dirty="0"/>
+              <a:t> </a:t>
+            </a:r>
+            <a:r>
+              <a:rPr lang="en-US" dirty="0" err="1"/>
+              <a:t>állapotban</a:t>
+            </a:r>
+            <a:r>
+              <a:rPr lang="en-US" dirty="0"/>
+              <a:t> van-e </a:t>
+            </a:r>
+            <a:r>
+              <a:rPr lang="en-US" dirty="0" err="1"/>
+              <a:t>egy</a:t>
+            </a:r>
+            <a:r>
+              <a:rPr lang="en-US" dirty="0"/>
+              <a:t> </a:t>
+            </a:r>
+            <a:r>
+              <a:rPr lang="en-US" dirty="0" err="1"/>
+              <a:t>adott</a:t>
+            </a:r>
+            <a:r>
+              <a:rPr lang="en-US" dirty="0"/>
+              <a:t> m</a:t>
+            </a:r>
+            <a:r>
+              <a:rPr lang="hu-HU" dirty="0"/>
+              <a:t>ű</a:t>
+            </a:r>
+            <a:r>
+              <a:rPr lang="en-US" dirty="0" err="1"/>
+              <a:t>velhethez</a:t>
+            </a:r>
+            <a:r>
+              <a:rPr lang="en-US" dirty="0"/>
+              <a:t>.</a:t>
+            </a:r>
+          </a:p>
+          <a:p>
+            <a:pPr marL="0" indent="0">
+              <a:buFontTx/>
+              <a:buNone/>
+            </a:pPr>
+            <a:endParaRPr lang="en-US" dirty="0"/>
+          </a:p>
+          <a:p>
+            <a:pPr marL="0" indent="0">
+              <a:buFontTx/>
+              <a:buNone/>
+            </a:pPr>
+            <a:r>
+              <a:rPr lang="en-US" dirty="0" err="1"/>
+              <a:t>Például</a:t>
+            </a:r>
+            <a:r>
+              <a:rPr lang="en-US" dirty="0"/>
+              <a:t> ha </a:t>
+            </a:r>
+            <a:r>
+              <a:rPr lang="en-US" dirty="0" err="1"/>
+              <a:t>olvasni</a:t>
+            </a:r>
+            <a:r>
+              <a:rPr lang="en-US" dirty="0"/>
+              <a:t> </a:t>
+            </a:r>
+            <a:r>
+              <a:rPr lang="en-US" dirty="0" err="1"/>
+              <a:t>szeretnénk</a:t>
+            </a:r>
+            <a:r>
+              <a:rPr lang="en-US" dirty="0"/>
+              <a:t> </a:t>
+            </a:r>
+            <a:r>
+              <a:rPr lang="en-US" dirty="0" err="1"/>
+              <a:t>egy</a:t>
+            </a:r>
+            <a:r>
+              <a:rPr lang="en-US" dirty="0"/>
+              <a:t> </a:t>
+            </a:r>
+            <a:r>
+              <a:rPr lang="en-US" dirty="0" err="1"/>
+              <a:t>erőforrást</a:t>
+            </a:r>
+            <a:r>
+              <a:rPr lang="en-US" dirty="0"/>
+              <a:t>, </a:t>
+            </a:r>
+            <a:r>
+              <a:rPr lang="en-US" dirty="0" err="1"/>
+              <a:t>amelyet</a:t>
+            </a:r>
+            <a:r>
+              <a:rPr lang="en-US" dirty="0"/>
+              <a:t> </a:t>
+            </a:r>
+            <a:r>
+              <a:rPr lang="en-US" dirty="0" err="1"/>
+              <a:t>valaki</a:t>
+            </a:r>
+            <a:r>
+              <a:rPr lang="en-US" dirty="0"/>
+              <a:t> </a:t>
+            </a:r>
+            <a:r>
+              <a:rPr lang="en-US" dirty="0" err="1"/>
+              <a:t>más</a:t>
+            </a:r>
+            <a:r>
+              <a:rPr lang="en-US" dirty="0"/>
+              <a:t> </a:t>
+            </a:r>
+            <a:r>
+              <a:rPr lang="en-US" dirty="0" err="1"/>
+              <a:t>ír</a:t>
+            </a:r>
+            <a:r>
+              <a:rPr lang="en-US" dirty="0"/>
+              <a:t>, </a:t>
+            </a:r>
+            <a:r>
+              <a:rPr lang="en-US" dirty="0" err="1"/>
+              <a:t>akkor</a:t>
+            </a:r>
+            <a:r>
+              <a:rPr lang="en-US" dirty="0"/>
+              <a:t> </a:t>
+            </a:r>
+            <a:r>
+              <a:rPr lang="en-US" dirty="0" err="1"/>
+              <a:t>versenyhelyzet</a:t>
+            </a:r>
+            <a:r>
+              <a:rPr lang="en-US" dirty="0"/>
+              <a:t> </a:t>
+            </a:r>
+            <a:r>
+              <a:rPr lang="en-US" dirty="0" err="1"/>
+              <a:t>alakulhat</a:t>
+            </a:r>
+            <a:r>
+              <a:rPr lang="en-US" dirty="0"/>
+              <a:t> </a:t>
+            </a:r>
+            <a:r>
+              <a:rPr lang="en-US" dirty="0" err="1"/>
+              <a:t>ki</a:t>
+            </a:r>
+            <a:r>
+              <a:rPr lang="en-US" dirty="0"/>
+              <a:t>, </a:t>
+            </a:r>
+            <a:r>
+              <a:rPr lang="en-US" dirty="0" err="1"/>
+              <a:t>amelyet</a:t>
+            </a:r>
+            <a:r>
+              <a:rPr lang="en-US" dirty="0"/>
+              <a:t> </a:t>
+            </a:r>
+            <a:r>
+              <a:rPr lang="en-US" dirty="0" err="1"/>
+              <a:t>szeretnénk</a:t>
+            </a:r>
+            <a:r>
+              <a:rPr lang="en-US" dirty="0"/>
+              <a:t> </a:t>
+            </a:r>
+            <a:r>
+              <a:rPr lang="en-US" dirty="0" err="1"/>
+              <a:t>elkerülni</a:t>
+            </a:r>
+            <a:r>
+              <a:rPr lang="en-US" dirty="0"/>
+              <a:t>. </a:t>
+            </a:r>
+            <a:r>
+              <a:rPr lang="en-US" dirty="0" err="1"/>
+              <a:t>Egyébként</a:t>
+            </a:r>
+            <a:r>
+              <a:rPr lang="en-US" dirty="0"/>
+              <a:t> </a:t>
+            </a:r>
+            <a:r>
+              <a:rPr lang="en-US" dirty="0" err="1"/>
+              <a:t>normális</a:t>
+            </a:r>
+            <a:r>
+              <a:rPr lang="en-US" dirty="0"/>
+              <a:t> m</a:t>
+            </a:r>
+            <a:r>
+              <a:rPr lang="hu-HU" dirty="0"/>
+              <a:t>ű</a:t>
+            </a:r>
+            <a:r>
+              <a:rPr lang="en-US" dirty="0" err="1"/>
+              <a:t>ködés</a:t>
+            </a:r>
+            <a:r>
+              <a:rPr lang="en-US" dirty="0"/>
+              <a:t> </a:t>
+            </a:r>
+            <a:r>
+              <a:rPr lang="en-US" dirty="0" err="1"/>
+              <a:t>közben</a:t>
+            </a:r>
+            <a:r>
+              <a:rPr lang="en-US" dirty="0"/>
+              <a:t> a driver </a:t>
+            </a:r>
+            <a:r>
+              <a:rPr lang="en-US" dirty="0" err="1"/>
+              <a:t>elnyeli</a:t>
+            </a:r>
+            <a:r>
+              <a:rPr lang="en-US" dirty="0"/>
+              <a:t> </a:t>
+            </a:r>
+            <a:r>
+              <a:rPr lang="en-US" dirty="0" err="1"/>
+              <a:t>ezeket</a:t>
+            </a:r>
+            <a:r>
+              <a:rPr lang="en-US" dirty="0"/>
+              <a:t> </a:t>
+            </a:r>
+            <a:r>
+              <a:rPr lang="en-US" dirty="0" err="1"/>
+              <a:t>az</a:t>
+            </a:r>
+            <a:r>
+              <a:rPr lang="en-US" dirty="0"/>
+              <a:t> </a:t>
+            </a:r>
+            <a:r>
+              <a:rPr lang="en-US" dirty="0" err="1"/>
+              <a:t>üzeneteket</a:t>
+            </a:r>
+            <a:r>
+              <a:rPr lang="en-US" dirty="0"/>
+              <a:t>, </a:t>
+            </a:r>
+            <a:r>
+              <a:rPr lang="en-US" dirty="0" err="1"/>
+              <a:t>csak</a:t>
+            </a:r>
+            <a:r>
+              <a:rPr lang="en-US" dirty="0"/>
+              <a:t> </a:t>
+            </a:r>
+            <a:r>
+              <a:rPr lang="en-US" dirty="0" err="1"/>
+              <a:t>akkor</a:t>
+            </a:r>
+            <a:r>
+              <a:rPr lang="en-US" dirty="0"/>
+              <a:t> </a:t>
+            </a:r>
+            <a:r>
+              <a:rPr lang="en-US" dirty="0" err="1"/>
+              <a:t>kapunk</a:t>
+            </a:r>
+            <a:r>
+              <a:rPr lang="en-US" dirty="0"/>
+              <a:t> </a:t>
+            </a:r>
+            <a:r>
+              <a:rPr lang="en-US" dirty="0" err="1"/>
+              <a:t>hibát</a:t>
+            </a:r>
+            <a:r>
+              <a:rPr lang="en-US" dirty="0"/>
+              <a:t>, ha be van </a:t>
+            </a:r>
+            <a:r>
+              <a:rPr lang="en-US" dirty="0" err="1"/>
+              <a:t>kapcsolva</a:t>
+            </a:r>
+            <a:r>
+              <a:rPr lang="en-US" dirty="0"/>
+              <a:t> a </a:t>
+            </a:r>
+            <a:r>
+              <a:rPr lang="en-US" dirty="0" err="1"/>
+              <a:t>DebugLayer</a:t>
+            </a:r>
+            <a:r>
+              <a:rPr lang="en-US" dirty="0"/>
+              <a:t>, </a:t>
+            </a:r>
+            <a:r>
+              <a:rPr lang="en-US" dirty="0" err="1"/>
+              <a:t>már</a:t>
+            </a:r>
+            <a:r>
+              <a:rPr lang="en-US" dirty="0"/>
+              <a:t> </a:t>
+            </a:r>
+            <a:r>
+              <a:rPr lang="en-US" dirty="0" err="1"/>
+              <a:t>pedig</a:t>
+            </a:r>
+            <a:r>
+              <a:rPr lang="en-US" dirty="0"/>
+              <a:t> </a:t>
+            </a:r>
+            <a:r>
+              <a:rPr lang="en-US" dirty="0" err="1"/>
+              <a:t>azt</a:t>
+            </a:r>
+            <a:r>
+              <a:rPr lang="en-US" dirty="0"/>
+              <a:t> </a:t>
+            </a:r>
+            <a:r>
+              <a:rPr lang="en-US" dirty="0" err="1"/>
+              <a:t>megtettük</a:t>
+            </a:r>
+            <a:r>
+              <a:rPr lang="en-US" dirty="0"/>
+              <a:t> a main </a:t>
+            </a:r>
+            <a:r>
+              <a:rPr lang="en-US" dirty="0" err="1"/>
+              <a:t>függvényünk</a:t>
+            </a:r>
+            <a:r>
+              <a:rPr lang="en-US" dirty="0"/>
+              <a:t> </a:t>
+            </a:r>
+            <a:r>
+              <a:rPr lang="en-US" dirty="0" err="1"/>
+              <a:t>elején</a:t>
+            </a:r>
+            <a:r>
+              <a:rPr lang="en-US" dirty="0"/>
+              <a:t>, </a:t>
+            </a:r>
+            <a:r>
+              <a:rPr lang="en-US" dirty="0" err="1"/>
+              <a:t>eddig</a:t>
+            </a:r>
+            <a:r>
+              <a:rPr lang="en-US" dirty="0"/>
+              <a:t> </a:t>
+            </a:r>
+            <a:r>
+              <a:rPr lang="en-US" dirty="0" err="1"/>
+              <a:t>minden</a:t>
+            </a:r>
+            <a:r>
+              <a:rPr lang="en-US" dirty="0"/>
+              <a:t> </a:t>
+            </a:r>
+            <a:r>
+              <a:rPr lang="en-US" dirty="0" err="1"/>
+              <a:t>projektben</a:t>
+            </a:r>
+            <a:r>
+              <a:rPr lang="en-US" dirty="0"/>
+              <a:t>.</a:t>
+            </a:r>
+          </a:p>
+          <a:p>
+            <a:pPr marL="0" indent="0">
+              <a:buFontTx/>
+              <a:buNone/>
+            </a:pPr>
+            <a:endParaRPr lang="en-US" dirty="0"/>
+          </a:p>
+          <a:p>
+            <a:pPr marL="0" indent="0">
+              <a:buFontTx/>
+              <a:buNone/>
+            </a:pPr>
+            <a:r>
+              <a:rPr lang="en-US" dirty="0" err="1"/>
+              <a:t>Azt</a:t>
+            </a:r>
+            <a:r>
+              <a:rPr lang="en-US" dirty="0"/>
+              <a:t>, </a:t>
+            </a:r>
+            <a:r>
+              <a:rPr lang="en-US" dirty="0" err="1"/>
+              <a:t>hogy</a:t>
+            </a:r>
+            <a:r>
+              <a:rPr lang="en-US" dirty="0"/>
+              <a:t> </a:t>
+            </a:r>
+            <a:r>
+              <a:rPr lang="en-US" dirty="0" err="1"/>
+              <a:t>többen</a:t>
+            </a:r>
+            <a:r>
+              <a:rPr lang="en-US" dirty="0"/>
+              <a:t> </a:t>
+            </a:r>
+            <a:r>
+              <a:rPr lang="en-US" dirty="0" err="1"/>
+              <a:t>nyúlnak</a:t>
+            </a:r>
+            <a:r>
+              <a:rPr lang="en-US" dirty="0"/>
+              <a:t> </a:t>
+            </a:r>
+            <a:r>
+              <a:rPr lang="en-US" dirty="0" err="1"/>
+              <a:t>egy</a:t>
+            </a:r>
+            <a:r>
+              <a:rPr lang="en-US" dirty="0"/>
+              <a:t> </a:t>
+            </a:r>
+            <a:r>
+              <a:rPr lang="en-US" dirty="0" err="1"/>
+              <a:t>erőforráshoz</a:t>
+            </a:r>
+            <a:r>
+              <a:rPr lang="en-US" dirty="0"/>
+              <a:t> </a:t>
+            </a:r>
+            <a:r>
+              <a:rPr lang="en-US" dirty="0" err="1"/>
+              <a:t>úgy</a:t>
+            </a:r>
+            <a:r>
+              <a:rPr lang="en-US" dirty="0"/>
+              <a:t> </a:t>
+            </a:r>
+            <a:r>
+              <a:rPr lang="en-US" dirty="0" err="1"/>
+              <a:t>kell</a:t>
+            </a:r>
+            <a:r>
+              <a:rPr lang="en-US" dirty="0"/>
+              <a:t> </a:t>
+            </a:r>
+            <a:r>
+              <a:rPr lang="en-US" dirty="0" err="1"/>
+              <a:t>elképzelni</a:t>
+            </a:r>
+            <a:r>
+              <a:rPr lang="en-US" dirty="0"/>
+              <a:t>, </a:t>
+            </a:r>
+            <a:r>
+              <a:rPr lang="en-US" dirty="0" err="1"/>
+              <a:t>hogy</a:t>
+            </a:r>
+            <a:r>
+              <a:rPr lang="en-US" dirty="0"/>
+              <a:t> ha </a:t>
+            </a:r>
+            <a:r>
+              <a:rPr lang="en-US" dirty="0" err="1"/>
+              <a:t>több</a:t>
+            </a:r>
+            <a:r>
+              <a:rPr lang="en-US" dirty="0"/>
+              <a:t> </a:t>
+            </a:r>
+            <a:r>
+              <a:rPr lang="en-US" dirty="0" err="1"/>
+              <a:t>CommandList</a:t>
+            </a:r>
+            <a:r>
+              <a:rPr lang="en-US" dirty="0"/>
+              <a:t>-et </a:t>
+            </a:r>
+            <a:r>
+              <a:rPr lang="en-US" dirty="0" err="1"/>
+              <a:t>hoznánk</a:t>
+            </a:r>
+            <a:r>
+              <a:rPr lang="en-US" dirty="0"/>
+              <a:t> </a:t>
+            </a:r>
+            <a:r>
+              <a:rPr lang="en-US" dirty="0" err="1"/>
+              <a:t>létre</a:t>
+            </a:r>
+            <a:r>
+              <a:rPr lang="en-US" dirty="0"/>
+              <a:t>, </a:t>
+            </a:r>
+            <a:r>
+              <a:rPr lang="en-US" dirty="0" err="1"/>
+              <a:t>akkor</a:t>
+            </a:r>
+            <a:r>
+              <a:rPr lang="en-US" dirty="0"/>
+              <a:t> </a:t>
+            </a:r>
+            <a:r>
+              <a:rPr lang="en-US" dirty="0" err="1"/>
+              <a:t>abba</a:t>
+            </a:r>
+            <a:r>
+              <a:rPr lang="en-US" dirty="0"/>
+              <a:t> </a:t>
+            </a:r>
+            <a:r>
+              <a:rPr lang="en-US" dirty="0" err="1"/>
+              <a:t>párhuzamosan</a:t>
+            </a:r>
+            <a:r>
+              <a:rPr lang="en-US" dirty="0"/>
+              <a:t> </a:t>
+            </a:r>
+            <a:r>
+              <a:rPr lang="en-US" dirty="0" err="1"/>
+              <a:t>recordolhatunk</a:t>
+            </a:r>
+            <a:r>
+              <a:rPr lang="en-US" dirty="0"/>
+              <a:t> </a:t>
+            </a:r>
+            <a:r>
+              <a:rPr lang="en-US" dirty="0" err="1"/>
+              <a:t>és</a:t>
+            </a:r>
+            <a:r>
+              <a:rPr lang="en-US" dirty="0"/>
+              <a:t> </a:t>
+            </a:r>
+            <a:r>
+              <a:rPr lang="en-US" dirty="0" err="1"/>
+              <a:t>átadhatjuk</a:t>
+            </a:r>
+            <a:r>
+              <a:rPr lang="en-US" dirty="0"/>
+              <a:t> </a:t>
+            </a:r>
+            <a:r>
+              <a:rPr lang="en-US" dirty="0" err="1"/>
+              <a:t>őket</a:t>
+            </a:r>
+            <a:r>
+              <a:rPr lang="en-US" dirty="0"/>
+              <a:t> </a:t>
+            </a:r>
+            <a:r>
+              <a:rPr lang="en-US" dirty="0" err="1"/>
+              <a:t>egyszerre</a:t>
+            </a:r>
+            <a:r>
+              <a:rPr lang="en-US" dirty="0"/>
+              <a:t> </a:t>
+            </a:r>
+            <a:r>
+              <a:rPr lang="en-US" dirty="0" err="1"/>
+              <a:t>egy</a:t>
+            </a:r>
+            <a:r>
+              <a:rPr lang="en-US" dirty="0"/>
+              <a:t> </a:t>
+            </a:r>
+            <a:r>
+              <a:rPr lang="en-US" dirty="0" err="1"/>
+              <a:t>CommandQueue-nak</a:t>
+            </a:r>
+            <a:r>
+              <a:rPr lang="en-US" dirty="0"/>
+              <a:t>. </a:t>
+            </a:r>
+            <a:r>
+              <a:rPr lang="en-US" dirty="0" err="1"/>
+              <a:t>Ezután</a:t>
+            </a:r>
+            <a:r>
+              <a:rPr lang="en-US" dirty="0"/>
+              <a:t> a </a:t>
+            </a:r>
+            <a:r>
+              <a:rPr lang="en-US" dirty="0" err="1"/>
+              <a:t>CommandList-ek</a:t>
+            </a:r>
+            <a:r>
+              <a:rPr lang="en-US" dirty="0"/>
+              <a:t> </a:t>
+            </a:r>
+            <a:r>
+              <a:rPr lang="en-US" dirty="0" err="1"/>
+              <a:t>lefutásának</a:t>
+            </a:r>
+            <a:r>
+              <a:rPr lang="en-US" dirty="0"/>
+              <a:t> a </a:t>
+            </a:r>
+            <a:r>
+              <a:rPr lang="en-US" dirty="0" err="1"/>
+              <a:t>sorrendje</a:t>
+            </a:r>
+            <a:r>
+              <a:rPr lang="en-US" dirty="0"/>
+              <a:t> </a:t>
+            </a:r>
+            <a:r>
+              <a:rPr lang="en-US" dirty="0" err="1"/>
+              <a:t>nemdeterminisztikus</a:t>
+            </a:r>
+            <a:r>
+              <a:rPr lang="en-US" dirty="0"/>
+              <a:t>.</a:t>
+            </a:r>
+          </a:p>
+        </p:txBody>
+      </p:sp>
+      <p:sp>
+        <p:nvSpPr>
+          <p:cNvPr id="4" name="Slide Number Placeholder 3"/>
+          <p:cNvSpPr>
+            <a:spLocks noGrp="1"/>
+          </p:cNvSpPr>
+          <p:nvPr>
+            <p:ph type="sldNum" sz="quarter" idx="5"/>
+          </p:nvPr>
+        </p:nvSpPr>
+        <p:spPr/>
+        <p:txBody>
+          <a:bodyPr/>
+          <a:lstStyle/>
+          <a:p>
+            <a:fld id="{EE1CB54F-71BB-491D-A98F-DF04FDAAD72D}" type="slidenum">
+              <a:rPr lang="en-US" smtClean="0"/>
+              <a:pPr/>
+              <a:t>11</a:t>
+            </a:fld>
+            <a:endParaRPr lang="en-US"/>
+          </a:p>
+        </p:txBody>
+      </p:sp>
+    </p:spTree>
+    <p:extLst>
+      <p:ext uri="{BB962C8B-B14F-4D97-AF65-F5344CB8AC3E}">
+        <p14:creationId xmlns:p14="http://schemas.microsoft.com/office/powerpoint/2010/main" val="3913643177"/>
+      </p:ext>
+    </p:extLst>
+  </p:cSld>
+  <p:clrMapOvr>
+    <a:masterClrMapping/>
+  </p:clrMapOvr>
+</p:notes>
+</file>
+
+<file path=ppt/notesSlides/notesSlide11.xml><?xml version="1.0" encoding="utf-8"?>
+<p:notes xmlns:a="http://schemas.openxmlformats.org/drawingml/2006/main" xmlns:r="http://schemas.openxmlformats.org/officeDocument/2006/relationships" xmlns:p="http://schemas.openxmlformats.org/presentationml/2006/main">
+  <p:cSld>
+    <p:spTree>
+      <p:nvGrpSpPr>
+        <p:cNvPr id="1" name=""/>
+        <p:cNvGrpSpPr/>
+        <p:nvPr/>
+      </p:nvGrpSpPr>
+      <p:grpSpPr>
+        <a:xfrm>
+          <a:off x="0" y="0"/>
+          <a:ext cx="0" cy="0"/>
+          <a:chOff x="0" y="0"/>
+          <a:chExt cx="0" cy="0"/>
+        </a:xfrm>
+      </p:grpSpPr>
+      <p:sp>
+        <p:nvSpPr>
+          <p:cNvPr id="2" name="Slide Image Placeholder 1"/>
+          <p:cNvSpPr>
+            <a:spLocks noGrp="1" noRot="1" noChangeAspect="1"/>
+          </p:cNvSpPr>
+          <p:nvPr>
+            <p:ph type="sldImg"/>
+          </p:nvPr>
+        </p:nvSpPr>
+        <p:spPr/>
+      </p:sp>
+      <p:sp>
+        <p:nvSpPr>
+          <p:cNvPr id="3" name="Notes Placeholder 2"/>
+          <p:cNvSpPr>
+            <a:spLocks noGrp="1"/>
+          </p:cNvSpPr>
+          <p:nvPr>
+            <p:ph type="body" idx="1"/>
+          </p:nvPr>
+        </p:nvSpPr>
+        <p:spPr/>
+        <p:txBody>
+          <a:bodyPr/>
+          <a:lstStyle/>
+          <a:p>
+            <a:pPr marL="0" indent="0">
+              <a:buFontTx/>
+              <a:buNone/>
+            </a:pPr>
+            <a:endParaRPr lang="en-US" dirty="0"/>
+          </a:p>
+        </p:txBody>
+      </p:sp>
+      <p:sp>
+        <p:nvSpPr>
+          <p:cNvPr id="4" name="Slide Number Placeholder 3"/>
+          <p:cNvSpPr>
+            <a:spLocks noGrp="1"/>
+          </p:cNvSpPr>
+          <p:nvPr>
+            <p:ph type="sldNum" sz="quarter" idx="5"/>
+          </p:nvPr>
+        </p:nvSpPr>
+        <p:spPr/>
+        <p:txBody>
+          <a:bodyPr/>
+          <a:lstStyle/>
+          <a:p>
+            <a:fld id="{EE1CB54F-71BB-491D-A98F-DF04FDAAD72D}" type="slidenum">
+              <a:rPr lang="en-US" smtClean="0"/>
+              <a:pPr/>
+              <a:t>12</a:t>
+            </a:fld>
+            <a:endParaRPr lang="en-US"/>
+          </a:p>
+        </p:txBody>
+      </p:sp>
+    </p:spTree>
+    <p:extLst>
+      <p:ext uri="{BB962C8B-B14F-4D97-AF65-F5344CB8AC3E}">
+        <p14:creationId xmlns:p14="http://schemas.microsoft.com/office/powerpoint/2010/main" val="2596502954"/>
+      </p:ext>
+    </p:extLst>
+  </p:cSld>
+  <p:clrMapOvr>
+    <a:masterClrMapping/>
+  </p:clrMapOvr>
+</p:notes>
+</file>
+
+<file path=ppt/notesSlides/notesSlide12.xml><?xml version="1.0" encoding="utf-8"?>
+<p:notes xmlns:a="http://schemas.openxmlformats.org/drawingml/2006/main" xmlns:r="http://schemas.openxmlformats.org/officeDocument/2006/relationships" xmlns:p="http://schemas.openxmlformats.org/presentationml/2006/main">
+  <p:cSld>
+    <p:spTree>
+      <p:nvGrpSpPr>
+        <p:cNvPr id="1" name=""/>
+        <p:cNvGrpSpPr/>
+        <p:nvPr/>
+      </p:nvGrpSpPr>
+      <p:grpSpPr>
+        <a:xfrm>
+          <a:off x="0" y="0"/>
+          <a:ext cx="0" cy="0"/>
+          <a:chOff x="0" y="0"/>
+          <a:chExt cx="0" cy="0"/>
+        </a:xfrm>
+      </p:grpSpPr>
+      <p:sp>
+        <p:nvSpPr>
+          <p:cNvPr id="2" name="Slide Image Placeholder 1"/>
+          <p:cNvSpPr>
+            <a:spLocks noGrp="1" noRot="1" noChangeAspect="1"/>
+          </p:cNvSpPr>
+          <p:nvPr>
+            <p:ph type="sldImg"/>
+          </p:nvPr>
+        </p:nvSpPr>
+        <p:spPr/>
+      </p:sp>
+      <p:sp>
+        <p:nvSpPr>
+          <p:cNvPr id="3" name="Notes Placeholder 2"/>
+          <p:cNvSpPr>
+            <a:spLocks noGrp="1"/>
+          </p:cNvSpPr>
+          <p:nvPr>
+            <p:ph type="body" idx="1"/>
+          </p:nvPr>
+        </p:nvSpPr>
+        <p:spPr/>
+        <p:txBody>
+          <a:bodyPr>
+            <a:normAutofit/>
+          </a:bodyPr>
+          <a:lstStyle/>
+          <a:p>
+            <a:pPr marL="0" indent="0">
+              <a:buFontTx/>
+              <a:buNone/>
+            </a:pPr>
+            <a:r>
+              <a:rPr lang="en-US" dirty="0" err="1"/>
+              <a:t>Később</a:t>
+            </a:r>
+            <a:r>
+              <a:rPr lang="en-US" dirty="0"/>
+              <a:t> </a:t>
+            </a:r>
+            <a:r>
+              <a:rPr lang="en-US" dirty="0" err="1"/>
+              <a:t>látni</a:t>
+            </a:r>
+            <a:r>
+              <a:rPr lang="en-US" dirty="0"/>
+              <a:t> </a:t>
+            </a:r>
+            <a:r>
+              <a:rPr lang="en-US" dirty="0" err="1"/>
+              <a:t>fogjuk</a:t>
+            </a:r>
+            <a:r>
+              <a:rPr lang="en-US" dirty="0"/>
+              <a:t>, </a:t>
+            </a:r>
+            <a:r>
+              <a:rPr lang="en-US" dirty="0" err="1"/>
+              <a:t>hogy</a:t>
+            </a:r>
+            <a:r>
+              <a:rPr lang="en-US" dirty="0"/>
+              <a:t> </a:t>
+            </a:r>
+            <a:r>
+              <a:rPr lang="en-US" dirty="0" err="1"/>
+              <a:t>miért</a:t>
+            </a:r>
+            <a:r>
+              <a:rPr lang="en-US" dirty="0"/>
+              <a:t> </a:t>
+            </a:r>
+            <a:r>
+              <a:rPr lang="en-US" dirty="0" err="1"/>
+              <a:t>kell</a:t>
+            </a:r>
+            <a:r>
+              <a:rPr lang="en-US" dirty="0"/>
+              <a:t> </a:t>
+            </a:r>
+            <a:r>
+              <a:rPr lang="en-US" dirty="0" err="1"/>
+              <a:t>az</a:t>
+            </a:r>
+            <a:r>
+              <a:rPr lang="en-US" dirty="0"/>
+              <a:t> </a:t>
+            </a:r>
+            <a:r>
+              <a:rPr lang="en-US" dirty="0" err="1"/>
+              <a:t>srvHeap</a:t>
+            </a:r>
+            <a:r>
+              <a:rPr lang="en-US" dirty="0"/>
+              <a:t>, </a:t>
+            </a:r>
+            <a:r>
+              <a:rPr lang="en-US" dirty="0" err="1"/>
+              <a:t>ismétlés</a:t>
+            </a:r>
+            <a:r>
+              <a:rPr lang="en-US" dirty="0"/>
+              <a:t>: ID3D12DescriptorHeap </a:t>
+            </a:r>
+            <a:r>
+              <a:rPr lang="en-US" dirty="0" err="1"/>
+              <a:t>az</a:t>
+            </a:r>
+            <a:r>
+              <a:rPr lang="en-US" dirty="0"/>
+              <a:t> </a:t>
+            </a:r>
+            <a:r>
+              <a:rPr lang="en-US" dirty="0" err="1"/>
+              <a:t>egy</a:t>
+            </a:r>
+            <a:r>
+              <a:rPr lang="en-US" dirty="0"/>
+              <a:t> </a:t>
+            </a:r>
+            <a:r>
+              <a:rPr lang="en-US" dirty="0" err="1"/>
+              <a:t>olyan</a:t>
+            </a:r>
+            <a:r>
+              <a:rPr lang="en-US" dirty="0"/>
+              <a:t> </a:t>
+            </a:r>
+            <a:r>
+              <a:rPr lang="en-US" dirty="0" err="1"/>
+              <a:t>memóriaterület</a:t>
+            </a:r>
+            <a:r>
+              <a:rPr lang="en-US" dirty="0"/>
+              <a:t>, </a:t>
+            </a:r>
+            <a:r>
+              <a:rPr lang="en-US" dirty="0" err="1"/>
+              <a:t>amely</a:t>
+            </a:r>
+            <a:r>
+              <a:rPr lang="en-US" dirty="0"/>
+              <a:t> </a:t>
+            </a:r>
+            <a:r>
+              <a:rPr lang="en-US" dirty="0" err="1"/>
+              <a:t>különböző</a:t>
+            </a:r>
+            <a:r>
+              <a:rPr lang="en-US" dirty="0"/>
+              <a:t> View-</a:t>
+            </a:r>
+            <a:r>
+              <a:rPr lang="en-US" dirty="0" err="1"/>
+              <a:t>eket</a:t>
+            </a:r>
+            <a:r>
+              <a:rPr lang="en-US" dirty="0"/>
+              <a:t> </a:t>
+            </a:r>
+            <a:r>
+              <a:rPr lang="en-US" dirty="0" err="1"/>
+              <a:t>tárol</a:t>
+            </a:r>
+            <a:r>
+              <a:rPr lang="en-US" dirty="0"/>
+              <a:t>, </a:t>
+            </a:r>
+            <a:r>
+              <a:rPr lang="en-US" dirty="0" err="1"/>
+              <a:t>egy</a:t>
+            </a:r>
+            <a:r>
+              <a:rPr lang="en-US" dirty="0"/>
+              <a:t> view </a:t>
+            </a:r>
+            <a:r>
+              <a:rPr lang="en-US" dirty="0" err="1"/>
+              <a:t>nem</a:t>
+            </a:r>
+            <a:r>
+              <a:rPr lang="en-US" dirty="0"/>
+              <a:t> </a:t>
+            </a:r>
+            <a:r>
+              <a:rPr lang="en-US" dirty="0" err="1"/>
+              <a:t>más</a:t>
+            </a:r>
+            <a:r>
+              <a:rPr lang="en-US" dirty="0"/>
+              <a:t>, mint </a:t>
+            </a:r>
+            <a:r>
+              <a:rPr lang="en-US" dirty="0" err="1"/>
+              <a:t>egy</a:t>
+            </a:r>
+            <a:r>
+              <a:rPr lang="en-US" dirty="0"/>
+              <a:t> GPU </a:t>
+            </a:r>
+            <a:r>
+              <a:rPr lang="en-US" dirty="0" err="1"/>
+              <a:t>oldali</a:t>
+            </a:r>
+            <a:r>
+              <a:rPr lang="en-US" dirty="0"/>
+              <a:t> pointer</a:t>
+            </a:r>
+          </a:p>
+        </p:txBody>
+      </p:sp>
+      <p:sp>
+        <p:nvSpPr>
+          <p:cNvPr id="4" name="Slide Number Placeholder 3"/>
+          <p:cNvSpPr>
+            <a:spLocks noGrp="1"/>
+          </p:cNvSpPr>
+          <p:nvPr>
+            <p:ph type="sldNum" sz="quarter" idx="5"/>
+          </p:nvPr>
+        </p:nvSpPr>
+        <p:spPr/>
+        <p:txBody>
+          <a:bodyPr/>
+          <a:lstStyle/>
+          <a:p>
+            <a:fld id="{EE1CB54F-71BB-491D-A98F-DF04FDAAD72D}" type="slidenum">
+              <a:rPr lang="en-US" smtClean="0"/>
+              <a:pPr/>
+              <a:t>13</a:t>
+            </a:fld>
+            <a:endParaRPr lang="en-US"/>
+          </a:p>
+        </p:txBody>
+      </p:sp>
+    </p:spTree>
+    <p:extLst>
+      <p:ext uri="{BB962C8B-B14F-4D97-AF65-F5344CB8AC3E}">
+        <p14:creationId xmlns:p14="http://schemas.microsoft.com/office/powerpoint/2010/main" val="2946060144"/>
+      </p:ext>
+    </p:extLst>
+  </p:cSld>
+  <p:clrMapOvr>
+    <a:masterClrMapping/>
+  </p:clrMapOvr>
+</p:notes>
+</file>
+
+<file path=ppt/notesSlides/notesSlide13.xml><?xml version="1.0" encoding="utf-8"?>
+<p:notes xmlns:a="http://schemas.openxmlformats.org/drawingml/2006/main" xmlns:r="http://schemas.openxmlformats.org/officeDocument/2006/relationships" xmlns:p="http://schemas.openxmlformats.org/presentationml/2006/main">
+  <p:cSld>
+    <p:spTree>
+      <p:nvGrpSpPr>
+        <p:cNvPr id="1" name=""/>
+        <p:cNvGrpSpPr/>
+        <p:nvPr/>
+      </p:nvGrpSpPr>
+      <p:grpSpPr>
+        <a:xfrm>
+          <a:off x="0" y="0"/>
+          <a:ext cx="0" cy="0"/>
+          <a:chOff x="0" y="0"/>
+          <a:chExt cx="0" cy="0"/>
+        </a:xfrm>
+      </p:grpSpPr>
+      <p:sp>
+        <p:nvSpPr>
+          <p:cNvPr id="2" name="Slide Image Placeholder 1"/>
+          <p:cNvSpPr>
+            <a:spLocks noGrp="1" noRot="1" noChangeAspect="1"/>
+          </p:cNvSpPr>
+          <p:nvPr>
+            <p:ph type="sldImg"/>
+          </p:nvPr>
+        </p:nvSpPr>
+        <p:spPr/>
+      </p:sp>
+      <p:sp>
+        <p:nvSpPr>
+          <p:cNvPr id="3" name="Notes Placeholder 2"/>
+          <p:cNvSpPr>
+            <a:spLocks noGrp="1"/>
+          </p:cNvSpPr>
+          <p:nvPr>
+            <p:ph type="body" idx="1"/>
+          </p:nvPr>
+        </p:nvSpPr>
+        <p:spPr/>
+        <p:txBody>
+          <a:bodyPr>
+            <a:normAutofit/>
+          </a:bodyPr>
+          <a:lstStyle/>
+          <a:p>
+            <a:pPr marL="0" indent="0">
+              <a:buFontTx/>
+              <a:buNone/>
+            </a:pPr>
+            <a:r>
+              <a:rPr lang="en-US" dirty="0"/>
+              <a:t>A </a:t>
+            </a:r>
+            <a:r>
+              <a:rPr lang="en-US" dirty="0" err="1"/>
+              <a:t>CreateResource-sban</a:t>
+            </a:r>
+            <a:r>
+              <a:rPr lang="en-US" dirty="0"/>
+              <a:t> </a:t>
+            </a:r>
+            <a:r>
+              <a:rPr lang="en-US" dirty="0" err="1"/>
+              <a:t>létrehozunk</a:t>
+            </a:r>
+            <a:r>
+              <a:rPr lang="en-US" dirty="0"/>
+              <a:t> </a:t>
+            </a:r>
+            <a:r>
+              <a:rPr lang="en-US" dirty="0" err="1"/>
+              <a:t>egy</a:t>
+            </a:r>
+            <a:r>
+              <a:rPr lang="en-US" dirty="0"/>
+              <a:t> </a:t>
+            </a:r>
+            <a:r>
+              <a:rPr lang="en-US" dirty="0" err="1"/>
+              <a:t>megfelelő</a:t>
+            </a:r>
+            <a:r>
+              <a:rPr lang="en-US" dirty="0"/>
+              <a:t> descriptor heap-et, </a:t>
+            </a:r>
+            <a:r>
+              <a:rPr lang="en-US" dirty="0" err="1"/>
+              <a:t>itt</a:t>
+            </a:r>
+            <a:r>
+              <a:rPr lang="en-US" dirty="0"/>
+              <a:t> a </a:t>
+            </a:r>
+            <a:r>
+              <a:rPr lang="en-US" dirty="0" err="1"/>
+              <a:t>megfelelő</a:t>
+            </a:r>
+            <a:r>
+              <a:rPr lang="en-US" dirty="0"/>
+              <a:t> </a:t>
+            </a:r>
+            <a:r>
+              <a:rPr lang="en-US" dirty="0" err="1"/>
+              <a:t>arra</a:t>
+            </a:r>
+            <a:r>
+              <a:rPr lang="en-US" dirty="0"/>
+              <a:t> </a:t>
+            </a:r>
+            <a:r>
+              <a:rPr lang="en-US" dirty="0" err="1"/>
+              <a:t>vonatkozik</a:t>
+            </a:r>
+            <a:r>
+              <a:rPr lang="en-US" dirty="0"/>
+              <a:t>, </a:t>
+            </a:r>
+            <a:r>
+              <a:rPr lang="en-US" dirty="0" err="1"/>
+              <a:t>hogy</a:t>
+            </a:r>
+            <a:r>
+              <a:rPr lang="en-US" dirty="0"/>
+              <a:t> be </a:t>
+            </a:r>
+            <a:r>
+              <a:rPr lang="en-US" dirty="0" err="1"/>
+              <a:t>kell</a:t>
+            </a:r>
+            <a:r>
+              <a:rPr lang="en-US" dirty="0"/>
+              <a:t> </a:t>
+            </a:r>
+            <a:r>
+              <a:rPr lang="en-US" dirty="0" err="1"/>
+              <a:t>állítani</a:t>
+            </a:r>
+            <a:r>
+              <a:rPr lang="en-US" dirty="0"/>
+              <a:t> a SHADER_VISIBLE flag-et, </a:t>
+            </a:r>
+            <a:r>
+              <a:rPr lang="en-US" dirty="0" err="1"/>
+              <a:t>illetve</a:t>
+            </a:r>
+            <a:r>
+              <a:rPr lang="en-US" dirty="0"/>
+              <a:t> </a:t>
+            </a:r>
+            <a:r>
+              <a:rPr lang="en-US" dirty="0" err="1"/>
+              <a:t>megadni</a:t>
+            </a:r>
+            <a:r>
+              <a:rPr lang="en-US" dirty="0"/>
+              <a:t> a </a:t>
+            </a:r>
+            <a:r>
+              <a:rPr lang="en-US" dirty="0" err="1"/>
+              <a:t>NumDescriptors</a:t>
+            </a:r>
+            <a:r>
+              <a:rPr lang="en-US" dirty="0"/>
+              <a:t> </a:t>
+            </a:r>
+            <a:r>
+              <a:rPr lang="en-US" dirty="0" err="1"/>
+              <a:t>értéket</a:t>
+            </a:r>
+            <a:r>
+              <a:rPr lang="en-US" dirty="0"/>
+              <a:t>, most </a:t>
+            </a:r>
+            <a:r>
+              <a:rPr lang="en-US" dirty="0" err="1"/>
+              <a:t>hardcodeoljuk</a:t>
+            </a:r>
+            <a:r>
+              <a:rPr lang="en-US" dirty="0"/>
+              <a:t> a </a:t>
+            </a:r>
+            <a:r>
+              <a:rPr lang="en-US" dirty="0" err="1"/>
+              <a:t>NumDescriptors</a:t>
+            </a:r>
+            <a:r>
+              <a:rPr lang="en-US" dirty="0"/>
+              <a:t>-t. </a:t>
+            </a:r>
+            <a:r>
+              <a:rPr lang="en-US" dirty="0" err="1"/>
+              <a:t>Illetve</a:t>
+            </a:r>
+            <a:r>
+              <a:rPr lang="en-US" dirty="0"/>
+              <a:t> a </a:t>
+            </a:r>
+            <a:r>
+              <a:rPr lang="en-US" dirty="0" err="1"/>
+              <a:t>típusát</a:t>
+            </a:r>
+            <a:r>
+              <a:rPr lang="en-US" dirty="0"/>
+              <a:t> is CBV_SRV_UAV-ra </a:t>
+            </a:r>
+            <a:r>
+              <a:rPr lang="en-US" dirty="0" err="1"/>
+              <a:t>kell</a:t>
+            </a:r>
+            <a:r>
+              <a:rPr lang="en-US" dirty="0"/>
+              <a:t> </a:t>
+            </a:r>
+            <a:r>
+              <a:rPr lang="en-US" dirty="0" err="1"/>
+              <a:t>állítani</a:t>
+            </a:r>
+            <a:r>
+              <a:rPr lang="en-US" dirty="0"/>
+              <a:t>.</a:t>
+            </a:r>
+          </a:p>
+          <a:p>
+            <a:pPr marL="0" indent="0">
+              <a:buFontTx/>
+              <a:buNone/>
+            </a:pPr>
+            <a:endParaRPr lang="en-US" dirty="0"/>
+          </a:p>
+          <a:p>
+            <a:pPr marL="0" indent="0">
+              <a:buFontTx/>
+              <a:buNone/>
+            </a:pPr>
+            <a:r>
+              <a:rPr lang="en-US" dirty="0" err="1"/>
+              <a:t>Kitérő</a:t>
+            </a:r>
+            <a:r>
+              <a:rPr lang="en-US" dirty="0"/>
+              <a:t>:</a:t>
+            </a:r>
+          </a:p>
+          <a:p>
+            <a:pPr marL="171450" indent="-171450">
+              <a:buFontTx/>
+              <a:buChar char="-"/>
+            </a:pPr>
+            <a:r>
+              <a:rPr lang="en-US" dirty="0"/>
+              <a:t>CBV: Constant Buffer View</a:t>
+            </a:r>
+          </a:p>
+          <a:p>
+            <a:pPr marL="171450" indent="-171450">
+              <a:buFontTx/>
+              <a:buChar char="-"/>
+            </a:pPr>
+            <a:r>
+              <a:rPr lang="en-US" dirty="0"/>
+              <a:t>SRV: Shader Resource View</a:t>
+            </a:r>
+          </a:p>
+          <a:p>
+            <a:pPr marL="171450" indent="-171450">
+              <a:buFontTx/>
+              <a:buChar char="-"/>
+            </a:pPr>
+            <a:r>
+              <a:rPr lang="en-US" dirty="0"/>
+              <a:t>UAV: Unordered Access View</a:t>
+            </a:r>
+          </a:p>
+        </p:txBody>
+      </p:sp>
+      <p:sp>
+        <p:nvSpPr>
+          <p:cNvPr id="4" name="Slide Number Placeholder 3"/>
+          <p:cNvSpPr>
+            <a:spLocks noGrp="1"/>
+          </p:cNvSpPr>
+          <p:nvPr>
+            <p:ph type="sldNum" sz="quarter" idx="5"/>
+          </p:nvPr>
+        </p:nvSpPr>
+        <p:spPr/>
+        <p:txBody>
+          <a:bodyPr/>
+          <a:lstStyle/>
+          <a:p>
+            <a:fld id="{EE1CB54F-71BB-491D-A98F-DF04FDAAD72D}" type="slidenum">
+              <a:rPr lang="en-US" smtClean="0"/>
+              <a:pPr/>
+              <a:t>14</a:t>
+            </a:fld>
+            <a:endParaRPr lang="en-US"/>
+          </a:p>
+        </p:txBody>
+      </p:sp>
+    </p:spTree>
+    <p:extLst>
+      <p:ext uri="{BB962C8B-B14F-4D97-AF65-F5344CB8AC3E}">
+        <p14:creationId xmlns:p14="http://schemas.microsoft.com/office/powerpoint/2010/main" val="3966474695"/>
+      </p:ext>
+    </p:extLst>
+  </p:cSld>
+  <p:clrMapOvr>
+    <a:masterClrMapping/>
+  </p:clrMapOvr>
+</p:notes>
+</file>
+
+<file path=ppt/notesSlides/notesSlide14.xml><?xml version="1.0" encoding="utf-8"?>
+<p:notes xmlns:a="http://schemas.openxmlformats.org/drawingml/2006/main" xmlns:r="http://schemas.openxmlformats.org/officeDocument/2006/relationships" xmlns:p="http://schemas.openxmlformats.org/presentationml/2006/main">
+  <p:cSld>
+    <p:spTree>
+      <p:nvGrpSpPr>
+        <p:cNvPr id="1" name=""/>
+        <p:cNvGrpSpPr/>
+        <p:nvPr/>
+      </p:nvGrpSpPr>
+      <p:grpSpPr>
+        <a:xfrm>
+          <a:off x="0" y="0"/>
+          <a:ext cx="0" cy="0"/>
+          <a:chOff x="0" y="0"/>
+          <a:chExt cx="0" cy="0"/>
+        </a:xfrm>
+      </p:grpSpPr>
+      <p:sp>
+        <p:nvSpPr>
+          <p:cNvPr id="2" name="Slide Image Placeholder 1"/>
+          <p:cNvSpPr>
+            <a:spLocks noGrp="1" noRot="1" noChangeAspect="1"/>
+          </p:cNvSpPr>
+          <p:nvPr>
+            <p:ph type="sldImg"/>
+          </p:nvPr>
+        </p:nvSpPr>
+        <p:spPr/>
+      </p:sp>
+      <p:sp>
+        <p:nvSpPr>
+          <p:cNvPr id="3" name="Notes Placeholder 2"/>
+          <p:cNvSpPr>
+            <a:spLocks noGrp="1"/>
+          </p:cNvSpPr>
+          <p:nvPr>
+            <p:ph type="body" idx="1"/>
+          </p:nvPr>
+        </p:nvSpPr>
+        <p:spPr/>
+        <p:txBody>
+          <a:bodyPr>
+            <a:normAutofit/>
+          </a:bodyPr>
+          <a:lstStyle/>
+          <a:p>
+            <a:pPr marL="0" indent="0">
+              <a:buFontTx/>
+              <a:buNone/>
+            </a:pPr>
+            <a:r>
+              <a:rPr lang="en-US" dirty="0"/>
+              <a:t>A return </a:t>
+            </a:r>
+            <a:r>
+              <a:rPr lang="en-US" dirty="0" err="1"/>
+              <a:t>utasítás</a:t>
+            </a:r>
+            <a:r>
+              <a:rPr lang="en-US" dirty="0"/>
+              <a:t> </a:t>
+            </a:r>
+            <a:r>
+              <a:rPr lang="en-US" dirty="0" err="1"/>
+              <a:t>előtt</a:t>
+            </a:r>
+            <a:r>
+              <a:rPr lang="en-US" dirty="0"/>
+              <a:t> </a:t>
+            </a:r>
+            <a:r>
+              <a:rPr lang="en-US" dirty="0" err="1"/>
+              <a:t>ennyivel</a:t>
+            </a:r>
+            <a:r>
+              <a:rPr lang="en-US" dirty="0"/>
+              <a:t> </a:t>
+            </a:r>
+            <a:r>
+              <a:rPr lang="en-US" dirty="0" err="1"/>
+              <a:t>kell</a:t>
+            </a:r>
+            <a:r>
+              <a:rPr lang="en-US" dirty="0"/>
+              <a:t> </a:t>
+            </a:r>
+            <a:r>
+              <a:rPr lang="en-US" dirty="0" err="1"/>
+              <a:t>kiegészíteni</a:t>
+            </a:r>
+            <a:r>
+              <a:rPr lang="en-US" dirty="0"/>
+              <a:t> a </a:t>
+            </a:r>
+            <a:r>
+              <a:rPr lang="en-US" dirty="0" err="1"/>
+              <a:t>függvényt</a:t>
+            </a:r>
+            <a:r>
+              <a:rPr lang="en-US" dirty="0"/>
+              <a:t>.</a:t>
+            </a:r>
+          </a:p>
+          <a:p>
+            <a:pPr marL="0" indent="0">
+              <a:buFontTx/>
+              <a:buNone/>
+            </a:pPr>
+            <a:endParaRPr lang="en-US" dirty="0"/>
+          </a:p>
+          <a:p>
+            <a:pPr marL="0" indent="0">
+              <a:buFontTx/>
+              <a:buNone/>
+            </a:pPr>
+            <a:r>
+              <a:rPr lang="en-US" dirty="0" err="1"/>
+              <a:t>Itt</a:t>
+            </a:r>
+            <a:r>
+              <a:rPr lang="en-US" dirty="0"/>
+              <a:t> a </a:t>
+            </a:r>
+            <a:r>
+              <a:rPr lang="en-US" dirty="0" err="1"/>
+              <a:t>következő</a:t>
+            </a:r>
+            <a:r>
+              <a:rPr lang="en-US" dirty="0"/>
+              <a:t> </a:t>
+            </a:r>
+            <a:r>
+              <a:rPr lang="en-US" dirty="0" err="1"/>
+              <a:t>zajlik</a:t>
+            </a:r>
+            <a:r>
+              <a:rPr lang="en-US" dirty="0"/>
+              <a:t> le:</a:t>
+            </a:r>
+          </a:p>
+          <a:p>
+            <a:pPr marL="171450" indent="-171450">
+              <a:buFontTx/>
+              <a:buChar char="-"/>
+            </a:pPr>
+            <a:r>
+              <a:rPr lang="en-US" dirty="0" err="1"/>
+              <a:t>Betöltjük</a:t>
+            </a:r>
+            <a:r>
+              <a:rPr lang="en-US" dirty="0"/>
+              <a:t> a pixel </a:t>
+            </a:r>
+            <a:r>
+              <a:rPr lang="en-US" dirty="0" err="1"/>
+              <a:t>adatokat</a:t>
+            </a:r>
+            <a:r>
+              <a:rPr lang="en-US" dirty="0"/>
+              <a:t> </a:t>
+            </a:r>
+            <a:r>
+              <a:rPr lang="en-US" dirty="0" err="1"/>
+              <a:t>és</a:t>
+            </a:r>
+            <a:r>
+              <a:rPr lang="en-US" dirty="0"/>
+              <a:t> </a:t>
+            </a:r>
+            <a:r>
+              <a:rPr lang="en-US" dirty="0" err="1"/>
+              <a:t>létrehozzuk</a:t>
+            </a:r>
+            <a:r>
+              <a:rPr lang="en-US" dirty="0"/>
+              <a:t> </a:t>
+            </a:r>
+            <a:r>
+              <a:rPr lang="en-US" dirty="0" err="1"/>
+              <a:t>az</a:t>
+            </a:r>
+            <a:r>
+              <a:rPr lang="en-US" dirty="0"/>
+              <a:t> </a:t>
+            </a:r>
+            <a:r>
+              <a:rPr lang="en-US" dirty="0" err="1"/>
+              <a:t>erőforrásokat</a:t>
+            </a:r>
+            <a:r>
+              <a:rPr lang="en-US" dirty="0"/>
+              <a:t>, </a:t>
+            </a:r>
+            <a:r>
+              <a:rPr lang="en-US" dirty="0" err="1"/>
+              <a:t>még</a:t>
+            </a:r>
+            <a:r>
+              <a:rPr lang="en-US" dirty="0"/>
+              <a:t> </a:t>
+            </a:r>
+            <a:r>
+              <a:rPr lang="en-US" dirty="0" err="1"/>
+              <a:t>csak</a:t>
+            </a:r>
+            <a:r>
+              <a:rPr lang="en-US" dirty="0"/>
+              <a:t> </a:t>
+            </a:r>
+            <a:r>
+              <a:rPr lang="en-US" dirty="0" err="1"/>
+              <a:t>az</a:t>
+            </a:r>
+            <a:r>
+              <a:rPr lang="en-US" dirty="0"/>
+              <a:t> upload heap </a:t>
+            </a:r>
+            <a:r>
+              <a:rPr lang="en-US" dirty="0" err="1"/>
+              <a:t>típusú</a:t>
+            </a:r>
+            <a:r>
+              <a:rPr lang="en-US" dirty="0"/>
+              <a:t> </a:t>
+            </a:r>
+            <a:r>
+              <a:rPr lang="en-US" dirty="0" err="1"/>
+              <a:t>erőforrásban</a:t>
+            </a:r>
+            <a:r>
+              <a:rPr lang="en-US" dirty="0"/>
+              <a:t> van </a:t>
+            </a:r>
+            <a:r>
+              <a:rPr lang="en-US" dirty="0" err="1"/>
+              <a:t>fent</a:t>
+            </a:r>
+            <a:r>
+              <a:rPr lang="en-US" dirty="0"/>
+              <a:t> </a:t>
+            </a:r>
+            <a:r>
+              <a:rPr lang="en-US" dirty="0" err="1"/>
+              <a:t>az</a:t>
+            </a:r>
+            <a:r>
+              <a:rPr lang="en-US" dirty="0"/>
+              <a:t> </a:t>
+            </a:r>
+            <a:r>
+              <a:rPr lang="en-US" dirty="0" err="1"/>
+              <a:t>adat</a:t>
+            </a:r>
+            <a:endParaRPr lang="en-US" dirty="0"/>
+          </a:p>
+          <a:p>
+            <a:pPr marL="171450" indent="-171450">
+              <a:buFontTx/>
+              <a:buChar char="-"/>
+            </a:pPr>
+            <a:r>
+              <a:rPr lang="en-US" dirty="0" err="1"/>
+              <a:t>CreateSRV</a:t>
+            </a:r>
+            <a:r>
+              <a:rPr lang="en-US" dirty="0"/>
+              <a:t> </a:t>
+            </a:r>
+            <a:r>
+              <a:rPr lang="en-US" dirty="0" err="1"/>
+              <a:t>hívás</a:t>
+            </a:r>
+            <a:r>
+              <a:rPr lang="en-US" dirty="0"/>
+              <a:t> </a:t>
+            </a:r>
+            <a:r>
+              <a:rPr lang="en-US" dirty="0" err="1"/>
+              <a:t>során</a:t>
+            </a:r>
+            <a:r>
+              <a:rPr lang="en-US" dirty="0"/>
+              <a:t> </a:t>
+            </a:r>
+            <a:r>
+              <a:rPr lang="en-US" dirty="0" err="1"/>
+              <a:t>megcsináljuk</a:t>
+            </a:r>
+            <a:r>
+              <a:rPr lang="en-US" dirty="0"/>
+              <a:t> a shader resource view, </a:t>
+            </a:r>
+            <a:r>
+              <a:rPr lang="en-US" dirty="0" err="1"/>
+              <a:t>az</a:t>
+            </a:r>
+            <a:r>
+              <a:rPr lang="en-US" dirty="0"/>
+              <a:t> </a:t>
+            </a:r>
+            <a:r>
+              <a:rPr lang="en-US" dirty="0" err="1"/>
+              <a:t>argumentumként</a:t>
+            </a:r>
+            <a:r>
+              <a:rPr lang="en-US" dirty="0"/>
+              <a:t> </a:t>
+            </a:r>
+            <a:r>
+              <a:rPr lang="en-US" dirty="0" err="1"/>
+              <a:t>adott</a:t>
+            </a:r>
+            <a:r>
+              <a:rPr lang="en-US" dirty="0"/>
+              <a:t> </a:t>
+            </a:r>
+            <a:r>
+              <a:rPr lang="en-US" dirty="0" err="1"/>
+              <a:t>srvHeap</a:t>
+            </a:r>
+            <a:r>
+              <a:rPr lang="en-US" dirty="0"/>
+              <a:t>-be, </a:t>
+            </a:r>
+            <a:r>
+              <a:rPr lang="en-US" dirty="0" err="1"/>
+              <a:t>annak</a:t>
+            </a:r>
+            <a:r>
+              <a:rPr lang="en-US" dirty="0"/>
+              <a:t> a 0. </a:t>
+            </a:r>
+            <a:r>
+              <a:rPr lang="en-US" dirty="0" err="1"/>
+              <a:t>indexére</a:t>
+            </a:r>
+            <a:endParaRPr lang="en-US" dirty="0"/>
+          </a:p>
+          <a:p>
+            <a:pPr marL="171450" indent="-171450">
+              <a:buFontTx/>
+              <a:buChar char="-"/>
+            </a:pPr>
+            <a:r>
+              <a:rPr lang="en-US" dirty="0" err="1"/>
+              <a:t>UploadResources</a:t>
+            </a:r>
+            <a:r>
+              <a:rPr lang="en-US" dirty="0"/>
+              <a:t>(): </a:t>
+            </a:r>
+            <a:r>
+              <a:rPr lang="en-US" dirty="0" err="1"/>
+              <a:t>még</a:t>
+            </a:r>
+            <a:r>
+              <a:rPr lang="en-US" dirty="0"/>
+              <a:t> </a:t>
+            </a:r>
+            <a:r>
+              <a:rPr lang="en-US" dirty="0" err="1"/>
+              <a:t>nincs</a:t>
+            </a:r>
+            <a:r>
+              <a:rPr lang="en-US" dirty="0"/>
+              <a:t> meg </a:t>
+            </a:r>
+            <a:r>
+              <a:rPr lang="en-US" dirty="0" err="1"/>
+              <a:t>ez</a:t>
+            </a:r>
+            <a:r>
+              <a:rPr lang="en-US" dirty="0"/>
+              <a:t> a </a:t>
+            </a:r>
+            <a:r>
+              <a:rPr lang="en-US" dirty="0" err="1"/>
+              <a:t>függvényünk</a:t>
+            </a:r>
+            <a:r>
+              <a:rPr lang="en-US" dirty="0"/>
+              <a:t>, de </a:t>
+            </a:r>
+            <a:r>
+              <a:rPr lang="en-US" dirty="0" err="1"/>
+              <a:t>itt</a:t>
+            </a:r>
+            <a:r>
+              <a:rPr lang="en-US" dirty="0"/>
+              <a:t> </a:t>
+            </a:r>
+            <a:r>
+              <a:rPr lang="en-US" dirty="0" err="1"/>
+              <a:t>fogjuk</a:t>
+            </a:r>
+            <a:r>
+              <a:rPr lang="en-US" dirty="0"/>
+              <a:t> </a:t>
+            </a:r>
+            <a:r>
+              <a:rPr lang="en-US" dirty="0" err="1"/>
+              <a:t>feltölteni</a:t>
+            </a:r>
+            <a:r>
+              <a:rPr lang="en-US" dirty="0"/>
+              <a:t> a default </a:t>
+            </a:r>
+            <a:r>
+              <a:rPr lang="en-US" dirty="0" err="1"/>
+              <a:t>heapbe</a:t>
+            </a:r>
+            <a:r>
+              <a:rPr lang="en-US" dirty="0"/>
+              <a:t> </a:t>
+            </a:r>
+            <a:r>
+              <a:rPr lang="en-US" dirty="0" err="1"/>
+              <a:t>az</a:t>
+            </a:r>
+            <a:r>
+              <a:rPr lang="en-US" dirty="0"/>
+              <a:t> upload </a:t>
+            </a:r>
+            <a:r>
+              <a:rPr lang="en-US" dirty="0" err="1"/>
+              <a:t>heapből</a:t>
+            </a:r>
+            <a:endParaRPr lang="en-US" dirty="0"/>
+          </a:p>
+        </p:txBody>
+      </p:sp>
+      <p:sp>
+        <p:nvSpPr>
+          <p:cNvPr id="4" name="Slide Number Placeholder 3"/>
+          <p:cNvSpPr>
+            <a:spLocks noGrp="1"/>
+          </p:cNvSpPr>
+          <p:nvPr>
+            <p:ph type="sldNum" sz="quarter" idx="5"/>
+          </p:nvPr>
+        </p:nvSpPr>
+        <p:spPr/>
+        <p:txBody>
+          <a:bodyPr/>
+          <a:lstStyle/>
+          <a:p>
+            <a:fld id="{EE1CB54F-71BB-491D-A98F-DF04FDAAD72D}" type="slidenum">
+              <a:rPr lang="en-US" smtClean="0"/>
+              <a:pPr/>
+              <a:t>15</a:t>
+            </a:fld>
+            <a:endParaRPr lang="en-US"/>
+          </a:p>
+        </p:txBody>
+      </p:sp>
+    </p:spTree>
+    <p:extLst>
+      <p:ext uri="{BB962C8B-B14F-4D97-AF65-F5344CB8AC3E}">
+        <p14:creationId xmlns:p14="http://schemas.microsoft.com/office/powerpoint/2010/main" val="3576678598"/>
+      </p:ext>
+    </p:extLst>
+  </p:cSld>
+  <p:clrMapOvr>
+    <a:masterClrMapping/>
+  </p:clrMapOvr>
+</p:notes>
+</file>
+
+<file path=ppt/notesSlides/notesSlide15.xml><?xml version="1.0" encoding="utf-8"?>
+<p:notes xmlns:a="http://schemas.openxmlformats.org/drawingml/2006/main" xmlns:r="http://schemas.openxmlformats.org/officeDocument/2006/relationships" xmlns:p="http://schemas.openxmlformats.org/presentationml/2006/main">
+  <p:cSld>
+    <p:spTree>
+      <p:nvGrpSpPr>
+        <p:cNvPr id="1" name=""/>
+        <p:cNvGrpSpPr/>
+        <p:nvPr/>
+      </p:nvGrpSpPr>
+      <p:grpSpPr>
+        <a:xfrm>
+          <a:off x="0" y="0"/>
+          <a:ext cx="0" cy="0"/>
+          <a:chOff x="0" y="0"/>
+          <a:chExt cx="0" cy="0"/>
+        </a:xfrm>
+      </p:grpSpPr>
+      <p:sp>
+        <p:nvSpPr>
+          <p:cNvPr id="2" name="Slide Image Placeholder 1"/>
+          <p:cNvSpPr>
+            <a:spLocks noGrp="1" noRot="1" noChangeAspect="1"/>
+          </p:cNvSpPr>
+          <p:nvPr>
+            <p:ph type="sldImg"/>
+          </p:nvPr>
+        </p:nvSpPr>
+        <p:spPr/>
+      </p:sp>
+      <p:sp>
+        <p:nvSpPr>
+          <p:cNvPr id="3" name="Notes Placeholder 2"/>
+          <p:cNvSpPr>
+            <a:spLocks noGrp="1"/>
+          </p:cNvSpPr>
+          <p:nvPr>
+            <p:ph type="body" idx="1"/>
+          </p:nvPr>
+        </p:nvSpPr>
+        <p:spPr/>
+        <p:txBody>
+          <a:bodyPr>
+            <a:normAutofit/>
+          </a:bodyPr>
+          <a:lstStyle/>
+          <a:p>
+            <a:pPr marL="0" indent="0">
+              <a:buFontTx/>
+              <a:buNone/>
+            </a:pPr>
+            <a:r>
+              <a:rPr lang="en-US" dirty="0" err="1"/>
+              <a:t>Amikor</a:t>
+            </a:r>
+            <a:r>
+              <a:rPr lang="en-US" dirty="0"/>
+              <a:t> </a:t>
+            </a:r>
+            <a:r>
+              <a:rPr lang="en-US" dirty="0" err="1"/>
+              <a:t>létrehozzuk</a:t>
+            </a:r>
+            <a:r>
+              <a:rPr lang="en-US" dirty="0"/>
+              <a:t> a </a:t>
+            </a:r>
+            <a:r>
+              <a:rPr lang="en-US" dirty="0" err="1"/>
+              <a:t>commandListet</a:t>
+            </a:r>
+            <a:r>
+              <a:rPr lang="en-US" dirty="0"/>
+              <a:t>, </a:t>
+            </a:r>
+            <a:r>
+              <a:rPr lang="en-US" dirty="0" err="1"/>
+              <a:t>valahol</a:t>
+            </a:r>
+            <a:r>
+              <a:rPr lang="en-US" dirty="0"/>
+              <a:t> </a:t>
+            </a:r>
+            <a:r>
+              <a:rPr lang="en-US" dirty="0" err="1"/>
+              <a:t>még</a:t>
+            </a:r>
+            <a:r>
+              <a:rPr lang="en-US" dirty="0"/>
+              <a:t> </a:t>
+            </a:r>
+            <a:r>
+              <a:rPr lang="en-US" dirty="0" err="1"/>
+              <a:t>az</a:t>
+            </a:r>
+            <a:r>
+              <a:rPr lang="en-US" dirty="0"/>
+              <a:t> Egg/</a:t>
+            </a:r>
+            <a:r>
+              <a:rPr lang="en-US" dirty="0" err="1"/>
+              <a:t>App.h</a:t>
+            </a:r>
+            <a:r>
+              <a:rPr lang="en-US" dirty="0"/>
+              <a:t> </a:t>
+            </a:r>
+            <a:r>
+              <a:rPr lang="en-US" dirty="0" err="1"/>
+              <a:t>osztályban</a:t>
+            </a:r>
+            <a:r>
+              <a:rPr lang="en-US" dirty="0"/>
+              <a:t>, </a:t>
+            </a:r>
+            <a:r>
+              <a:rPr lang="en-US" dirty="0" err="1"/>
+              <a:t>ott</a:t>
+            </a:r>
+            <a:r>
+              <a:rPr lang="en-US" dirty="0"/>
+              <a:t> </a:t>
+            </a:r>
+            <a:r>
+              <a:rPr lang="en-US" dirty="0" err="1"/>
+              <a:t>lezárjuk</a:t>
+            </a:r>
+            <a:r>
+              <a:rPr lang="en-US" dirty="0"/>
+              <a:t> a </a:t>
+            </a:r>
+            <a:r>
+              <a:rPr lang="en-US" dirty="0" err="1"/>
+              <a:t>commandList</a:t>
+            </a:r>
+            <a:r>
+              <a:rPr lang="en-US" dirty="0"/>
+              <a:t>-et. </a:t>
+            </a:r>
+            <a:r>
+              <a:rPr lang="en-US" dirty="0" err="1"/>
+              <a:t>Egy</a:t>
+            </a:r>
+            <a:r>
+              <a:rPr lang="en-US" dirty="0"/>
+              <a:t> </a:t>
+            </a:r>
+            <a:r>
+              <a:rPr lang="en-US" dirty="0" err="1"/>
+              <a:t>lezárt</a:t>
+            </a:r>
+            <a:r>
+              <a:rPr lang="en-US" dirty="0"/>
+              <a:t> </a:t>
+            </a:r>
+            <a:r>
+              <a:rPr lang="en-US" dirty="0" err="1"/>
+              <a:t>commandList</a:t>
+            </a:r>
+            <a:r>
+              <a:rPr lang="en-US" dirty="0"/>
+              <a:t>-et </a:t>
+            </a:r>
+            <a:r>
+              <a:rPr lang="en-US" dirty="0" err="1"/>
+              <a:t>vissza</a:t>
+            </a:r>
+            <a:r>
+              <a:rPr lang="en-US" dirty="0"/>
+              <a:t> </a:t>
+            </a:r>
+            <a:r>
+              <a:rPr lang="en-US" dirty="0" err="1"/>
+              <a:t>kell</a:t>
+            </a:r>
+            <a:r>
+              <a:rPr lang="en-US" dirty="0"/>
+              <a:t> </a:t>
+            </a:r>
+            <a:r>
+              <a:rPr lang="en-US" dirty="0" err="1"/>
+              <a:t>állítani</a:t>
+            </a:r>
+            <a:r>
+              <a:rPr lang="en-US" dirty="0"/>
+              <a:t> </a:t>
+            </a:r>
+            <a:r>
+              <a:rPr lang="en-US" dirty="0" err="1"/>
+              <a:t>alapállapotba</a:t>
+            </a:r>
+            <a:r>
+              <a:rPr lang="en-US" dirty="0"/>
+              <a:t> a Reset </a:t>
+            </a:r>
+            <a:r>
+              <a:rPr lang="en-US" dirty="0" err="1"/>
+              <a:t>függvényével</a:t>
+            </a:r>
+            <a:r>
+              <a:rPr lang="en-US" dirty="0"/>
+              <a:t>.</a:t>
+            </a:r>
+          </a:p>
+          <a:p>
+            <a:pPr marL="0" indent="0">
+              <a:buFontTx/>
+              <a:buNone/>
+            </a:pPr>
+            <a:endParaRPr lang="en-US" dirty="0"/>
+          </a:p>
+          <a:p>
+            <a:pPr marL="0" indent="0">
+              <a:buFontTx/>
+              <a:buNone/>
+            </a:pPr>
+            <a:r>
+              <a:rPr lang="en-US" dirty="0"/>
+              <a:t>**VIGYÁZAT**: a </a:t>
+            </a:r>
+            <a:r>
+              <a:rPr lang="en-US" dirty="0" err="1"/>
+              <a:t>com_ptr</a:t>
+            </a:r>
+            <a:r>
+              <a:rPr lang="en-US" dirty="0"/>
+              <a:t>&lt;T&gt; -</a:t>
+            </a:r>
+            <a:r>
+              <a:rPr lang="en-US" dirty="0" err="1"/>
+              <a:t>nek</a:t>
+            </a:r>
+            <a:r>
+              <a:rPr lang="en-US" dirty="0"/>
+              <a:t> is van Reset </a:t>
+            </a:r>
+            <a:r>
+              <a:rPr lang="en-US" dirty="0" err="1"/>
+              <a:t>függvénye</a:t>
+            </a:r>
+            <a:r>
+              <a:rPr lang="en-US" dirty="0"/>
+              <a:t>, de </a:t>
+            </a:r>
+            <a:r>
+              <a:rPr lang="en-US" dirty="0" err="1"/>
+              <a:t>ez</a:t>
+            </a:r>
+            <a:r>
+              <a:rPr lang="en-US" dirty="0"/>
+              <a:t> a T </a:t>
+            </a:r>
+            <a:r>
+              <a:rPr lang="en-US" dirty="0" err="1"/>
+              <a:t>osztály</a:t>
+            </a:r>
+            <a:r>
+              <a:rPr lang="en-US" dirty="0"/>
+              <a:t> Reset </a:t>
+            </a:r>
+            <a:r>
+              <a:rPr lang="en-US" dirty="0" err="1"/>
+              <a:t>függvénye</a:t>
+            </a:r>
+            <a:r>
+              <a:rPr lang="en-US" dirty="0"/>
+              <a:t>. Ha “.Reset()” </a:t>
+            </a:r>
+            <a:r>
+              <a:rPr lang="en-US" dirty="0" err="1"/>
+              <a:t>lenne</a:t>
+            </a:r>
+            <a:r>
+              <a:rPr lang="en-US" dirty="0"/>
+              <a:t> </a:t>
+            </a:r>
+            <a:r>
+              <a:rPr lang="en-US" dirty="0" err="1"/>
+              <a:t>akkor</a:t>
+            </a:r>
+            <a:r>
+              <a:rPr lang="en-US" dirty="0"/>
+              <a:t> </a:t>
+            </a:r>
+            <a:r>
+              <a:rPr lang="en-US" dirty="0" err="1"/>
+              <a:t>az</a:t>
+            </a:r>
+            <a:r>
+              <a:rPr lang="en-US" dirty="0"/>
+              <a:t> a </a:t>
+            </a:r>
+            <a:r>
+              <a:rPr lang="en-US" dirty="0" err="1"/>
+              <a:t>com_ptr-en</a:t>
+            </a:r>
+            <a:r>
+              <a:rPr lang="en-US" dirty="0"/>
+              <a:t> </a:t>
+            </a:r>
+            <a:r>
+              <a:rPr lang="en-US" dirty="0" err="1"/>
+              <a:t>futna</a:t>
+            </a:r>
+            <a:r>
+              <a:rPr lang="en-US" dirty="0"/>
+              <a:t> le.</a:t>
+            </a:r>
+          </a:p>
+          <a:p>
+            <a:pPr marL="0" indent="0">
+              <a:buFontTx/>
+              <a:buNone/>
+            </a:pPr>
+            <a:endParaRPr lang="en-US" dirty="0"/>
+          </a:p>
+          <a:p>
+            <a:pPr marL="0" indent="0">
+              <a:buFontTx/>
+              <a:buNone/>
+            </a:pPr>
+            <a:r>
+              <a:rPr lang="en-US" dirty="0"/>
+              <a:t>A </a:t>
+            </a:r>
+            <a:r>
+              <a:rPr lang="en-US" dirty="0" err="1"/>
+              <a:t>megfelelő</a:t>
+            </a:r>
+            <a:r>
+              <a:rPr lang="en-US" dirty="0"/>
+              <a:t> </a:t>
+            </a:r>
+            <a:r>
+              <a:rPr lang="en-US" dirty="0" err="1"/>
+              <a:t>alapállapotba</a:t>
+            </a:r>
+            <a:r>
+              <a:rPr lang="en-US" dirty="0"/>
+              <a:t> </a:t>
+            </a:r>
+            <a:r>
+              <a:rPr lang="en-US" dirty="0" err="1"/>
+              <a:t>állítás</a:t>
+            </a:r>
+            <a:r>
+              <a:rPr lang="en-US" dirty="0"/>
+              <a:t> </a:t>
+            </a:r>
+            <a:r>
+              <a:rPr lang="en-US" dirty="0" err="1"/>
+              <a:t>után</a:t>
+            </a:r>
+            <a:r>
+              <a:rPr lang="en-US" dirty="0"/>
+              <a:t>, </a:t>
+            </a:r>
+            <a:r>
+              <a:rPr lang="en-US" dirty="0" err="1"/>
+              <a:t>recordolásra</a:t>
+            </a:r>
+            <a:r>
+              <a:rPr lang="en-US" dirty="0"/>
+              <a:t> </a:t>
+            </a:r>
+            <a:r>
+              <a:rPr lang="en-US" dirty="0" err="1"/>
+              <a:t>készen</a:t>
+            </a:r>
+            <a:r>
+              <a:rPr lang="en-US" dirty="0"/>
+              <a:t> </a:t>
+            </a:r>
+            <a:r>
+              <a:rPr lang="en-US" dirty="0" err="1"/>
+              <a:t>áll</a:t>
+            </a:r>
+            <a:r>
+              <a:rPr lang="en-US" dirty="0"/>
+              <a:t> a </a:t>
+            </a:r>
+            <a:r>
+              <a:rPr lang="en-US" dirty="0" err="1"/>
+              <a:t>commandlist</a:t>
+            </a:r>
+            <a:r>
+              <a:rPr lang="en-US" dirty="0"/>
+              <a:t>, </a:t>
+            </a:r>
+            <a:r>
+              <a:rPr lang="en-US" dirty="0" err="1"/>
+              <a:t>feltöltjük</a:t>
+            </a:r>
+            <a:r>
+              <a:rPr lang="en-US" dirty="0"/>
+              <a:t> a </a:t>
+            </a:r>
+            <a:r>
+              <a:rPr lang="en-US" dirty="0" err="1"/>
+              <a:t>megfelelő</a:t>
+            </a:r>
+            <a:r>
+              <a:rPr lang="en-US" dirty="0"/>
+              <a:t> copy </a:t>
+            </a:r>
+            <a:r>
+              <a:rPr lang="en-US" dirty="0" err="1"/>
+              <a:t>és</a:t>
+            </a:r>
+            <a:r>
+              <a:rPr lang="en-US" dirty="0"/>
+              <a:t> resource barrier </a:t>
+            </a:r>
+            <a:r>
+              <a:rPr lang="en-US" dirty="0" err="1"/>
+              <a:t>hívásokkal</a:t>
+            </a:r>
+            <a:r>
+              <a:rPr lang="en-US" dirty="0"/>
+              <a:t>, </a:t>
+            </a:r>
+            <a:r>
+              <a:rPr lang="en-US" dirty="0" err="1"/>
+              <a:t>majd</a:t>
+            </a:r>
+            <a:r>
+              <a:rPr lang="en-US" dirty="0"/>
+              <a:t> </a:t>
+            </a:r>
+            <a:r>
+              <a:rPr lang="en-US" dirty="0" err="1"/>
+              <a:t>lezárjuk</a:t>
+            </a:r>
+            <a:r>
+              <a:rPr lang="en-US" dirty="0"/>
+              <a:t>, </a:t>
+            </a:r>
+            <a:r>
+              <a:rPr lang="en-US" dirty="0" err="1"/>
+              <a:t>lefuttatjuk</a:t>
+            </a:r>
+            <a:r>
+              <a:rPr lang="en-US" dirty="0"/>
+              <a:t>, </a:t>
+            </a:r>
+            <a:r>
+              <a:rPr lang="en-US" dirty="0" err="1"/>
+              <a:t>megvárjuk</a:t>
+            </a:r>
+            <a:r>
+              <a:rPr lang="en-US" dirty="0"/>
+              <a:t> </a:t>
+            </a:r>
+            <a:r>
+              <a:rPr lang="en-US" dirty="0" err="1"/>
+              <a:t>hogy</a:t>
+            </a:r>
+            <a:r>
+              <a:rPr lang="en-US" dirty="0"/>
+              <a:t> </a:t>
+            </a:r>
+            <a:r>
+              <a:rPr lang="en-US" dirty="0" err="1"/>
+              <a:t>végetérjen</a:t>
+            </a:r>
+            <a:r>
+              <a:rPr lang="en-US" dirty="0"/>
+              <a:t>, </a:t>
+            </a:r>
+            <a:r>
+              <a:rPr lang="en-US" dirty="0" err="1"/>
+              <a:t>majd</a:t>
+            </a:r>
+            <a:r>
+              <a:rPr lang="en-US" dirty="0"/>
+              <a:t> </a:t>
+            </a:r>
+            <a:r>
+              <a:rPr lang="en-US" dirty="0" err="1"/>
+              <a:t>felszabadítjuk</a:t>
+            </a:r>
+            <a:r>
+              <a:rPr lang="en-US" dirty="0"/>
+              <a:t> a </a:t>
+            </a:r>
+            <a:r>
+              <a:rPr lang="en-US" dirty="0" err="1"/>
+              <a:t>már</a:t>
+            </a:r>
+            <a:r>
+              <a:rPr lang="en-US" dirty="0"/>
+              <a:t> </a:t>
+            </a:r>
+            <a:r>
+              <a:rPr lang="en-US" dirty="0" err="1"/>
+              <a:t>nem</a:t>
+            </a:r>
+            <a:r>
+              <a:rPr lang="en-US" dirty="0"/>
+              <a:t> </a:t>
+            </a:r>
+            <a:r>
+              <a:rPr lang="en-US" dirty="0" err="1"/>
+              <a:t>használandó</a:t>
+            </a:r>
+            <a:r>
+              <a:rPr lang="en-US" dirty="0"/>
+              <a:t> upload </a:t>
+            </a:r>
+            <a:r>
+              <a:rPr lang="en-US" dirty="0" err="1"/>
+              <a:t>heapben</a:t>
+            </a:r>
+            <a:r>
+              <a:rPr lang="en-US" dirty="0"/>
+              <a:t> </a:t>
+            </a:r>
+            <a:r>
+              <a:rPr lang="en-US" dirty="0" err="1"/>
+              <a:t>elhelyezkedő</a:t>
+            </a:r>
+            <a:r>
+              <a:rPr lang="en-US" dirty="0"/>
+              <a:t> </a:t>
+            </a:r>
+            <a:r>
+              <a:rPr lang="en-US" dirty="0" err="1"/>
+              <a:t>erőforrásokat</a:t>
+            </a:r>
+            <a:r>
+              <a:rPr lang="en-US" dirty="0"/>
+              <a:t>.</a:t>
+            </a:r>
+          </a:p>
+          <a:p>
+            <a:pPr marL="0" indent="0">
+              <a:buFontTx/>
+              <a:buNone/>
+            </a:pPr>
+            <a:endParaRPr lang="en-US" dirty="0"/>
+          </a:p>
+          <a:p>
+            <a:pPr marL="0" indent="0">
+              <a:buFontTx/>
+              <a:buNone/>
+            </a:pPr>
+            <a:r>
+              <a:rPr lang="en-US" dirty="0" err="1"/>
+              <a:t>Innentől</a:t>
+            </a:r>
+            <a:r>
+              <a:rPr lang="en-US" dirty="0"/>
+              <a:t> </a:t>
+            </a:r>
+            <a:r>
+              <a:rPr lang="en-US" dirty="0" err="1"/>
+              <a:t>felkerült</a:t>
+            </a:r>
+            <a:r>
+              <a:rPr lang="en-US" dirty="0"/>
+              <a:t> a GPU-ra a </a:t>
+            </a:r>
+            <a:r>
+              <a:rPr lang="en-US" dirty="0" err="1"/>
+              <a:t>textúránk</a:t>
+            </a:r>
+            <a:r>
+              <a:rPr lang="en-US" dirty="0"/>
+              <a:t>, </a:t>
+            </a:r>
+            <a:r>
+              <a:rPr lang="en-US" dirty="0" err="1"/>
+              <a:t>ideje</a:t>
+            </a:r>
+            <a:r>
+              <a:rPr lang="en-US" dirty="0"/>
+              <a:t> </a:t>
+            </a:r>
+            <a:r>
+              <a:rPr lang="en-US" dirty="0" err="1"/>
+              <a:t>használni</a:t>
+            </a:r>
+            <a:r>
+              <a:rPr lang="en-US"/>
+              <a:t>.</a:t>
+            </a:r>
+            <a:endParaRPr lang="en-US" dirty="0"/>
+          </a:p>
+        </p:txBody>
+      </p:sp>
+      <p:sp>
+        <p:nvSpPr>
+          <p:cNvPr id="4" name="Slide Number Placeholder 3"/>
+          <p:cNvSpPr>
+            <a:spLocks noGrp="1"/>
+          </p:cNvSpPr>
+          <p:nvPr>
+            <p:ph type="sldNum" sz="quarter" idx="5"/>
+          </p:nvPr>
+        </p:nvSpPr>
+        <p:spPr/>
+        <p:txBody>
+          <a:bodyPr/>
+          <a:lstStyle/>
+          <a:p>
+            <a:fld id="{EE1CB54F-71BB-491D-A98F-DF04FDAAD72D}" type="slidenum">
+              <a:rPr lang="en-US" smtClean="0"/>
+              <a:pPr/>
+              <a:t>16</a:t>
+            </a:fld>
+            <a:endParaRPr lang="en-US"/>
+          </a:p>
+        </p:txBody>
+      </p:sp>
+    </p:spTree>
+    <p:extLst>
+      <p:ext uri="{BB962C8B-B14F-4D97-AF65-F5344CB8AC3E}">
+        <p14:creationId xmlns:p14="http://schemas.microsoft.com/office/powerpoint/2010/main" val="1306824384"/>
+      </p:ext>
+    </p:extLst>
+  </p:cSld>
+  <p:clrMapOvr>
+    <a:masterClrMapping/>
+  </p:clrMapOvr>
+</p:notes>
+</file>
+
 <file path=ppt/notesSlides/notesSlide2.xml><?xml version="1.0" encoding="utf-8"?>
 <p:notes xmlns:a="http://schemas.openxmlformats.org/drawingml/2006/main" xmlns:r="http://schemas.openxmlformats.org/officeDocument/2006/relationships" xmlns:p="http://schemas.openxmlformats.org/presentationml/2006/main">
   <p:cSld>
@@ -1851,6 +4542,2575 @@
     <p:extLst>
       <p:ext uri="{BB962C8B-B14F-4D97-AF65-F5344CB8AC3E}">
         <p14:creationId xmlns:p14="http://schemas.microsoft.com/office/powerpoint/2010/main" val="1900141560"/>
+      </p:ext>
+    </p:extLst>
+  </p:cSld>
+  <p:clrMapOvr>
+    <a:masterClrMapping/>
+  </p:clrMapOvr>
+</p:notes>
+</file>
+
+<file path=ppt/notesSlides/notesSlide7.xml><?xml version="1.0" encoding="utf-8"?>
+<p:notes xmlns:a="http://schemas.openxmlformats.org/drawingml/2006/main" xmlns:r="http://schemas.openxmlformats.org/officeDocument/2006/relationships" xmlns:p="http://schemas.openxmlformats.org/presentationml/2006/main">
+  <p:cSld>
+    <p:spTree>
+      <p:nvGrpSpPr>
+        <p:cNvPr id="1" name=""/>
+        <p:cNvGrpSpPr/>
+        <p:nvPr/>
+      </p:nvGrpSpPr>
+      <p:grpSpPr>
+        <a:xfrm>
+          <a:off x="0" y="0"/>
+          <a:ext cx="0" cy="0"/>
+          <a:chOff x="0" y="0"/>
+          <a:chExt cx="0" cy="0"/>
+        </a:xfrm>
+      </p:grpSpPr>
+      <p:sp>
+        <p:nvSpPr>
+          <p:cNvPr id="2" name="Slide Image Placeholder 1"/>
+          <p:cNvSpPr>
+            <a:spLocks noGrp="1" noRot="1" noChangeAspect="1"/>
+          </p:cNvSpPr>
+          <p:nvPr>
+            <p:ph type="sldImg"/>
+          </p:nvPr>
+        </p:nvSpPr>
+        <p:spPr/>
+      </p:sp>
+      <p:sp>
+        <p:nvSpPr>
+          <p:cNvPr id="3" name="Notes Placeholder 2"/>
+          <p:cNvSpPr>
+            <a:spLocks noGrp="1"/>
+          </p:cNvSpPr>
+          <p:nvPr>
+            <p:ph type="body" idx="1"/>
+          </p:nvPr>
+        </p:nvSpPr>
+        <p:spPr/>
+        <p:txBody>
+          <a:bodyPr>
+            <a:normAutofit lnSpcReduction="10000"/>
+          </a:bodyPr>
+          <a:lstStyle/>
+          <a:p>
+            <a:r>
+              <a:rPr lang="en-US" dirty="0" err="1"/>
+              <a:t>Ezzel</a:t>
+            </a:r>
+            <a:r>
+              <a:rPr lang="en-US" dirty="0"/>
+              <a:t> </a:t>
+            </a:r>
+            <a:r>
+              <a:rPr lang="en-US" dirty="0" err="1"/>
+              <a:t>kell</a:t>
+            </a:r>
+            <a:r>
+              <a:rPr lang="en-US" dirty="0"/>
+              <a:t> </a:t>
+            </a:r>
+            <a:r>
+              <a:rPr lang="en-US" dirty="0" err="1"/>
+              <a:t>folytatni</a:t>
+            </a:r>
+            <a:r>
+              <a:rPr lang="en-US" dirty="0"/>
+              <a:t> a </a:t>
+            </a:r>
+            <a:r>
+              <a:rPr lang="en-US" dirty="0" err="1"/>
+              <a:t>függvényt</a:t>
+            </a:r>
+            <a:r>
+              <a:rPr lang="en-US" dirty="0"/>
+              <a:t> a return </a:t>
+            </a:r>
+            <a:r>
+              <a:rPr lang="en-US" dirty="0" err="1"/>
+              <a:t>utasítás</a:t>
+            </a:r>
+            <a:r>
+              <a:rPr lang="en-US" dirty="0"/>
+              <a:t> </a:t>
+            </a:r>
+            <a:r>
+              <a:rPr lang="en-US" dirty="0" err="1"/>
+              <a:t>előtt</a:t>
+            </a:r>
+            <a:r>
+              <a:rPr lang="en-US" dirty="0"/>
+              <a:t>. </a:t>
+            </a:r>
+            <a:r>
+              <a:rPr lang="en-US" dirty="0" err="1"/>
+              <a:t>Itt</a:t>
+            </a:r>
+            <a:r>
+              <a:rPr lang="en-US" dirty="0"/>
+              <a:t> </a:t>
+            </a:r>
+            <a:r>
+              <a:rPr lang="en-US" dirty="0" err="1"/>
+              <a:t>annyi</a:t>
+            </a:r>
+            <a:r>
+              <a:rPr lang="en-US" dirty="0"/>
+              <a:t> </a:t>
+            </a:r>
+            <a:r>
+              <a:rPr lang="en-US" dirty="0" err="1"/>
+              <a:t>történik</a:t>
+            </a:r>
+            <a:r>
+              <a:rPr lang="en-US" dirty="0"/>
+              <a:t>, </a:t>
+            </a:r>
+            <a:r>
+              <a:rPr lang="en-US" dirty="0" err="1"/>
+              <a:t>hogy</a:t>
+            </a:r>
+            <a:r>
+              <a:rPr lang="en-US" dirty="0"/>
+              <a:t> </a:t>
+            </a:r>
+            <a:r>
+              <a:rPr lang="en-US" dirty="0" err="1"/>
+              <a:t>létrehozunk</a:t>
+            </a:r>
+            <a:r>
+              <a:rPr lang="en-US" dirty="0"/>
+              <a:t> </a:t>
+            </a:r>
+            <a:r>
+              <a:rPr lang="en-US" dirty="0" err="1"/>
+              <a:t>egy</a:t>
+            </a:r>
+            <a:r>
+              <a:rPr lang="en-US" dirty="0"/>
+              <a:t> Default </a:t>
+            </a:r>
+            <a:r>
+              <a:rPr lang="en-US" dirty="0" err="1"/>
+              <a:t>típusú</a:t>
+            </a:r>
+            <a:r>
+              <a:rPr lang="en-US" dirty="0"/>
+              <a:t> </a:t>
+            </a:r>
+            <a:r>
+              <a:rPr lang="en-US" dirty="0" err="1"/>
+              <a:t>heapben</a:t>
+            </a:r>
+            <a:r>
+              <a:rPr lang="en-US" dirty="0"/>
+              <a:t> </a:t>
+            </a:r>
+            <a:r>
+              <a:rPr lang="en-US" dirty="0" err="1"/>
+              <a:t>elhelyezkedő</a:t>
+            </a:r>
+            <a:r>
+              <a:rPr lang="en-US" dirty="0"/>
+              <a:t> </a:t>
+            </a:r>
+            <a:r>
+              <a:rPr lang="en-US" dirty="0" err="1"/>
+              <a:t>erőforrást</a:t>
+            </a:r>
+            <a:r>
+              <a:rPr lang="en-US" dirty="0"/>
+              <a:t>. </a:t>
+            </a:r>
+            <a:r>
+              <a:rPr lang="en-US" dirty="0" err="1"/>
+              <a:t>Eddig</a:t>
+            </a:r>
+            <a:r>
+              <a:rPr lang="en-US" dirty="0"/>
+              <a:t> a </a:t>
+            </a:r>
+            <a:r>
+              <a:rPr lang="en-US" dirty="0" err="1"/>
+              <a:t>legtöbb</a:t>
+            </a:r>
+            <a:r>
+              <a:rPr lang="en-US" dirty="0"/>
+              <a:t> </a:t>
+            </a:r>
+            <a:r>
+              <a:rPr lang="en-US" dirty="0" err="1"/>
+              <a:t>erőforrásunk</a:t>
+            </a:r>
+            <a:r>
+              <a:rPr lang="en-US" dirty="0"/>
+              <a:t> Upload </a:t>
+            </a:r>
+            <a:r>
+              <a:rPr lang="en-US" dirty="0" err="1"/>
+              <a:t>típusú</a:t>
+            </a:r>
+            <a:r>
+              <a:rPr lang="en-US" dirty="0"/>
+              <a:t> </a:t>
+            </a:r>
+            <a:r>
+              <a:rPr lang="en-US" dirty="0" err="1"/>
+              <a:t>heapben</a:t>
+            </a:r>
+            <a:r>
+              <a:rPr lang="en-US" dirty="0"/>
+              <a:t> </a:t>
+            </a:r>
+            <a:r>
+              <a:rPr lang="en-US" dirty="0" err="1"/>
+              <a:t>foglalt</a:t>
+            </a:r>
+            <a:r>
+              <a:rPr lang="en-US" dirty="0"/>
+              <a:t> </a:t>
+            </a:r>
+            <a:r>
+              <a:rPr lang="en-US" dirty="0" err="1"/>
+              <a:t>helyet</a:t>
+            </a:r>
+            <a:r>
+              <a:rPr lang="en-US" dirty="0"/>
+              <a:t>. </a:t>
+            </a:r>
+            <a:r>
+              <a:rPr lang="en-US" dirty="0" err="1"/>
+              <a:t>Viszont</a:t>
+            </a:r>
+            <a:r>
+              <a:rPr lang="en-US" dirty="0"/>
+              <a:t> a </a:t>
+            </a:r>
+            <a:r>
+              <a:rPr lang="en-US" dirty="0" err="1"/>
+              <a:t>textúráknak</a:t>
+            </a:r>
+            <a:r>
+              <a:rPr lang="en-US" dirty="0"/>
+              <a:t> </a:t>
+            </a:r>
+            <a:r>
+              <a:rPr lang="en-US" dirty="0" err="1"/>
+              <a:t>kötelezően</a:t>
+            </a:r>
+            <a:r>
+              <a:rPr lang="en-US" dirty="0"/>
+              <a:t> default </a:t>
+            </a:r>
+            <a:r>
+              <a:rPr lang="en-US" dirty="0" err="1"/>
+              <a:t>heapben</a:t>
+            </a:r>
+            <a:r>
+              <a:rPr lang="en-US" dirty="0"/>
+              <a:t> </a:t>
+            </a:r>
+            <a:r>
+              <a:rPr lang="en-US" dirty="0" err="1"/>
+              <a:t>kell</a:t>
+            </a:r>
+            <a:r>
+              <a:rPr lang="en-US" dirty="0"/>
+              <a:t> </a:t>
+            </a:r>
+            <a:r>
+              <a:rPr lang="en-US" dirty="0" err="1"/>
+              <a:t>elhelyezkedniük</a:t>
+            </a:r>
+            <a:r>
+              <a:rPr lang="en-US" dirty="0"/>
+              <a:t>, </a:t>
+            </a:r>
+            <a:r>
+              <a:rPr lang="en-US" dirty="0" err="1"/>
+              <a:t>ezért</a:t>
+            </a:r>
+            <a:r>
+              <a:rPr lang="en-US" dirty="0"/>
+              <a:t> </a:t>
+            </a:r>
+            <a:r>
+              <a:rPr lang="en-US" dirty="0" err="1"/>
+              <a:t>nincs</a:t>
+            </a:r>
+            <a:r>
+              <a:rPr lang="en-US" dirty="0"/>
+              <a:t> </a:t>
+            </a:r>
+            <a:r>
+              <a:rPr lang="en-US" dirty="0" err="1"/>
+              <a:t>más</a:t>
+            </a:r>
+            <a:r>
+              <a:rPr lang="en-US" dirty="0"/>
+              <a:t> </a:t>
+            </a:r>
+            <a:r>
+              <a:rPr lang="en-US" dirty="0" err="1"/>
+              <a:t>választásunk</a:t>
+            </a:r>
+            <a:r>
+              <a:rPr lang="en-US" dirty="0"/>
+              <a:t>.</a:t>
+            </a:r>
+          </a:p>
+          <a:p>
+            <a:endParaRPr lang="en-US" dirty="0"/>
+          </a:p>
+          <a:p>
+            <a:r>
+              <a:rPr lang="en-US" dirty="0" err="1"/>
+              <a:t>Oké</a:t>
+            </a:r>
+            <a:r>
+              <a:rPr lang="en-US" dirty="0"/>
+              <a:t> de mi </a:t>
+            </a:r>
+            <a:r>
+              <a:rPr lang="en-US" dirty="0" err="1"/>
+              <a:t>ez</a:t>
+            </a:r>
+            <a:r>
+              <a:rPr lang="en-US" dirty="0"/>
+              <a:t> a heap, mi </a:t>
+            </a:r>
+            <a:r>
+              <a:rPr lang="en-US" dirty="0" err="1"/>
+              <a:t>az</a:t>
+            </a:r>
+            <a:r>
+              <a:rPr lang="en-US" dirty="0"/>
+              <a:t> </a:t>
+            </a:r>
+            <a:r>
+              <a:rPr lang="en-US" dirty="0" err="1"/>
+              <a:t>hogy</a:t>
+            </a:r>
+            <a:r>
+              <a:rPr lang="en-US" dirty="0"/>
+              <a:t> default </a:t>
+            </a:r>
+            <a:r>
+              <a:rPr lang="en-US" dirty="0" err="1"/>
+              <a:t>vagy</a:t>
+            </a:r>
+            <a:r>
+              <a:rPr lang="en-US" dirty="0"/>
+              <a:t> upload? </a:t>
+            </a:r>
+            <a:r>
+              <a:rPr lang="en-US" dirty="0" err="1"/>
+              <a:t>Egy</a:t>
+            </a:r>
+            <a:r>
+              <a:rPr lang="en-US" dirty="0"/>
+              <a:t> heap </a:t>
+            </a:r>
+            <a:r>
+              <a:rPr lang="en-US" dirty="0" err="1"/>
+              <a:t>az</a:t>
+            </a:r>
+            <a:r>
+              <a:rPr lang="en-US" dirty="0"/>
+              <a:t> </a:t>
+            </a:r>
+            <a:r>
+              <a:rPr lang="en-US" dirty="0" err="1"/>
+              <a:t>nem</a:t>
+            </a:r>
+            <a:r>
+              <a:rPr lang="en-US" dirty="0"/>
+              <a:t> </a:t>
+            </a:r>
+            <a:r>
+              <a:rPr lang="en-US" dirty="0" err="1"/>
+              <a:t>más</a:t>
+            </a:r>
+            <a:r>
+              <a:rPr lang="en-US" dirty="0"/>
+              <a:t>, mint </a:t>
+            </a:r>
+            <a:r>
+              <a:rPr lang="en-US" dirty="0" err="1"/>
+              <a:t>egy</a:t>
+            </a:r>
+            <a:r>
+              <a:rPr lang="en-US" dirty="0"/>
+              <a:t> </a:t>
+            </a:r>
+            <a:r>
+              <a:rPr lang="en-US" dirty="0" err="1"/>
+              <a:t>memória</a:t>
+            </a:r>
+            <a:r>
+              <a:rPr lang="en-US" dirty="0"/>
+              <a:t> </a:t>
+            </a:r>
+            <a:r>
+              <a:rPr lang="en-US" dirty="0" err="1"/>
+              <a:t>terület</a:t>
+            </a:r>
+            <a:r>
+              <a:rPr lang="en-US" dirty="0"/>
+              <a:t>, </a:t>
+            </a:r>
+            <a:r>
+              <a:rPr lang="en-US" dirty="0" err="1"/>
+              <a:t>amelyet</a:t>
+            </a:r>
+            <a:r>
+              <a:rPr lang="en-US" dirty="0"/>
+              <a:t> </a:t>
+            </a:r>
+            <a:r>
+              <a:rPr lang="en-US" dirty="0" err="1"/>
+              <a:t>az</a:t>
+            </a:r>
+            <a:r>
+              <a:rPr lang="en-US" dirty="0"/>
+              <a:t> </a:t>
+            </a:r>
+            <a:r>
+              <a:rPr lang="en-US" dirty="0" err="1"/>
+              <a:t>alkalmazásunk</a:t>
+            </a:r>
+            <a:r>
+              <a:rPr lang="en-US" dirty="0"/>
+              <a:t> </a:t>
+            </a:r>
+            <a:r>
+              <a:rPr lang="en-US" dirty="0" err="1"/>
+              <a:t>foglal</a:t>
+            </a:r>
+            <a:r>
+              <a:rPr lang="en-US" dirty="0"/>
+              <a:t> </a:t>
+            </a:r>
+            <a:r>
+              <a:rPr lang="en-US" dirty="0" err="1"/>
+              <a:t>illetve</a:t>
+            </a:r>
+            <a:r>
+              <a:rPr lang="en-US" dirty="0"/>
+              <a:t> </a:t>
+            </a:r>
+            <a:r>
+              <a:rPr lang="en-US" dirty="0" err="1"/>
+              <a:t>szabadít</a:t>
+            </a:r>
+            <a:r>
+              <a:rPr lang="en-US" dirty="0"/>
+              <a:t> </a:t>
+            </a:r>
+            <a:r>
+              <a:rPr lang="en-US" dirty="0" err="1"/>
+              <a:t>fel</a:t>
+            </a:r>
+            <a:r>
+              <a:rPr lang="en-US" dirty="0"/>
+              <a:t>. </a:t>
+            </a:r>
+            <a:r>
+              <a:rPr lang="en-US" dirty="0" err="1"/>
+              <a:t>Egy</a:t>
+            </a:r>
+            <a:r>
+              <a:rPr lang="en-US" dirty="0"/>
+              <a:t> resource (ID3D12Resource) </a:t>
+            </a:r>
+            <a:r>
+              <a:rPr lang="en-US" dirty="0" err="1"/>
+              <a:t>úgy</a:t>
+            </a:r>
+            <a:r>
+              <a:rPr lang="en-US" dirty="0"/>
+              <a:t> </a:t>
+            </a:r>
+            <a:r>
+              <a:rPr lang="en-US" dirty="0" err="1"/>
+              <a:t>viszonyul</a:t>
+            </a:r>
+            <a:r>
+              <a:rPr lang="en-US" dirty="0"/>
+              <a:t> a heap-</a:t>
+            </a:r>
+            <a:r>
+              <a:rPr lang="en-US" dirty="0" err="1"/>
+              <a:t>hez</a:t>
+            </a:r>
+            <a:r>
+              <a:rPr lang="en-US" dirty="0"/>
+              <a:t>, </a:t>
+            </a:r>
+            <a:r>
+              <a:rPr lang="en-US" dirty="0" err="1"/>
+              <a:t>hogy</a:t>
+            </a:r>
+            <a:r>
+              <a:rPr lang="en-US" dirty="0"/>
+              <a:t> a resource-</a:t>
+            </a:r>
+            <a:r>
+              <a:rPr lang="en-US" dirty="0" err="1"/>
+              <a:t>ot</a:t>
+            </a:r>
+            <a:r>
+              <a:rPr lang="en-US" dirty="0"/>
+              <a:t> </a:t>
+            </a:r>
+            <a:r>
+              <a:rPr lang="en-US" dirty="0" err="1"/>
+              <a:t>valahova</a:t>
+            </a:r>
+            <a:r>
+              <a:rPr lang="en-US" dirty="0"/>
+              <a:t> </a:t>
+            </a:r>
+            <a:r>
+              <a:rPr lang="en-US" dirty="0" err="1"/>
+              <a:t>tenni</a:t>
+            </a:r>
+            <a:r>
+              <a:rPr lang="en-US" dirty="0"/>
+              <a:t> </a:t>
+            </a:r>
+            <a:r>
+              <a:rPr lang="en-US" dirty="0" err="1"/>
+              <a:t>kell</a:t>
+            </a:r>
+            <a:r>
+              <a:rPr lang="en-US" dirty="0"/>
+              <a:t> a </a:t>
+            </a:r>
+            <a:r>
+              <a:rPr lang="en-US" dirty="0" err="1"/>
+              <a:t>memóriában</a:t>
+            </a:r>
+            <a:r>
+              <a:rPr lang="en-US" dirty="0"/>
+              <a:t>. A device-&gt;</a:t>
+            </a:r>
+            <a:r>
+              <a:rPr lang="en-US" dirty="0" err="1"/>
+              <a:t>CreateCommittedResource</a:t>
+            </a:r>
+            <a:r>
+              <a:rPr lang="en-US" dirty="0"/>
+              <a:t> </a:t>
+            </a:r>
+            <a:r>
+              <a:rPr lang="en-US" dirty="0" err="1"/>
+              <a:t>hívásban</a:t>
+            </a:r>
+            <a:r>
+              <a:rPr lang="en-US" dirty="0"/>
+              <a:t> a </a:t>
+            </a:r>
+            <a:r>
+              <a:rPr lang="en-US" dirty="0" err="1"/>
+              <a:t>CommittedResource</a:t>
+            </a:r>
+            <a:r>
+              <a:rPr lang="en-US" dirty="0"/>
+              <a:t> </a:t>
+            </a:r>
+            <a:r>
+              <a:rPr lang="en-US" dirty="0" err="1"/>
+              <a:t>azt</a:t>
+            </a:r>
+            <a:r>
+              <a:rPr lang="en-US" dirty="0"/>
+              <a:t> </a:t>
+            </a:r>
+            <a:r>
+              <a:rPr lang="en-US" dirty="0" err="1"/>
+              <a:t>jelenti</a:t>
+            </a:r>
+            <a:r>
+              <a:rPr lang="en-US" dirty="0"/>
+              <a:t>, </a:t>
+            </a:r>
+            <a:r>
+              <a:rPr lang="en-US" dirty="0" err="1"/>
+              <a:t>hogy</a:t>
+            </a:r>
+            <a:r>
+              <a:rPr lang="en-US" dirty="0"/>
+              <a:t> </a:t>
+            </a:r>
+            <a:r>
+              <a:rPr lang="en-US" dirty="0" err="1"/>
+              <a:t>létrehozunk</a:t>
+            </a:r>
+            <a:r>
+              <a:rPr lang="en-US" dirty="0"/>
+              <a:t> </a:t>
+            </a:r>
+            <a:r>
+              <a:rPr lang="en-US" dirty="0" err="1"/>
+              <a:t>az</a:t>
+            </a:r>
+            <a:r>
+              <a:rPr lang="en-US" dirty="0"/>
+              <a:t> </a:t>
+            </a:r>
+            <a:r>
+              <a:rPr lang="en-US" dirty="0" err="1"/>
+              <a:t>erőforrásnak</a:t>
+            </a:r>
+            <a:r>
+              <a:rPr lang="en-US" dirty="0"/>
+              <a:t> </a:t>
+            </a:r>
+            <a:r>
+              <a:rPr lang="en-US" dirty="0" err="1"/>
+              <a:t>egy</a:t>
+            </a:r>
+            <a:r>
+              <a:rPr lang="en-US" dirty="0"/>
+              <a:t> </a:t>
+            </a:r>
+            <a:r>
+              <a:rPr lang="en-US" dirty="0" err="1"/>
+              <a:t>saját</a:t>
+            </a:r>
+            <a:r>
+              <a:rPr lang="en-US" dirty="0"/>
+              <a:t> heap-et is. </a:t>
+            </a:r>
+            <a:r>
+              <a:rPr lang="en-US" dirty="0" err="1"/>
+              <a:t>Lehetne</a:t>
+            </a:r>
+            <a:r>
+              <a:rPr lang="en-US" dirty="0"/>
+              <a:t> </a:t>
+            </a:r>
+            <a:r>
+              <a:rPr lang="en-US" dirty="0" err="1"/>
+              <a:t>olyat</a:t>
+            </a:r>
+            <a:r>
+              <a:rPr lang="en-US" dirty="0"/>
+              <a:t> is </a:t>
+            </a:r>
+            <a:r>
+              <a:rPr lang="en-US" dirty="0" err="1"/>
+              <a:t>csinálni</a:t>
+            </a:r>
+            <a:r>
+              <a:rPr lang="en-US" dirty="0"/>
+              <a:t>, </a:t>
+            </a:r>
+            <a:r>
+              <a:rPr lang="en-US" dirty="0" err="1"/>
+              <a:t>hogy</a:t>
+            </a:r>
+            <a:r>
+              <a:rPr lang="en-US" dirty="0"/>
+              <a:t> </a:t>
+            </a:r>
+            <a:r>
+              <a:rPr lang="en-US" dirty="0" err="1"/>
+              <a:t>már</a:t>
+            </a:r>
+            <a:r>
+              <a:rPr lang="en-US" dirty="0"/>
+              <a:t> </a:t>
+            </a:r>
+            <a:r>
+              <a:rPr lang="en-US" dirty="0" err="1"/>
+              <a:t>létező</a:t>
+            </a:r>
+            <a:r>
+              <a:rPr lang="en-US" dirty="0"/>
+              <a:t> </a:t>
+            </a:r>
+            <a:r>
+              <a:rPr lang="en-US" dirty="0" err="1"/>
+              <a:t>heapbe</a:t>
+            </a:r>
+            <a:r>
+              <a:rPr lang="en-US" dirty="0"/>
+              <a:t> </a:t>
+            </a:r>
+            <a:r>
+              <a:rPr lang="en-US" dirty="0" err="1"/>
+              <a:t>tesszük</a:t>
+            </a:r>
+            <a:r>
+              <a:rPr lang="en-US" dirty="0"/>
+              <a:t> </a:t>
+            </a:r>
+            <a:r>
+              <a:rPr lang="en-US" dirty="0" err="1"/>
+              <a:t>az</a:t>
+            </a:r>
+            <a:r>
+              <a:rPr lang="en-US" dirty="0"/>
+              <a:t> </a:t>
+            </a:r>
+            <a:r>
+              <a:rPr lang="en-US" dirty="0" err="1"/>
+              <a:t>erőforrást</a:t>
+            </a:r>
+            <a:r>
+              <a:rPr lang="en-US" dirty="0"/>
+              <a:t>, </a:t>
+            </a:r>
+            <a:r>
+              <a:rPr lang="en-US" dirty="0" err="1"/>
+              <a:t>ez</a:t>
+            </a:r>
+            <a:r>
+              <a:rPr lang="en-US" dirty="0"/>
+              <a:t> </a:t>
+            </a:r>
+            <a:r>
+              <a:rPr lang="en-US" dirty="0" err="1"/>
+              <a:t>természetesen</a:t>
+            </a:r>
+            <a:r>
+              <a:rPr lang="en-US" dirty="0"/>
+              <a:t> </a:t>
+            </a:r>
+            <a:r>
+              <a:rPr lang="en-US" dirty="0" err="1"/>
+              <a:t>túlmutat</a:t>
+            </a:r>
+            <a:r>
+              <a:rPr lang="en-US" dirty="0"/>
+              <a:t> a </a:t>
+            </a:r>
+            <a:r>
+              <a:rPr lang="en-US" dirty="0" err="1"/>
+              <a:t>laboranyagon</a:t>
+            </a:r>
+            <a:r>
+              <a:rPr lang="en-US" dirty="0"/>
+              <a:t>.</a:t>
+            </a:r>
+          </a:p>
+          <a:p>
+            <a:endParaRPr lang="en-US" dirty="0"/>
+          </a:p>
+          <a:p>
+            <a:r>
+              <a:rPr lang="en-US" dirty="0"/>
+              <a:t>Ha a resource </a:t>
+            </a:r>
+            <a:r>
+              <a:rPr lang="en-US" dirty="0" err="1"/>
+              <a:t>és</a:t>
+            </a:r>
+            <a:r>
+              <a:rPr lang="en-US" dirty="0"/>
+              <a:t> heap </a:t>
+            </a:r>
+            <a:r>
+              <a:rPr lang="en-US" dirty="0" err="1"/>
+              <a:t>viszonya</a:t>
+            </a:r>
+            <a:r>
+              <a:rPr lang="en-US" dirty="0"/>
+              <a:t> </a:t>
+            </a:r>
+            <a:r>
+              <a:rPr lang="en-US" dirty="0" err="1"/>
+              <a:t>érthető</a:t>
+            </a:r>
+            <a:r>
+              <a:rPr lang="en-US" dirty="0"/>
+              <a:t>, </a:t>
+            </a:r>
+            <a:r>
+              <a:rPr lang="en-US" dirty="0" err="1"/>
+              <a:t>akkor</a:t>
+            </a:r>
+            <a:r>
+              <a:rPr lang="en-US" dirty="0"/>
+              <a:t> most a </a:t>
+            </a:r>
+            <a:r>
+              <a:rPr lang="en-US" dirty="0" err="1"/>
+              <a:t>különböző</a:t>
+            </a:r>
+            <a:r>
+              <a:rPr lang="en-US" dirty="0"/>
+              <a:t> heap </a:t>
+            </a:r>
+            <a:r>
+              <a:rPr lang="en-US" dirty="0" err="1"/>
+              <a:t>típusokról</a:t>
+            </a:r>
+            <a:r>
+              <a:rPr lang="en-US" dirty="0"/>
+              <a:t> </a:t>
+            </a:r>
+            <a:r>
+              <a:rPr lang="en-US" dirty="0" err="1"/>
+              <a:t>lesz</a:t>
+            </a:r>
+            <a:r>
+              <a:rPr lang="en-US" dirty="0"/>
+              <a:t> </a:t>
+            </a:r>
+            <a:r>
+              <a:rPr lang="en-US" dirty="0" err="1"/>
+              <a:t>szó</a:t>
+            </a:r>
+            <a:r>
+              <a:rPr lang="en-US" dirty="0"/>
+              <a:t>:</a:t>
+            </a:r>
+          </a:p>
+          <a:p>
+            <a:pPr marL="171450" indent="-171450">
+              <a:buFontTx/>
+              <a:buChar char="-"/>
+            </a:pPr>
+            <a:r>
+              <a:rPr lang="en-US" dirty="0"/>
+              <a:t>Default: a GPU-n a </a:t>
+            </a:r>
+            <a:r>
+              <a:rPr lang="en-US" dirty="0" err="1"/>
+              <a:t>legnagyobb</a:t>
+            </a:r>
+            <a:r>
+              <a:rPr lang="en-US" dirty="0"/>
+              <a:t> </a:t>
+            </a:r>
+            <a:r>
+              <a:rPr lang="en-US" dirty="0" err="1"/>
+              <a:t>sávszélességet</a:t>
+            </a:r>
+            <a:r>
+              <a:rPr lang="en-US" dirty="0"/>
+              <a:t> </a:t>
+            </a:r>
+            <a:r>
+              <a:rPr lang="en-US" dirty="0" err="1"/>
+              <a:t>élvező</a:t>
+            </a:r>
+            <a:r>
+              <a:rPr lang="en-US" dirty="0"/>
+              <a:t> </a:t>
+            </a:r>
+            <a:r>
+              <a:rPr lang="en-US" dirty="0" err="1"/>
+              <a:t>erőforrás</a:t>
+            </a:r>
+            <a:r>
+              <a:rPr lang="en-US" dirty="0"/>
+              <a:t>, </a:t>
+            </a:r>
+            <a:r>
+              <a:rPr lang="en-US" dirty="0" err="1"/>
+              <a:t>azon</a:t>
+            </a:r>
+            <a:r>
+              <a:rPr lang="en-US" dirty="0"/>
+              <a:t> </a:t>
+            </a:r>
+            <a:r>
+              <a:rPr lang="en-US" dirty="0" err="1"/>
+              <a:t>az</a:t>
+            </a:r>
+            <a:r>
+              <a:rPr lang="en-US" dirty="0"/>
+              <a:t> </a:t>
+            </a:r>
+            <a:r>
+              <a:rPr lang="en-US" dirty="0" err="1"/>
+              <a:t>áron</a:t>
+            </a:r>
+            <a:r>
+              <a:rPr lang="en-US" dirty="0"/>
+              <a:t>, </a:t>
+            </a:r>
+            <a:r>
+              <a:rPr lang="en-US" dirty="0" err="1"/>
+              <a:t>hogy</a:t>
+            </a:r>
+            <a:r>
+              <a:rPr lang="en-US" dirty="0"/>
+              <a:t> CPU </a:t>
+            </a:r>
+            <a:r>
+              <a:rPr lang="en-US" dirty="0" err="1"/>
+              <a:t>egyáltalán</a:t>
+            </a:r>
+            <a:r>
+              <a:rPr lang="en-US" dirty="0"/>
+              <a:t> </a:t>
+            </a:r>
+            <a:r>
+              <a:rPr lang="en-US" dirty="0" err="1"/>
+              <a:t>nem</a:t>
+            </a:r>
+            <a:r>
+              <a:rPr lang="en-US" dirty="0"/>
+              <a:t> </a:t>
+            </a:r>
+            <a:r>
+              <a:rPr lang="en-US" dirty="0" err="1"/>
+              <a:t>éri</a:t>
+            </a:r>
+            <a:r>
+              <a:rPr lang="en-US" dirty="0"/>
+              <a:t> el. </a:t>
+            </a:r>
+            <a:r>
+              <a:rPr lang="en-US" dirty="0" err="1"/>
+              <a:t>Nem</a:t>
+            </a:r>
+            <a:r>
+              <a:rPr lang="en-US" dirty="0"/>
+              <a:t> </a:t>
+            </a:r>
+            <a:r>
+              <a:rPr lang="en-US" dirty="0" err="1"/>
+              <a:t>tudunk</a:t>
+            </a:r>
+            <a:r>
+              <a:rPr lang="en-US" dirty="0"/>
+              <a:t> </a:t>
+            </a:r>
+            <a:r>
+              <a:rPr lang="en-US" dirty="0" err="1"/>
+              <a:t>bele</a:t>
+            </a:r>
+            <a:r>
+              <a:rPr lang="en-US" dirty="0"/>
+              <a:t> </a:t>
+            </a:r>
+            <a:r>
+              <a:rPr lang="en-US" dirty="0" err="1"/>
+              <a:t>írni</a:t>
+            </a:r>
+            <a:r>
+              <a:rPr lang="en-US" dirty="0"/>
+              <a:t> CPU </a:t>
+            </a:r>
+            <a:r>
+              <a:rPr lang="en-US" dirty="0" err="1"/>
+              <a:t>oldalról</a:t>
+            </a:r>
+            <a:r>
+              <a:rPr lang="en-US" dirty="0"/>
+              <a:t>. (</a:t>
+            </a:r>
+            <a:r>
+              <a:rPr lang="en-US" dirty="0" err="1"/>
+              <a:t>gpu</a:t>
+            </a:r>
+            <a:r>
+              <a:rPr lang="en-US" dirty="0"/>
+              <a:t>-read-write)</a:t>
+            </a:r>
+          </a:p>
+          <a:p>
+            <a:pPr marL="171450" indent="-171450">
+              <a:buFontTx/>
+              <a:buChar char="-"/>
+            </a:pPr>
+            <a:r>
+              <a:rPr lang="en-US" dirty="0"/>
+              <a:t>Upload: </a:t>
+            </a:r>
+            <a:r>
+              <a:rPr lang="en-US" dirty="0" err="1"/>
+              <a:t>olyan</a:t>
+            </a:r>
+            <a:r>
+              <a:rPr lang="en-US" dirty="0"/>
+              <a:t> </a:t>
+            </a:r>
+            <a:r>
+              <a:rPr lang="en-US" dirty="0" err="1"/>
+              <a:t>erőforrás</a:t>
+            </a:r>
+            <a:r>
+              <a:rPr lang="en-US" dirty="0"/>
+              <a:t> </a:t>
+            </a:r>
+            <a:r>
+              <a:rPr lang="en-US" dirty="0" err="1"/>
+              <a:t>amelyre</a:t>
+            </a:r>
+            <a:r>
+              <a:rPr lang="en-US" dirty="0"/>
+              <a:t> </a:t>
+            </a:r>
+            <a:r>
+              <a:rPr lang="en-US" dirty="0" err="1"/>
+              <a:t>tudunk</a:t>
+            </a:r>
+            <a:r>
+              <a:rPr lang="en-US" dirty="0"/>
+              <a:t> </a:t>
+            </a:r>
+            <a:r>
+              <a:rPr lang="en-US" dirty="0" err="1"/>
+              <a:t>írni</a:t>
+            </a:r>
+            <a:r>
+              <a:rPr lang="en-US" dirty="0"/>
+              <a:t> CPU </a:t>
+            </a:r>
+            <a:r>
+              <a:rPr lang="en-US" dirty="0" err="1"/>
+              <a:t>oldalról</a:t>
+            </a:r>
+            <a:r>
+              <a:rPr lang="en-US" dirty="0"/>
+              <a:t> (</a:t>
+            </a:r>
+            <a:r>
+              <a:rPr lang="en-US" dirty="0" err="1"/>
+              <a:t>olvasni</a:t>
+            </a:r>
+            <a:r>
+              <a:rPr lang="en-US" dirty="0"/>
+              <a:t> </a:t>
+            </a:r>
+            <a:r>
+              <a:rPr lang="en-US" dirty="0" err="1"/>
+              <a:t>kifejezetten</a:t>
+            </a:r>
+            <a:r>
+              <a:rPr lang="en-US" dirty="0"/>
+              <a:t> </a:t>
+            </a:r>
+            <a:r>
+              <a:rPr lang="en-US" dirty="0" err="1"/>
+              <a:t>lassú</a:t>
+            </a:r>
+            <a:r>
+              <a:rPr lang="en-US" dirty="0"/>
+              <a:t>), de </a:t>
+            </a:r>
+            <a:r>
+              <a:rPr lang="en-US" dirty="0" err="1"/>
+              <a:t>már</a:t>
+            </a:r>
+            <a:r>
+              <a:rPr lang="en-US" dirty="0"/>
+              <a:t> </a:t>
+            </a:r>
+            <a:r>
+              <a:rPr lang="en-US" dirty="0" err="1"/>
+              <a:t>nem</a:t>
+            </a:r>
+            <a:r>
+              <a:rPr lang="en-US" dirty="0"/>
+              <a:t> </a:t>
+            </a:r>
+            <a:r>
+              <a:rPr lang="en-US" dirty="0" err="1"/>
+              <a:t>annyira</a:t>
+            </a:r>
+            <a:r>
+              <a:rPr lang="en-US" dirty="0"/>
+              <a:t> </a:t>
+            </a:r>
+            <a:r>
+              <a:rPr lang="en-US" dirty="0" err="1"/>
+              <a:t>gyors</a:t>
+            </a:r>
+            <a:r>
+              <a:rPr lang="en-US" dirty="0"/>
+              <a:t> GPU </a:t>
+            </a:r>
+            <a:r>
+              <a:rPr lang="en-US" dirty="0" err="1"/>
+              <a:t>oldalon</a:t>
+            </a:r>
+            <a:r>
+              <a:rPr lang="en-US" dirty="0"/>
+              <a:t> </a:t>
+            </a:r>
+            <a:r>
+              <a:rPr lang="en-US" dirty="0" err="1"/>
+              <a:t>olvasni</a:t>
+            </a:r>
+            <a:r>
+              <a:rPr lang="en-US" dirty="0"/>
+              <a:t> mint </a:t>
+            </a:r>
+            <a:r>
+              <a:rPr lang="en-US" dirty="0" err="1"/>
+              <a:t>egy</a:t>
+            </a:r>
+            <a:r>
+              <a:rPr lang="en-US" dirty="0"/>
+              <a:t> default heap-et, </a:t>
+            </a:r>
+            <a:r>
+              <a:rPr lang="en-US" dirty="0" err="1"/>
+              <a:t>ez</a:t>
+            </a:r>
+            <a:r>
+              <a:rPr lang="en-US" dirty="0"/>
+              <a:t> a </a:t>
+            </a:r>
+            <a:r>
+              <a:rPr lang="en-US" dirty="0" err="1"/>
+              <a:t>fajta</a:t>
+            </a:r>
+            <a:r>
+              <a:rPr lang="en-US" dirty="0"/>
+              <a:t> </a:t>
+            </a:r>
+            <a:r>
+              <a:rPr lang="en-US" dirty="0" err="1"/>
+              <a:t>erőforrás</a:t>
+            </a:r>
+            <a:r>
+              <a:rPr lang="en-US" dirty="0"/>
+              <a:t> </a:t>
+            </a:r>
+            <a:r>
+              <a:rPr lang="en-US" dirty="0" err="1"/>
+              <a:t>egyébként</a:t>
+            </a:r>
+            <a:r>
+              <a:rPr lang="en-US" dirty="0"/>
+              <a:t> </a:t>
+            </a:r>
+            <a:r>
+              <a:rPr lang="en-US" dirty="0" err="1"/>
+              <a:t>cpu</a:t>
+            </a:r>
+            <a:r>
+              <a:rPr lang="en-US" dirty="0"/>
+              <a:t>-write-once </a:t>
+            </a:r>
+            <a:r>
+              <a:rPr lang="en-US" dirty="0" err="1"/>
+              <a:t>gpu</a:t>
+            </a:r>
+            <a:r>
+              <a:rPr lang="en-US" dirty="0"/>
+              <a:t>-read-once </a:t>
+            </a:r>
+            <a:r>
+              <a:rPr lang="en-US" dirty="0" err="1"/>
+              <a:t>élettartamra</a:t>
+            </a:r>
+            <a:r>
+              <a:rPr lang="en-US" dirty="0"/>
+              <a:t> </a:t>
+            </a:r>
+            <a:r>
+              <a:rPr lang="en-US" dirty="0" err="1"/>
+              <a:t>lett</a:t>
+            </a:r>
+            <a:r>
+              <a:rPr lang="en-US" dirty="0"/>
+              <a:t> </a:t>
+            </a:r>
+            <a:r>
+              <a:rPr lang="en-US" dirty="0" err="1"/>
+              <a:t>kitalálva</a:t>
+            </a:r>
+            <a:r>
+              <a:rPr lang="en-US" dirty="0"/>
+              <a:t>. </a:t>
+            </a:r>
+            <a:r>
+              <a:rPr lang="en-US" dirty="0" err="1"/>
+              <a:t>Ez</a:t>
+            </a:r>
+            <a:r>
+              <a:rPr lang="en-US" dirty="0"/>
+              <a:t> </a:t>
+            </a:r>
+            <a:r>
+              <a:rPr lang="en-US" dirty="0" err="1"/>
+              <a:t>azt</a:t>
+            </a:r>
+            <a:r>
+              <a:rPr lang="en-US" dirty="0"/>
+              <a:t> </a:t>
+            </a:r>
+            <a:r>
+              <a:rPr lang="en-US" dirty="0" err="1"/>
+              <a:t>jelenti</a:t>
+            </a:r>
+            <a:r>
+              <a:rPr lang="en-US" dirty="0"/>
+              <a:t>, </a:t>
+            </a:r>
+            <a:r>
+              <a:rPr lang="en-US" dirty="0" err="1"/>
+              <a:t>hogy</a:t>
+            </a:r>
+            <a:r>
+              <a:rPr lang="en-US" dirty="0"/>
+              <a:t> </a:t>
+            </a:r>
+            <a:r>
+              <a:rPr lang="en-US" dirty="0" err="1"/>
+              <a:t>ahogyan</a:t>
+            </a:r>
+            <a:r>
+              <a:rPr lang="en-US" dirty="0"/>
+              <a:t> mi </a:t>
+            </a:r>
+            <a:r>
+              <a:rPr lang="en-US" dirty="0" err="1"/>
+              <a:t>használtuk</a:t>
+            </a:r>
+            <a:r>
+              <a:rPr lang="en-US" dirty="0"/>
+              <a:t> </a:t>
+            </a:r>
+            <a:r>
+              <a:rPr lang="en-US" dirty="0" err="1"/>
+              <a:t>eddig</a:t>
+            </a:r>
+            <a:r>
+              <a:rPr lang="en-US" dirty="0"/>
+              <a:t> </a:t>
+            </a:r>
+            <a:r>
+              <a:rPr lang="en-US" dirty="0" err="1"/>
+              <a:t>az</a:t>
+            </a:r>
+            <a:r>
+              <a:rPr lang="en-US" dirty="0"/>
+              <a:t> upload </a:t>
+            </a:r>
+            <a:r>
+              <a:rPr lang="en-US" dirty="0" err="1"/>
+              <a:t>heapben</a:t>
+            </a:r>
+            <a:r>
+              <a:rPr lang="en-US" dirty="0"/>
+              <a:t> </a:t>
+            </a:r>
+            <a:r>
+              <a:rPr lang="en-US" dirty="0" err="1"/>
+              <a:t>lévő</a:t>
+            </a:r>
+            <a:r>
+              <a:rPr lang="en-US" dirty="0"/>
+              <a:t> </a:t>
+            </a:r>
+            <a:r>
+              <a:rPr lang="en-US" dirty="0" err="1"/>
+              <a:t>erőforrásokat</a:t>
+            </a:r>
+            <a:r>
+              <a:rPr lang="en-US" dirty="0"/>
+              <a:t>, </a:t>
+            </a:r>
+            <a:r>
+              <a:rPr lang="en-US" dirty="0" err="1"/>
+              <a:t>az</a:t>
+            </a:r>
+            <a:r>
+              <a:rPr lang="en-US" dirty="0"/>
+              <a:t> </a:t>
+            </a:r>
+            <a:r>
+              <a:rPr lang="en-US" dirty="0" err="1"/>
+              <a:t>nem</a:t>
+            </a:r>
+            <a:r>
+              <a:rPr lang="en-US" dirty="0"/>
+              <a:t> </a:t>
+            </a:r>
+            <a:r>
+              <a:rPr lang="en-US" dirty="0" err="1"/>
+              <a:t>éppen</a:t>
+            </a:r>
+            <a:r>
+              <a:rPr lang="en-US" dirty="0"/>
+              <a:t> </a:t>
+            </a:r>
+            <a:r>
+              <a:rPr lang="en-US" dirty="0" err="1"/>
+              <a:t>nevezhető</a:t>
+            </a:r>
+            <a:r>
+              <a:rPr lang="en-US" dirty="0"/>
+              <a:t> </a:t>
+            </a:r>
+            <a:r>
+              <a:rPr lang="en-US" dirty="0" err="1"/>
+              <a:t>optimálisnak</a:t>
+            </a:r>
+            <a:endParaRPr lang="en-US" dirty="0"/>
+          </a:p>
+          <a:p>
+            <a:pPr marL="171450" indent="-171450">
+              <a:buFontTx/>
+              <a:buChar char="-"/>
+            </a:pPr>
+            <a:r>
+              <a:rPr lang="en-US" dirty="0"/>
+              <a:t>Readback: </a:t>
+            </a:r>
+            <a:r>
+              <a:rPr lang="en-US" dirty="0" err="1"/>
+              <a:t>gpu</a:t>
+            </a:r>
+            <a:r>
+              <a:rPr lang="en-US" dirty="0"/>
+              <a:t>-write-once </a:t>
+            </a:r>
+            <a:r>
+              <a:rPr lang="en-US" dirty="0" err="1"/>
+              <a:t>cpu</a:t>
+            </a:r>
+            <a:r>
+              <a:rPr lang="en-US" dirty="0"/>
+              <a:t>-readable </a:t>
+            </a:r>
+            <a:r>
+              <a:rPr lang="en-US" dirty="0" err="1"/>
+              <a:t>típusú</a:t>
+            </a:r>
+            <a:r>
+              <a:rPr lang="en-US" dirty="0"/>
+              <a:t> heap</a:t>
+            </a:r>
+          </a:p>
+          <a:p>
+            <a:pPr marL="0" indent="0">
+              <a:buFontTx/>
+              <a:buNone/>
+            </a:pPr>
+            <a:endParaRPr lang="en-US" dirty="0"/>
+          </a:p>
+          <a:p>
+            <a:pPr marL="0" indent="0">
+              <a:buFontTx/>
+              <a:buNone/>
+            </a:pPr>
+            <a:r>
+              <a:rPr lang="en-US" dirty="0"/>
+              <a:t>Default </a:t>
+            </a:r>
+            <a:r>
+              <a:rPr lang="en-US" dirty="0" err="1"/>
+              <a:t>heapbe</a:t>
+            </a:r>
+            <a:r>
+              <a:rPr lang="en-US" dirty="0"/>
+              <a:t> </a:t>
+            </a:r>
+            <a:r>
+              <a:rPr lang="en-US" dirty="0" err="1"/>
+              <a:t>tehát</a:t>
+            </a:r>
+            <a:r>
+              <a:rPr lang="en-US" dirty="0"/>
+              <a:t> </a:t>
+            </a:r>
+            <a:r>
+              <a:rPr lang="en-US" dirty="0" err="1"/>
+              <a:t>úgy</a:t>
+            </a:r>
+            <a:r>
+              <a:rPr lang="en-US" dirty="0"/>
+              <a:t> </a:t>
+            </a:r>
+            <a:r>
+              <a:rPr lang="en-US" dirty="0" err="1"/>
+              <a:t>tudunk</a:t>
+            </a:r>
+            <a:r>
+              <a:rPr lang="en-US" dirty="0"/>
+              <a:t> </a:t>
+            </a:r>
+            <a:r>
+              <a:rPr lang="en-US" dirty="0" err="1"/>
+              <a:t>majd</a:t>
+            </a:r>
+            <a:r>
+              <a:rPr lang="en-US" dirty="0"/>
+              <a:t> </a:t>
+            </a:r>
+            <a:r>
+              <a:rPr lang="en-US" dirty="0" err="1"/>
+              <a:t>feltölteni</a:t>
+            </a:r>
+            <a:r>
+              <a:rPr lang="en-US" dirty="0"/>
+              <a:t> </a:t>
+            </a:r>
+            <a:r>
+              <a:rPr lang="en-US" dirty="0" err="1"/>
+              <a:t>adatokat</a:t>
+            </a:r>
+            <a:r>
+              <a:rPr lang="en-US" dirty="0"/>
+              <a:t>, </a:t>
+            </a:r>
+            <a:r>
+              <a:rPr lang="en-US" dirty="0" err="1"/>
+              <a:t>hogy</a:t>
+            </a:r>
+            <a:r>
+              <a:rPr lang="en-US" dirty="0"/>
+              <a:t> </a:t>
+            </a:r>
+            <a:r>
+              <a:rPr lang="en-US" dirty="0" err="1"/>
+              <a:t>először</a:t>
+            </a:r>
+            <a:r>
+              <a:rPr lang="en-US" dirty="0"/>
+              <a:t> </a:t>
+            </a:r>
+            <a:r>
+              <a:rPr lang="en-US" dirty="0" err="1"/>
+              <a:t>egy</a:t>
+            </a:r>
+            <a:r>
+              <a:rPr lang="en-US" dirty="0"/>
+              <a:t> upload </a:t>
+            </a:r>
+            <a:r>
+              <a:rPr lang="en-US" dirty="0" err="1"/>
+              <a:t>heapbe</a:t>
+            </a:r>
+            <a:r>
+              <a:rPr lang="en-US" dirty="0"/>
+              <a:t> </a:t>
+            </a:r>
+            <a:r>
+              <a:rPr lang="en-US" dirty="0" err="1"/>
+              <a:t>felmásoljuk</a:t>
+            </a:r>
+            <a:r>
+              <a:rPr lang="en-US" dirty="0"/>
+              <a:t> CPU </a:t>
+            </a:r>
+            <a:r>
+              <a:rPr lang="en-US" dirty="0" err="1"/>
+              <a:t>oldalról</a:t>
+            </a:r>
+            <a:r>
+              <a:rPr lang="en-US" dirty="0"/>
+              <a:t>, </a:t>
+            </a:r>
+            <a:r>
+              <a:rPr lang="en-US" dirty="0" err="1"/>
+              <a:t>majd</a:t>
+            </a:r>
+            <a:r>
+              <a:rPr lang="en-US" dirty="0"/>
+              <a:t> GPU-n </a:t>
+            </a:r>
+            <a:r>
+              <a:rPr lang="en-US" dirty="0" err="1"/>
+              <a:t>kiadunk</a:t>
+            </a:r>
+            <a:r>
+              <a:rPr lang="en-US" dirty="0"/>
+              <a:t> </a:t>
+            </a:r>
+            <a:r>
+              <a:rPr lang="en-US" dirty="0" err="1"/>
+              <a:t>egy</a:t>
+            </a:r>
+            <a:r>
+              <a:rPr lang="en-US" dirty="0"/>
+              <a:t> </a:t>
+            </a:r>
+            <a:r>
+              <a:rPr lang="en-US" dirty="0" err="1"/>
+              <a:t>másolás</a:t>
+            </a:r>
+            <a:r>
+              <a:rPr lang="en-US" dirty="0"/>
+              <a:t> </a:t>
+            </a:r>
+            <a:r>
+              <a:rPr lang="en-US" dirty="0" err="1"/>
+              <a:t>parancsot</a:t>
+            </a:r>
+            <a:r>
+              <a:rPr lang="en-US" dirty="0"/>
+              <a:t>.</a:t>
+            </a:r>
+          </a:p>
+        </p:txBody>
+      </p:sp>
+      <p:sp>
+        <p:nvSpPr>
+          <p:cNvPr id="4" name="Slide Number Placeholder 3"/>
+          <p:cNvSpPr>
+            <a:spLocks noGrp="1"/>
+          </p:cNvSpPr>
+          <p:nvPr>
+            <p:ph type="sldNum" sz="quarter" idx="5"/>
+          </p:nvPr>
+        </p:nvSpPr>
+        <p:spPr/>
+        <p:txBody>
+          <a:bodyPr/>
+          <a:lstStyle/>
+          <a:p>
+            <a:fld id="{EE1CB54F-71BB-491D-A98F-DF04FDAAD72D}" type="slidenum">
+              <a:rPr lang="en-US" smtClean="0"/>
+              <a:pPr/>
+              <a:t>8</a:t>
+            </a:fld>
+            <a:endParaRPr lang="en-US"/>
+          </a:p>
+        </p:txBody>
+      </p:sp>
+    </p:spTree>
+    <p:extLst>
+      <p:ext uri="{BB962C8B-B14F-4D97-AF65-F5344CB8AC3E}">
+        <p14:creationId xmlns:p14="http://schemas.microsoft.com/office/powerpoint/2010/main" val="2942566272"/>
+      </p:ext>
+    </p:extLst>
+  </p:cSld>
+  <p:clrMapOvr>
+    <a:masterClrMapping/>
+  </p:clrMapOvr>
+</p:notes>
+</file>
+
+<file path=ppt/notesSlides/notesSlide8.xml><?xml version="1.0" encoding="utf-8"?>
+<p:notes xmlns:a="http://schemas.openxmlformats.org/drawingml/2006/main" xmlns:r="http://schemas.openxmlformats.org/officeDocument/2006/relationships" xmlns:p="http://schemas.openxmlformats.org/presentationml/2006/main">
+  <p:cSld>
+    <p:spTree>
+      <p:nvGrpSpPr>
+        <p:cNvPr id="1" name=""/>
+        <p:cNvGrpSpPr/>
+        <p:nvPr/>
+      </p:nvGrpSpPr>
+      <p:grpSpPr>
+        <a:xfrm>
+          <a:off x="0" y="0"/>
+          <a:ext cx="0" cy="0"/>
+          <a:chOff x="0" y="0"/>
+          <a:chExt cx="0" cy="0"/>
+        </a:xfrm>
+      </p:grpSpPr>
+      <p:sp>
+        <p:nvSpPr>
+          <p:cNvPr id="2" name="Slide Image Placeholder 1"/>
+          <p:cNvSpPr>
+            <a:spLocks noGrp="1" noRot="1" noChangeAspect="1"/>
+          </p:cNvSpPr>
+          <p:nvPr>
+            <p:ph type="sldImg"/>
+          </p:nvPr>
+        </p:nvSpPr>
+        <p:spPr/>
+      </p:sp>
+      <p:sp>
+        <p:nvSpPr>
+          <p:cNvPr id="3" name="Notes Placeholder 2"/>
+          <p:cNvSpPr>
+            <a:spLocks noGrp="1"/>
+          </p:cNvSpPr>
+          <p:nvPr>
+            <p:ph type="body" idx="1"/>
+          </p:nvPr>
+        </p:nvSpPr>
+        <p:spPr/>
+        <p:txBody>
+          <a:bodyPr>
+            <a:normAutofit lnSpcReduction="10000"/>
+          </a:bodyPr>
+          <a:lstStyle/>
+          <a:p>
+            <a:pPr marL="0" indent="0">
+              <a:buFontTx/>
+              <a:buNone/>
+            </a:pPr>
+            <a:r>
+              <a:rPr lang="en-US" dirty="0"/>
+              <a:t>A </a:t>
+            </a:r>
+            <a:r>
+              <a:rPr lang="en-US" dirty="0" err="1"/>
+              <a:t>GetCopyableFootprints</a:t>
+            </a:r>
+            <a:r>
+              <a:rPr lang="en-US" dirty="0"/>
+              <a:t> </a:t>
+            </a:r>
+            <a:r>
+              <a:rPr lang="en-US" dirty="0" err="1"/>
+              <a:t>függvényt</a:t>
+            </a:r>
+            <a:r>
+              <a:rPr lang="en-US" dirty="0"/>
+              <a:t> </a:t>
+            </a:r>
+            <a:r>
+              <a:rPr lang="en-US" dirty="0" err="1"/>
+              <a:t>azért</a:t>
+            </a:r>
+            <a:r>
+              <a:rPr lang="en-US" dirty="0"/>
+              <a:t> </a:t>
+            </a:r>
+            <a:r>
+              <a:rPr lang="en-US" dirty="0" err="1"/>
+              <a:t>kell</a:t>
+            </a:r>
+            <a:r>
+              <a:rPr lang="en-US" dirty="0"/>
+              <a:t> </a:t>
+            </a:r>
+            <a:r>
+              <a:rPr lang="en-US" dirty="0" err="1"/>
+              <a:t>hívnunk</a:t>
+            </a:r>
+            <a:r>
+              <a:rPr lang="en-US" dirty="0"/>
+              <a:t>, </a:t>
+            </a:r>
+            <a:r>
+              <a:rPr lang="en-US" dirty="0" err="1"/>
+              <a:t>mert</a:t>
+            </a:r>
+            <a:r>
+              <a:rPr lang="en-US" dirty="0"/>
+              <a:t> </a:t>
+            </a:r>
+            <a:r>
+              <a:rPr lang="en-US" dirty="0" err="1"/>
+              <a:t>nem</a:t>
+            </a:r>
+            <a:r>
+              <a:rPr lang="en-US" dirty="0"/>
+              <a:t> </a:t>
+            </a:r>
+            <a:r>
+              <a:rPr lang="en-US" dirty="0" err="1"/>
+              <a:t>szeretnénk</a:t>
+            </a:r>
+            <a:r>
+              <a:rPr lang="en-US" dirty="0"/>
+              <a:t> </a:t>
+            </a:r>
+            <a:r>
+              <a:rPr lang="en-US" dirty="0" err="1"/>
+              <a:t>kézzel</a:t>
+            </a:r>
+            <a:r>
+              <a:rPr lang="en-US" dirty="0"/>
+              <a:t> </a:t>
+            </a:r>
+            <a:r>
+              <a:rPr lang="en-US" dirty="0" err="1"/>
+              <a:t>kiszámolni</a:t>
+            </a:r>
+            <a:r>
+              <a:rPr lang="en-US" dirty="0"/>
+              <a:t>, </a:t>
+            </a:r>
+            <a:r>
+              <a:rPr lang="en-US" dirty="0" err="1"/>
+              <a:t>hogy</a:t>
+            </a:r>
+            <a:r>
+              <a:rPr lang="en-US" dirty="0"/>
+              <a:t> </a:t>
+            </a:r>
+            <a:r>
+              <a:rPr lang="en-US" dirty="0" err="1"/>
+              <a:t>mekkora</a:t>
+            </a:r>
+            <a:r>
+              <a:rPr lang="en-US" dirty="0"/>
+              <a:t> </a:t>
+            </a:r>
+            <a:r>
+              <a:rPr lang="en-US" dirty="0" err="1"/>
+              <a:t>méret</a:t>
+            </a:r>
+            <a:r>
+              <a:rPr lang="hu-HU" dirty="0"/>
+              <a:t>ű</a:t>
+            </a:r>
+            <a:r>
+              <a:rPr lang="en-US" dirty="0"/>
+              <a:t> </a:t>
+            </a:r>
+            <a:r>
+              <a:rPr lang="en-US" dirty="0" err="1"/>
+              <a:t>buffert</a:t>
+            </a:r>
+            <a:r>
+              <a:rPr lang="en-US" dirty="0"/>
+              <a:t> </a:t>
+            </a:r>
+            <a:r>
+              <a:rPr lang="en-US" dirty="0" err="1"/>
+              <a:t>kell</a:t>
+            </a:r>
+            <a:r>
+              <a:rPr lang="en-US" dirty="0"/>
+              <a:t> </a:t>
+            </a:r>
+            <a:r>
+              <a:rPr lang="en-US" dirty="0" err="1"/>
+              <a:t>létrehozunk</a:t>
+            </a:r>
+            <a:r>
+              <a:rPr lang="en-US" dirty="0"/>
+              <a:t>, </a:t>
+            </a:r>
+            <a:r>
+              <a:rPr lang="en-US" dirty="0" err="1"/>
+              <a:t>amely</a:t>
+            </a:r>
+            <a:r>
+              <a:rPr lang="en-US" dirty="0"/>
+              <a:t> </a:t>
+            </a:r>
+            <a:r>
+              <a:rPr lang="en-US" dirty="0" err="1"/>
+              <a:t>éppenséggel</a:t>
+            </a:r>
+            <a:r>
+              <a:rPr lang="en-US" dirty="0"/>
+              <a:t> </a:t>
+            </a:r>
+            <a:r>
+              <a:rPr lang="en-US" dirty="0" err="1"/>
+              <a:t>másolható</a:t>
+            </a:r>
+            <a:r>
+              <a:rPr lang="en-US" dirty="0"/>
+              <a:t>. </a:t>
+            </a:r>
+            <a:r>
+              <a:rPr lang="en-US" dirty="0" err="1"/>
+              <a:t>Néhány</a:t>
+            </a:r>
+            <a:r>
+              <a:rPr lang="en-US" dirty="0"/>
+              <a:t> </a:t>
+            </a:r>
+            <a:r>
+              <a:rPr lang="en-US" dirty="0" err="1"/>
+              <a:t>laborral</a:t>
+            </a:r>
+            <a:r>
+              <a:rPr lang="en-US" dirty="0"/>
+              <a:t> </a:t>
+            </a:r>
+            <a:r>
+              <a:rPr lang="en-US" dirty="0" err="1"/>
+              <a:t>ezelőtt</a:t>
+            </a:r>
+            <a:r>
+              <a:rPr lang="en-US" dirty="0"/>
+              <a:t> volt </a:t>
+            </a:r>
+            <a:r>
+              <a:rPr lang="en-US" dirty="0" err="1"/>
+              <a:t>szó</a:t>
+            </a:r>
+            <a:r>
+              <a:rPr lang="en-US" dirty="0"/>
+              <a:t> a 16 </a:t>
+            </a:r>
+            <a:r>
+              <a:rPr lang="en-US" dirty="0" err="1"/>
+              <a:t>byteos</a:t>
+            </a:r>
+            <a:r>
+              <a:rPr lang="en-US" dirty="0"/>
+              <a:t> </a:t>
+            </a:r>
+            <a:r>
+              <a:rPr lang="en-US" dirty="0" err="1"/>
+              <a:t>alignmentről</a:t>
+            </a:r>
+            <a:r>
+              <a:rPr lang="en-US" dirty="0"/>
+              <a:t>, </a:t>
+            </a:r>
+            <a:r>
+              <a:rPr lang="en-US" dirty="0" err="1"/>
+              <a:t>textúra</a:t>
+            </a:r>
+            <a:r>
+              <a:rPr lang="en-US" dirty="0"/>
+              <a:t> </a:t>
+            </a:r>
+            <a:r>
+              <a:rPr lang="en-US" dirty="0" err="1"/>
+              <a:t>esetén</a:t>
+            </a:r>
+            <a:r>
+              <a:rPr lang="en-US" dirty="0"/>
+              <a:t> is van alignment (65536), </a:t>
+            </a:r>
+            <a:r>
+              <a:rPr lang="en-US" dirty="0" err="1"/>
+              <a:t>másolás</a:t>
+            </a:r>
+            <a:r>
+              <a:rPr lang="en-US" dirty="0"/>
+              <a:t> </a:t>
+            </a:r>
+            <a:r>
+              <a:rPr lang="en-US" dirty="0" err="1"/>
+              <a:t>esetén</a:t>
+            </a:r>
+            <a:r>
+              <a:rPr lang="en-US" dirty="0"/>
+              <a:t> is van </a:t>
+            </a:r>
+            <a:r>
+              <a:rPr lang="en-US" dirty="0" err="1"/>
+              <a:t>megkötés</a:t>
+            </a:r>
+            <a:r>
+              <a:rPr lang="en-US" dirty="0"/>
+              <a:t>, </a:t>
+            </a:r>
+            <a:r>
+              <a:rPr lang="en-US" dirty="0" err="1"/>
+              <a:t>ezeket</a:t>
+            </a:r>
+            <a:r>
+              <a:rPr lang="en-US" dirty="0"/>
+              <a:t> </a:t>
+            </a:r>
+            <a:r>
+              <a:rPr lang="en-US" dirty="0" err="1"/>
+              <a:t>jobb</a:t>
+            </a:r>
+            <a:r>
+              <a:rPr lang="en-US" dirty="0"/>
+              <a:t>, ha </a:t>
+            </a:r>
+            <a:r>
+              <a:rPr lang="en-US" dirty="0" err="1"/>
+              <a:t>nem</a:t>
+            </a:r>
+            <a:r>
+              <a:rPr lang="en-US" dirty="0"/>
+              <a:t> </a:t>
+            </a:r>
+            <a:r>
+              <a:rPr lang="en-US" dirty="0" err="1"/>
+              <a:t>nekünk</a:t>
+            </a:r>
+            <a:r>
+              <a:rPr lang="en-US" dirty="0"/>
+              <a:t> </a:t>
+            </a:r>
+            <a:r>
+              <a:rPr lang="en-US" dirty="0" err="1"/>
+              <a:t>kell</a:t>
+            </a:r>
+            <a:r>
+              <a:rPr lang="en-US" dirty="0"/>
+              <a:t> </a:t>
+            </a:r>
+            <a:r>
+              <a:rPr lang="en-US" dirty="0" err="1"/>
+              <a:t>kezelni</a:t>
+            </a:r>
+            <a:r>
+              <a:rPr lang="en-US" dirty="0"/>
+              <a:t>, </a:t>
+            </a:r>
+            <a:r>
+              <a:rPr lang="en-US" dirty="0" err="1"/>
+              <a:t>ezért</a:t>
+            </a:r>
+            <a:r>
+              <a:rPr lang="en-US" dirty="0"/>
+              <a:t> </a:t>
+            </a:r>
+            <a:r>
+              <a:rPr lang="en-US" dirty="0" err="1"/>
+              <a:t>kiszámolja</a:t>
+            </a:r>
+            <a:r>
+              <a:rPr lang="en-US" dirty="0"/>
+              <a:t> </a:t>
+            </a:r>
+            <a:r>
+              <a:rPr lang="en-US" dirty="0" err="1"/>
+              <a:t>nekünk</a:t>
+            </a:r>
+            <a:r>
+              <a:rPr lang="en-US" dirty="0"/>
+              <a:t> </a:t>
+            </a:r>
+            <a:r>
+              <a:rPr lang="en-US" dirty="0" err="1"/>
+              <a:t>majd</a:t>
+            </a:r>
+            <a:r>
+              <a:rPr lang="en-US" dirty="0"/>
+              <a:t> a </a:t>
+            </a:r>
+            <a:r>
+              <a:rPr lang="en-US" dirty="0" err="1"/>
+              <a:t>GetCopyableFootprints</a:t>
+            </a:r>
+            <a:r>
+              <a:rPr lang="en-US" dirty="0"/>
+              <a:t> </a:t>
+            </a:r>
+            <a:r>
+              <a:rPr lang="en-US" dirty="0" err="1"/>
+              <a:t>függvény</a:t>
+            </a:r>
+            <a:r>
+              <a:rPr lang="en-US" dirty="0"/>
+              <a:t>.</a:t>
+            </a:r>
+          </a:p>
+          <a:p>
+            <a:endParaRPr lang="en-US" dirty="0"/>
+          </a:p>
+          <a:p>
+            <a:r>
+              <a:rPr lang="en-US" dirty="0" err="1"/>
+              <a:t>Összesítve</a:t>
+            </a:r>
+            <a:r>
+              <a:rPr lang="en-US" dirty="0"/>
+              <a:t>:</a:t>
+            </a:r>
+          </a:p>
+          <a:p>
+            <a:pPr marL="171450" indent="-171450">
+              <a:buFontTx/>
+              <a:buChar char="-"/>
+            </a:pPr>
+            <a:r>
+              <a:rPr lang="en-US" dirty="0" err="1"/>
+              <a:t>Létrehozunk</a:t>
+            </a:r>
+            <a:r>
+              <a:rPr lang="en-US" dirty="0"/>
+              <a:t> </a:t>
+            </a:r>
+            <a:r>
+              <a:rPr lang="en-US" dirty="0" err="1"/>
+              <a:t>egy</a:t>
+            </a:r>
+            <a:r>
+              <a:rPr lang="en-US" dirty="0"/>
+              <a:t> </a:t>
+            </a:r>
+            <a:r>
+              <a:rPr lang="en-US" dirty="0" err="1"/>
+              <a:t>olyan</a:t>
+            </a:r>
+            <a:r>
+              <a:rPr lang="en-US" dirty="0"/>
+              <a:t> </a:t>
+            </a:r>
+            <a:r>
+              <a:rPr lang="en-US" dirty="0" err="1"/>
+              <a:t>erőforrást</a:t>
+            </a:r>
+            <a:r>
+              <a:rPr lang="en-US" dirty="0"/>
+              <a:t> </a:t>
+            </a:r>
+            <a:r>
+              <a:rPr lang="en-US" dirty="0" err="1"/>
+              <a:t>egy</a:t>
+            </a:r>
+            <a:r>
+              <a:rPr lang="en-US" dirty="0"/>
+              <a:t> default </a:t>
+            </a:r>
+            <a:r>
+              <a:rPr lang="en-US" dirty="0" err="1"/>
+              <a:t>heapbe</a:t>
+            </a:r>
+            <a:r>
+              <a:rPr lang="en-US" dirty="0"/>
+              <a:t>, </a:t>
+            </a:r>
+            <a:r>
+              <a:rPr lang="en-US" dirty="0" err="1"/>
+              <a:t>amelynek</a:t>
+            </a:r>
+            <a:r>
+              <a:rPr lang="en-US" dirty="0"/>
+              <a:t> </a:t>
+            </a:r>
+            <a:r>
+              <a:rPr lang="en-US" dirty="0" err="1"/>
+              <a:t>megadjuk</a:t>
+            </a:r>
+            <a:r>
+              <a:rPr lang="en-US" dirty="0"/>
+              <a:t>, </a:t>
+            </a:r>
+            <a:r>
+              <a:rPr lang="en-US" dirty="0" err="1"/>
+              <a:t>hogy</a:t>
+            </a:r>
+            <a:r>
+              <a:rPr lang="en-US" dirty="0"/>
+              <a:t> </a:t>
+            </a:r>
+            <a:r>
+              <a:rPr lang="en-US" dirty="0" err="1"/>
+              <a:t>textúraként</a:t>
+            </a:r>
+            <a:r>
+              <a:rPr lang="en-US" dirty="0"/>
+              <a:t> </a:t>
+            </a:r>
+            <a:r>
+              <a:rPr lang="en-US" dirty="0" err="1"/>
+              <a:t>értelmezze</a:t>
+            </a:r>
+            <a:r>
+              <a:rPr lang="en-US" dirty="0"/>
+              <a:t> </a:t>
+            </a:r>
+            <a:r>
+              <a:rPr lang="en-US" dirty="0" err="1"/>
+              <a:t>majd</a:t>
+            </a:r>
+            <a:r>
+              <a:rPr lang="en-US" dirty="0"/>
+              <a:t> a GPU, </a:t>
+            </a:r>
+            <a:r>
+              <a:rPr lang="en-US" dirty="0" err="1"/>
+              <a:t>magasság</a:t>
+            </a:r>
+            <a:r>
+              <a:rPr lang="en-US" dirty="0"/>
+              <a:t> </a:t>
+            </a:r>
+            <a:r>
+              <a:rPr lang="en-US" dirty="0" err="1"/>
+              <a:t>szélesség</a:t>
+            </a:r>
+            <a:r>
+              <a:rPr lang="en-US" dirty="0"/>
+              <a:t> </a:t>
+            </a:r>
+            <a:r>
+              <a:rPr lang="en-US" dirty="0" err="1"/>
+              <a:t>mélység</a:t>
+            </a:r>
+            <a:r>
+              <a:rPr lang="en-US" dirty="0"/>
+              <a:t> </a:t>
+            </a:r>
+            <a:r>
+              <a:rPr lang="en-US" dirty="0" err="1"/>
+              <a:t>texel</a:t>
+            </a:r>
+            <a:r>
+              <a:rPr lang="en-US" dirty="0"/>
+              <a:t> </a:t>
+            </a:r>
+            <a:r>
+              <a:rPr lang="en-US" dirty="0" err="1"/>
+              <a:t>formátum</a:t>
+            </a:r>
+            <a:r>
+              <a:rPr lang="en-US" dirty="0"/>
+              <a:t>, </a:t>
+            </a:r>
+            <a:r>
+              <a:rPr lang="en-US" dirty="0" err="1"/>
+              <a:t>minden</a:t>
+            </a:r>
+            <a:r>
+              <a:rPr lang="en-US" dirty="0"/>
+              <a:t> </a:t>
+            </a:r>
+            <a:r>
+              <a:rPr lang="en-US" dirty="0" err="1"/>
+              <a:t>ilyen</a:t>
+            </a:r>
+            <a:r>
+              <a:rPr lang="en-US" dirty="0"/>
+              <a:t> </a:t>
+            </a:r>
+            <a:r>
+              <a:rPr lang="en-US" dirty="0" err="1"/>
+              <a:t>adat</a:t>
+            </a:r>
+            <a:endParaRPr lang="en-US" dirty="0"/>
+          </a:p>
+          <a:p>
+            <a:pPr marL="171450" indent="-171450">
+              <a:buFontTx/>
+              <a:buChar char="-"/>
+            </a:pPr>
+            <a:r>
+              <a:rPr lang="en-US" dirty="0" err="1"/>
+              <a:t>Létrehozunk</a:t>
+            </a:r>
+            <a:r>
+              <a:rPr lang="en-US" dirty="0"/>
+              <a:t> </a:t>
+            </a:r>
+            <a:r>
+              <a:rPr lang="en-US" dirty="0" err="1"/>
+              <a:t>egy</a:t>
+            </a:r>
+            <a:r>
+              <a:rPr lang="en-US" dirty="0"/>
+              <a:t> </a:t>
+            </a:r>
+            <a:r>
+              <a:rPr lang="en-US" dirty="0" err="1"/>
+              <a:t>olyan</a:t>
+            </a:r>
+            <a:r>
+              <a:rPr lang="en-US" dirty="0"/>
+              <a:t> </a:t>
+            </a:r>
+            <a:r>
+              <a:rPr lang="en-US" dirty="0" err="1"/>
+              <a:t>erőforrást</a:t>
+            </a:r>
+            <a:r>
+              <a:rPr lang="en-US" dirty="0"/>
+              <a:t> </a:t>
+            </a:r>
+            <a:r>
+              <a:rPr lang="en-US" dirty="0" err="1"/>
+              <a:t>egy</a:t>
+            </a:r>
+            <a:r>
+              <a:rPr lang="en-US" dirty="0"/>
+              <a:t> upload </a:t>
+            </a:r>
+            <a:r>
+              <a:rPr lang="en-US" dirty="0" err="1"/>
+              <a:t>heapbe</a:t>
+            </a:r>
+            <a:r>
+              <a:rPr lang="en-US" dirty="0"/>
+              <a:t>, </a:t>
+            </a:r>
+            <a:r>
+              <a:rPr lang="en-US" dirty="0" err="1"/>
+              <a:t>amely</a:t>
+            </a:r>
+            <a:r>
+              <a:rPr lang="en-US" dirty="0"/>
+              <a:t> </a:t>
+            </a:r>
+            <a:r>
+              <a:rPr lang="en-US" dirty="0" err="1"/>
+              <a:t>csak</a:t>
+            </a:r>
+            <a:r>
+              <a:rPr lang="en-US" dirty="0"/>
+              <a:t> </a:t>
+            </a:r>
+            <a:r>
+              <a:rPr lang="en-US" dirty="0" err="1"/>
+              <a:t>egy</a:t>
+            </a:r>
+            <a:r>
+              <a:rPr lang="en-US" dirty="0"/>
+              <a:t> </a:t>
+            </a:r>
+            <a:r>
+              <a:rPr lang="en-US" dirty="0" err="1"/>
+              <a:t>szimpla</a:t>
+            </a:r>
+            <a:r>
+              <a:rPr lang="en-US" dirty="0"/>
+              <a:t> 1D buffer </a:t>
+            </a:r>
+            <a:r>
+              <a:rPr lang="en-US" dirty="0" err="1"/>
+              <a:t>lesz</a:t>
+            </a:r>
+            <a:r>
+              <a:rPr lang="en-US" dirty="0"/>
+              <a:t>, </a:t>
+            </a:r>
+            <a:r>
+              <a:rPr lang="en-US" dirty="0" err="1"/>
+              <a:t>nem</a:t>
+            </a:r>
+            <a:r>
+              <a:rPr lang="en-US" dirty="0"/>
+              <a:t> </a:t>
+            </a:r>
+            <a:r>
+              <a:rPr lang="en-US" dirty="0" err="1"/>
+              <a:t>tud</a:t>
+            </a:r>
+            <a:r>
+              <a:rPr lang="en-US" dirty="0"/>
+              <a:t> </a:t>
+            </a:r>
+            <a:r>
+              <a:rPr lang="en-US" dirty="0" err="1"/>
+              <a:t>semmit</a:t>
+            </a:r>
+            <a:r>
+              <a:rPr lang="en-US" dirty="0"/>
+              <a:t> </a:t>
+            </a:r>
+            <a:r>
+              <a:rPr lang="en-US" dirty="0" err="1"/>
+              <a:t>róla</a:t>
+            </a:r>
+            <a:r>
+              <a:rPr lang="en-US" dirty="0"/>
+              <a:t> a GPU, </a:t>
+            </a:r>
+            <a:r>
+              <a:rPr lang="en-US" dirty="0" err="1"/>
+              <a:t>csak</a:t>
+            </a:r>
+            <a:r>
+              <a:rPr lang="en-US" dirty="0"/>
+              <a:t> </a:t>
+            </a:r>
+            <a:r>
+              <a:rPr lang="en-US" dirty="0" err="1"/>
+              <a:t>hogy</a:t>
+            </a:r>
+            <a:r>
+              <a:rPr lang="en-US" dirty="0"/>
+              <a:t> </a:t>
+            </a:r>
+            <a:r>
+              <a:rPr lang="en-US" dirty="0" err="1"/>
+              <a:t>hány</a:t>
+            </a:r>
+            <a:r>
+              <a:rPr lang="en-US" dirty="0"/>
+              <a:t> </a:t>
+            </a:r>
+            <a:r>
+              <a:rPr lang="en-US" dirty="0" err="1"/>
+              <a:t>bájt</a:t>
+            </a:r>
+            <a:r>
+              <a:rPr lang="en-US" dirty="0"/>
+              <a:t> </a:t>
+            </a:r>
+            <a:r>
+              <a:rPr lang="en-US" dirty="0" err="1"/>
+              <a:t>széles</a:t>
+            </a:r>
+            <a:r>
+              <a:rPr lang="en-US" dirty="0"/>
+              <a:t> </a:t>
+            </a:r>
+            <a:r>
+              <a:rPr lang="en-US" dirty="0" err="1"/>
+              <a:t>lesz</a:t>
+            </a:r>
+            <a:r>
+              <a:rPr lang="en-US" dirty="0"/>
+              <a:t>.</a:t>
+            </a:r>
+          </a:p>
+          <a:p>
+            <a:pPr marL="0" indent="0">
+              <a:buFontTx/>
+              <a:buNone/>
+            </a:pPr>
+            <a:endParaRPr lang="en-US" dirty="0"/>
+          </a:p>
+        </p:txBody>
+      </p:sp>
+      <p:sp>
+        <p:nvSpPr>
+          <p:cNvPr id="4" name="Slide Number Placeholder 3"/>
+          <p:cNvSpPr>
+            <a:spLocks noGrp="1"/>
+          </p:cNvSpPr>
+          <p:nvPr>
+            <p:ph type="sldNum" sz="quarter" idx="5"/>
+          </p:nvPr>
+        </p:nvSpPr>
+        <p:spPr/>
+        <p:txBody>
+          <a:bodyPr/>
+          <a:lstStyle/>
+          <a:p>
+            <a:fld id="{EE1CB54F-71BB-491D-A98F-DF04FDAAD72D}" type="slidenum">
+              <a:rPr lang="en-US" smtClean="0"/>
+              <a:pPr/>
+              <a:t>9</a:t>
+            </a:fld>
+            <a:endParaRPr lang="en-US"/>
+          </a:p>
+        </p:txBody>
+      </p:sp>
+    </p:spTree>
+    <p:extLst>
+      <p:ext uri="{BB962C8B-B14F-4D97-AF65-F5344CB8AC3E}">
+        <p14:creationId xmlns:p14="http://schemas.microsoft.com/office/powerpoint/2010/main" val="3583449750"/>
+      </p:ext>
+    </p:extLst>
+  </p:cSld>
+  <p:clrMapOvr>
+    <a:masterClrMapping/>
+  </p:clrMapOvr>
+</p:notes>
+</file>
+
+<file path=ppt/notesSlides/notesSlide9.xml><?xml version="1.0" encoding="utf-8"?>
+<p:notes xmlns:a="http://schemas.openxmlformats.org/drawingml/2006/main" xmlns:r="http://schemas.openxmlformats.org/officeDocument/2006/relationships" xmlns:p="http://schemas.openxmlformats.org/presentationml/2006/main">
+  <p:cSld>
+    <p:spTree>
+      <p:nvGrpSpPr>
+        <p:cNvPr id="1" name=""/>
+        <p:cNvGrpSpPr/>
+        <p:nvPr/>
+      </p:nvGrpSpPr>
+      <p:grpSpPr>
+        <a:xfrm>
+          <a:off x="0" y="0"/>
+          <a:ext cx="0" cy="0"/>
+          <a:chOff x="0" y="0"/>
+          <a:chExt cx="0" cy="0"/>
+        </a:xfrm>
+      </p:grpSpPr>
+      <p:sp>
+        <p:nvSpPr>
+          <p:cNvPr id="2" name="Slide Image Placeholder 1"/>
+          <p:cNvSpPr>
+            <a:spLocks noGrp="1" noRot="1" noChangeAspect="1"/>
+          </p:cNvSpPr>
+          <p:nvPr>
+            <p:ph type="sldImg"/>
+          </p:nvPr>
+        </p:nvSpPr>
+        <p:spPr/>
+      </p:sp>
+      <p:sp>
+        <p:nvSpPr>
+          <p:cNvPr id="3" name="Notes Placeholder 2"/>
+          <p:cNvSpPr>
+            <a:spLocks noGrp="1"/>
+          </p:cNvSpPr>
+          <p:nvPr>
+            <p:ph type="body" idx="1"/>
+          </p:nvPr>
+        </p:nvSpPr>
+        <p:spPr/>
+        <p:txBody>
+          <a:bodyPr>
+            <a:normAutofit/>
+          </a:bodyPr>
+          <a:lstStyle/>
+          <a:p>
+            <a:pPr marL="0" indent="0">
+              <a:buFontTx/>
+              <a:buNone/>
+            </a:pPr>
+            <a:r>
+              <a:rPr lang="en-US" dirty="0" err="1"/>
+              <a:t>Ez</a:t>
+            </a:r>
+            <a:r>
+              <a:rPr lang="en-US" dirty="0"/>
+              <a:t> </a:t>
+            </a:r>
+            <a:r>
+              <a:rPr lang="en-US" dirty="0" err="1"/>
+              <a:t>itt</a:t>
+            </a:r>
+            <a:r>
+              <a:rPr lang="en-US" dirty="0"/>
+              <a:t> </a:t>
+            </a:r>
+            <a:r>
+              <a:rPr lang="en-US" dirty="0" err="1"/>
+              <a:t>az</a:t>
+            </a:r>
+            <a:r>
+              <a:rPr lang="en-US" dirty="0"/>
+              <a:t> Import </a:t>
+            </a:r>
+            <a:r>
+              <a:rPr lang="en-US" dirty="0" err="1"/>
+              <a:t>függvényben</a:t>
+            </a:r>
+            <a:r>
+              <a:rPr lang="en-US" dirty="0"/>
+              <a:t> </a:t>
+            </a:r>
+            <a:r>
+              <a:rPr lang="en-US" dirty="0" err="1"/>
+              <a:t>az</a:t>
+            </a:r>
+            <a:r>
+              <a:rPr lang="en-US" dirty="0"/>
+              <a:t> </a:t>
+            </a:r>
+            <a:r>
+              <a:rPr lang="en-US" dirty="0" err="1"/>
+              <a:t>utolsó</a:t>
+            </a:r>
+            <a:r>
+              <a:rPr lang="en-US" dirty="0"/>
+              <a:t> </a:t>
+            </a:r>
+            <a:r>
+              <a:rPr lang="en-US" dirty="0" err="1"/>
+              <a:t>lépés</a:t>
+            </a:r>
+            <a:r>
+              <a:rPr lang="en-US" dirty="0"/>
+              <a:t>, </a:t>
+            </a:r>
+            <a:r>
+              <a:rPr lang="en-US" dirty="0" err="1"/>
+              <a:t>bemapeljük</a:t>
+            </a:r>
+            <a:r>
+              <a:rPr lang="en-US" dirty="0"/>
+              <a:t> </a:t>
+            </a:r>
+            <a:r>
+              <a:rPr lang="en-US" dirty="0" err="1"/>
+              <a:t>az</a:t>
+            </a:r>
+            <a:r>
+              <a:rPr lang="en-US" dirty="0"/>
+              <a:t> </a:t>
+            </a:r>
+            <a:r>
+              <a:rPr lang="en-US" dirty="0" err="1"/>
+              <a:t>uploadResource</a:t>
+            </a:r>
+            <a:r>
+              <a:rPr lang="en-US" dirty="0"/>
+              <a:t>-t, </a:t>
+            </a:r>
+            <a:r>
+              <a:rPr lang="en-US" dirty="0" err="1"/>
+              <a:t>feltöltjük</a:t>
+            </a:r>
+            <a:r>
+              <a:rPr lang="en-US" dirty="0"/>
+              <a:t> CPU-</a:t>
+            </a:r>
+            <a:r>
+              <a:rPr lang="en-US" dirty="0" err="1"/>
+              <a:t>ról</a:t>
+            </a:r>
+            <a:r>
+              <a:rPr lang="en-US" dirty="0"/>
+              <a:t> </a:t>
+            </a:r>
+            <a:r>
+              <a:rPr lang="en-US" dirty="0" err="1"/>
+              <a:t>az</a:t>
+            </a:r>
+            <a:r>
+              <a:rPr lang="en-US" dirty="0"/>
+              <a:t> </a:t>
+            </a:r>
+            <a:r>
+              <a:rPr lang="en-US" dirty="0" err="1"/>
+              <a:t>adatokat</a:t>
+            </a:r>
+            <a:r>
+              <a:rPr lang="en-US" dirty="0"/>
+              <a:t> </a:t>
+            </a:r>
+            <a:r>
+              <a:rPr lang="en-US" dirty="0" err="1"/>
+              <a:t>az</a:t>
+            </a:r>
+            <a:r>
+              <a:rPr lang="en-US" dirty="0"/>
+              <a:t> Upload </a:t>
+            </a:r>
+            <a:r>
+              <a:rPr lang="en-US" dirty="0" err="1"/>
+              <a:t>típuső</a:t>
+            </a:r>
+            <a:r>
+              <a:rPr lang="en-US" dirty="0"/>
+              <a:t> </a:t>
+            </a:r>
+            <a:r>
+              <a:rPr lang="en-US" dirty="0" err="1"/>
+              <a:t>heapben</a:t>
+            </a:r>
+            <a:r>
+              <a:rPr lang="en-US" dirty="0"/>
+              <a:t> </a:t>
+            </a:r>
+            <a:r>
+              <a:rPr lang="en-US" dirty="0" err="1"/>
+              <a:t>lévő</a:t>
+            </a:r>
+            <a:r>
+              <a:rPr lang="en-US" dirty="0"/>
+              <a:t> </a:t>
+            </a:r>
+            <a:r>
+              <a:rPr lang="en-US" dirty="0" err="1"/>
+              <a:t>erőforrásba</a:t>
+            </a:r>
+            <a:r>
+              <a:rPr lang="en-US" dirty="0"/>
+              <a:t>.</a:t>
+            </a:r>
+          </a:p>
+        </p:txBody>
+      </p:sp>
+      <p:sp>
+        <p:nvSpPr>
+          <p:cNvPr id="4" name="Slide Number Placeholder 3"/>
+          <p:cNvSpPr>
+            <a:spLocks noGrp="1"/>
+          </p:cNvSpPr>
+          <p:nvPr>
+            <p:ph type="sldNum" sz="quarter" idx="5"/>
+          </p:nvPr>
+        </p:nvSpPr>
+        <p:spPr/>
+        <p:txBody>
+          <a:bodyPr/>
+          <a:lstStyle/>
+          <a:p>
+            <a:fld id="{EE1CB54F-71BB-491D-A98F-DF04FDAAD72D}" type="slidenum">
+              <a:rPr lang="en-US" smtClean="0"/>
+              <a:pPr/>
+              <a:t>10</a:t>
+            </a:fld>
+            <a:endParaRPr lang="en-US"/>
+          </a:p>
+        </p:txBody>
+      </p:sp>
+    </p:spTree>
+    <p:extLst>
+      <p:ext uri="{BB962C8B-B14F-4D97-AF65-F5344CB8AC3E}">
+        <p14:creationId xmlns:p14="http://schemas.microsoft.com/office/powerpoint/2010/main" val="4175393526"/>
       </p:ext>
     </p:extLst>
   </p:cSld>
@@ -3085,6 +8345,1650 @@
 </p:sld>
 </file>
 
+<file path=ppt/slides/slide10.xml><?xml version="1.0" encoding="utf-8"?>
+<p:sld xmlns:a="http://schemas.openxmlformats.org/drawingml/2006/main" xmlns:r="http://schemas.openxmlformats.org/officeDocument/2006/relationships" xmlns:p="http://schemas.openxmlformats.org/presentationml/2006/main">
+  <p:cSld>
+    <p:spTree>
+      <p:nvGrpSpPr>
+        <p:cNvPr id="1" name=""/>
+        <p:cNvGrpSpPr/>
+        <p:nvPr/>
+      </p:nvGrpSpPr>
+      <p:grpSpPr>
+        <a:xfrm>
+          <a:off x="0" y="0"/>
+          <a:ext cx="0" cy="0"/>
+          <a:chOff x="0" y="0"/>
+          <a:chExt cx="0" cy="0"/>
+        </a:xfrm>
+      </p:grpSpPr>
+      <p:sp>
+        <p:nvSpPr>
+          <p:cNvPr id="3" name="Szöveg helye 2"/>
+          <p:cNvSpPr>
+            <a:spLocks noGrp="1"/>
+          </p:cNvSpPr>
+          <p:nvPr>
+            <p:ph type="body" sz="quarter" idx="13"/>
+          </p:nvPr>
+        </p:nvSpPr>
+        <p:spPr/>
+        <p:txBody>
+          <a:bodyPr>
+            <a:normAutofit/>
+          </a:bodyPr>
+          <a:lstStyle/>
+          <a:p>
+            <a:r>
+              <a:rPr lang="en-US" sz="2000" dirty="0"/>
+              <a:t>CD3DX12_RANGE </a:t>
+            </a:r>
+            <a:r>
+              <a:rPr lang="en-US" sz="2000" dirty="0" err="1"/>
+              <a:t>readRange</a:t>
+            </a:r>
+            <a:r>
+              <a:rPr lang="en-US" sz="2000" dirty="0"/>
+              <a:t>{ 0,0 };</a:t>
+            </a:r>
+          </a:p>
+          <a:p>
+            <a:r>
+              <a:rPr lang="en-US" sz="2000" dirty="0"/>
+              <a:t>void * </a:t>
+            </a:r>
+            <a:r>
+              <a:rPr lang="en-US" sz="2000" dirty="0" err="1"/>
+              <a:t>mappedPtr</a:t>
+            </a:r>
+            <a:r>
+              <a:rPr lang="en-US" sz="2000" dirty="0"/>
+              <a:t>;</a:t>
+            </a:r>
+          </a:p>
+          <a:p>
+            <a:endParaRPr lang="en-US" sz="2000" dirty="0"/>
+          </a:p>
+          <a:p>
+            <a:r>
+              <a:rPr lang="en-US" sz="2000" dirty="0"/>
+              <a:t>DX_API("Failed to map upload resource")</a:t>
+            </a:r>
+          </a:p>
+          <a:p>
+            <a:r>
+              <a:rPr lang="en-US" sz="2000" dirty="0"/>
+              <a:t>	</a:t>
+            </a:r>
+            <a:r>
+              <a:rPr lang="en-US" sz="2000" dirty="0" err="1"/>
+              <a:t>uploadResource</a:t>
+            </a:r>
+            <a:r>
+              <a:rPr lang="en-US" sz="2000" dirty="0"/>
+              <a:t>-&gt;Map(0, &amp;</a:t>
+            </a:r>
+            <a:r>
+              <a:rPr lang="en-US" sz="2000" dirty="0" err="1"/>
+              <a:t>readRange</a:t>
+            </a:r>
+            <a:r>
+              <a:rPr lang="en-US" sz="2000" dirty="0"/>
+              <a:t>, &amp;</a:t>
+            </a:r>
+            <a:r>
+              <a:rPr lang="en-US" sz="2000" dirty="0" err="1"/>
+              <a:t>mappedPtr</a:t>
+            </a:r>
+            <a:r>
+              <a:rPr lang="en-US" sz="2000" dirty="0"/>
+              <a:t>);</a:t>
+            </a:r>
+          </a:p>
+          <a:p>
+            <a:endParaRPr lang="en-US" sz="2000" dirty="0"/>
+          </a:p>
+          <a:p>
+            <a:r>
+              <a:rPr lang="en-US" sz="2000" dirty="0" err="1"/>
+              <a:t>memcpy</a:t>
+            </a:r>
+            <a:r>
+              <a:rPr lang="en-US" sz="2000" dirty="0"/>
+              <a:t>(</a:t>
+            </a:r>
+            <a:r>
+              <a:rPr lang="en-US" sz="2000" dirty="0" err="1"/>
+              <a:t>mappedPtr</a:t>
+            </a:r>
+            <a:r>
+              <a:rPr lang="en-US" sz="2000" dirty="0"/>
+              <a:t>, </a:t>
+            </a:r>
+            <a:r>
+              <a:rPr lang="en-US" sz="2000" dirty="0" err="1"/>
+              <a:t>sImage.GetPixels</a:t>
+            </a:r>
+            <a:r>
+              <a:rPr lang="en-US" sz="2000" dirty="0"/>
+              <a:t>(), </a:t>
+            </a:r>
+            <a:r>
+              <a:rPr lang="en-US" sz="2000" dirty="0" err="1"/>
+              <a:t>sImage.GetPixelsSize</a:t>
+            </a:r>
+            <a:r>
+              <a:rPr lang="en-US" sz="2000" dirty="0"/>
+              <a:t>());</a:t>
+            </a:r>
+          </a:p>
+          <a:p>
+            <a:endParaRPr lang="en-US" sz="2000" dirty="0"/>
+          </a:p>
+          <a:p>
+            <a:r>
+              <a:rPr lang="en-US" sz="2000" dirty="0" err="1"/>
+              <a:t>uploadResource</a:t>
+            </a:r>
+            <a:r>
+              <a:rPr lang="en-US" sz="2000" dirty="0"/>
+              <a:t>-&gt;</a:t>
+            </a:r>
+            <a:r>
+              <a:rPr lang="en-US" sz="2000" dirty="0" err="1"/>
+              <a:t>Unmap</a:t>
+            </a:r>
+            <a:r>
+              <a:rPr lang="en-US" sz="2000" dirty="0"/>
+              <a:t>(0, </a:t>
+            </a:r>
+            <a:r>
+              <a:rPr lang="en-US" sz="2000" dirty="0" err="1"/>
+              <a:t>nullptr</a:t>
+            </a:r>
+            <a:r>
+              <a:rPr lang="en-US" sz="2000" dirty="0"/>
+              <a:t>);</a:t>
+            </a:r>
+          </a:p>
+        </p:txBody>
+      </p:sp>
+      <p:sp>
+        <p:nvSpPr>
+          <p:cNvPr id="6" name="Title 5">
+            <a:extLst>
+              <a:ext uri="{FF2B5EF4-FFF2-40B4-BE49-F238E27FC236}">
+                <a16:creationId xmlns:a16="http://schemas.microsoft.com/office/drawing/2014/main" id="{13397F04-F22D-49B7-9111-3E764FC17708}"/>
+              </a:ext>
+            </a:extLst>
+          </p:cNvPr>
+          <p:cNvSpPr>
+            <a:spLocks noGrp="1"/>
+          </p:cNvSpPr>
+          <p:nvPr>
+            <p:ph type="title"/>
+          </p:nvPr>
+        </p:nvSpPr>
+        <p:spPr>
+          <a:xfrm>
+            <a:off x="152400" y="76200"/>
+            <a:ext cx="8839200" cy="685800"/>
+          </a:xfrm>
+        </p:spPr>
+        <p:txBody>
+          <a:bodyPr/>
+          <a:lstStyle/>
+          <a:p>
+            <a:r>
+              <a:rPr lang="en-US" sz="4000" dirty="0"/>
+              <a:t>ImportTexture2D</a:t>
+            </a:r>
+            <a:endParaRPr lang="hu-HU" sz="4000" dirty="0"/>
+          </a:p>
+        </p:txBody>
+      </p:sp>
+    </p:spTree>
+    <p:extLst>
+      <p:ext uri="{BB962C8B-B14F-4D97-AF65-F5344CB8AC3E}">
+        <p14:creationId xmlns:p14="http://schemas.microsoft.com/office/powerpoint/2010/main" val="3843421706"/>
+      </p:ext>
+    </p:extLst>
+  </p:cSld>
+  <p:clrMapOvr>
+    <a:masterClrMapping/>
+  </p:clrMapOvr>
+</p:sld>
+</file>
+
+<file path=ppt/slides/slide11.xml><?xml version="1.0" encoding="utf-8"?>
+<p:sld xmlns:a="http://schemas.openxmlformats.org/drawingml/2006/main" xmlns:r="http://schemas.openxmlformats.org/officeDocument/2006/relationships" xmlns:p="http://schemas.openxmlformats.org/presentationml/2006/main">
+  <p:cSld>
+    <p:spTree>
+      <p:nvGrpSpPr>
+        <p:cNvPr id="1" name=""/>
+        <p:cNvGrpSpPr/>
+        <p:nvPr/>
+      </p:nvGrpSpPr>
+      <p:grpSpPr>
+        <a:xfrm>
+          <a:off x="0" y="0"/>
+          <a:ext cx="0" cy="0"/>
+          <a:chOff x="0" y="0"/>
+          <a:chExt cx="0" cy="0"/>
+        </a:xfrm>
+      </p:grpSpPr>
+      <p:sp>
+        <p:nvSpPr>
+          <p:cNvPr id="2" name="Cím 1"/>
+          <p:cNvSpPr>
+            <a:spLocks noGrp="1"/>
+          </p:cNvSpPr>
+          <p:nvPr>
+            <p:ph type="title"/>
+          </p:nvPr>
+        </p:nvSpPr>
+        <p:spPr/>
+        <p:txBody>
+          <a:bodyPr/>
+          <a:lstStyle/>
+          <a:p>
+            <a:r>
+              <a:rPr lang="en-US" dirty="0" err="1"/>
+              <a:t>Textúra</a:t>
+            </a:r>
+            <a:r>
+              <a:rPr lang="en-US" dirty="0"/>
+              <a:t> </a:t>
+            </a:r>
+            <a:r>
+              <a:rPr lang="en-US" dirty="0" err="1"/>
+              <a:t>feltöltés</a:t>
+            </a:r>
+            <a:r>
+              <a:rPr lang="en-US" dirty="0"/>
+              <a:t> (GPU-ra)</a:t>
+            </a:r>
+          </a:p>
+        </p:txBody>
+      </p:sp>
+      <p:sp>
+        <p:nvSpPr>
+          <p:cNvPr id="4" name="Tartalom helye 2">
+            <a:extLst>
+              <a:ext uri="{FF2B5EF4-FFF2-40B4-BE49-F238E27FC236}">
+                <a16:creationId xmlns:a16="http://schemas.microsoft.com/office/drawing/2014/main" id="{6656AE22-C593-43CD-BEF3-6FFD0E284A64}"/>
+              </a:ext>
+            </a:extLst>
+          </p:cNvPr>
+          <p:cNvSpPr>
+            <a:spLocks noGrp="1"/>
+          </p:cNvSpPr>
+          <p:nvPr>
+            <p:ph idx="1"/>
+          </p:nvPr>
+        </p:nvSpPr>
+        <p:spPr>
+          <a:xfrm>
+            <a:off x="457200" y="1600200"/>
+            <a:ext cx="8229600" cy="5105400"/>
+          </a:xfrm>
+        </p:spPr>
+        <p:txBody>
+          <a:bodyPr>
+            <a:normAutofit/>
+          </a:bodyPr>
+          <a:lstStyle/>
+          <a:p>
+            <a:r>
+              <a:rPr lang="en-US" dirty="0" err="1"/>
+              <a:t>Nézz</a:t>
+            </a:r>
+            <a:r>
+              <a:rPr lang="en-US" dirty="0"/>
+              <a:t> </a:t>
+            </a:r>
+            <a:r>
+              <a:rPr lang="en-US" dirty="0" err="1"/>
+              <a:t>bele</a:t>
+            </a:r>
+            <a:r>
+              <a:rPr lang="en-US" dirty="0"/>
+              <a:t> </a:t>
+            </a:r>
+            <a:r>
+              <a:rPr lang="en-US" dirty="0" err="1"/>
+              <a:t>az</a:t>
+            </a:r>
+            <a:r>
+              <a:rPr lang="en-US" dirty="0"/>
+              <a:t> Egg/Texture2D.cpp </a:t>
+            </a:r>
+            <a:r>
+              <a:rPr lang="en-US" dirty="0" err="1"/>
+              <a:t>fájlban</a:t>
+            </a:r>
+            <a:r>
+              <a:rPr lang="en-US" dirty="0"/>
+              <a:t> </a:t>
+            </a:r>
+            <a:r>
+              <a:rPr lang="en-US" dirty="0" err="1"/>
+              <a:t>az</a:t>
+            </a:r>
+            <a:r>
+              <a:rPr lang="en-US" dirty="0"/>
+              <a:t> </a:t>
+            </a:r>
+            <a:r>
+              <a:rPr lang="en-US" dirty="0" err="1"/>
+              <a:t>UploadResource</a:t>
+            </a:r>
+            <a:r>
+              <a:rPr lang="en-US" dirty="0"/>
+              <a:t> </a:t>
+            </a:r>
+            <a:r>
+              <a:rPr lang="en-US" dirty="0" err="1"/>
+              <a:t>függvénybe</a:t>
+            </a:r>
+            <a:endParaRPr lang="en-US" dirty="0"/>
+          </a:p>
+          <a:p>
+            <a:pPr lvl="1"/>
+            <a:r>
+              <a:rPr lang="en-US" dirty="0" err="1"/>
+              <a:t>Ez</a:t>
+            </a:r>
+            <a:r>
+              <a:rPr lang="en-US" dirty="0"/>
+              <a:t> </a:t>
+            </a:r>
+            <a:r>
+              <a:rPr lang="en-US" dirty="0" err="1"/>
+              <a:t>átvesz</a:t>
+            </a:r>
+            <a:r>
+              <a:rPr lang="en-US" dirty="0"/>
+              <a:t> </a:t>
+            </a:r>
+            <a:r>
+              <a:rPr lang="en-US" dirty="0" err="1"/>
+              <a:t>egy</a:t>
+            </a:r>
+            <a:r>
+              <a:rPr lang="en-US" dirty="0"/>
+              <a:t> ID3D12GraphicsCommandList* </a:t>
+            </a:r>
+            <a:r>
+              <a:rPr lang="en-US" dirty="0" err="1"/>
+              <a:t>típust</a:t>
+            </a:r>
+            <a:r>
+              <a:rPr lang="en-US" dirty="0"/>
+              <a:t>, </a:t>
+            </a:r>
+            <a:r>
+              <a:rPr lang="en-US" dirty="0" err="1"/>
+              <a:t>amelybe</a:t>
+            </a:r>
+            <a:r>
+              <a:rPr lang="en-US" dirty="0"/>
+              <a:t> </a:t>
+            </a:r>
+            <a:r>
+              <a:rPr lang="en-US" dirty="0" err="1"/>
+              <a:t>fogjuk</a:t>
+            </a:r>
+            <a:r>
+              <a:rPr lang="en-US" dirty="0"/>
+              <a:t> </a:t>
+            </a:r>
+            <a:r>
+              <a:rPr lang="en-US" dirty="0" err="1"/>
+              <a:t>kiadni</a:t>
+            </a:r>
+            <a:r>
+              <a:rPr lang="en-US" dirty="0"/>
+              <a:t> a </a:t>
+            </a:r>
+            <a:r>
+              <a:rPr lang="en-US" dirty="0" err="1"/>
+              <a:t>másolás</a:t>
+            </a:r>
+            <a:r>
+              <a:rPr lang="en-US" dirty="0"/>
+              <a:t> </a:t>
+            </a:r>
+            <a:r>
+              <a:rPr lang="en-US" dirty="0" err="1"/>
+              <a:t>parancsot</a:t>
+            </a:r>
+            <a:endParaRPr lang="en-US" dirty="0"/>
+          </a:p>
+          <a:p>
+            <a:pPr lvl="1"/>
+            <a:r>
+              <a:rPr lang="en-US" dirty="0" err="1"/>
+              <a:t>Azonban</a:t>
+            </a:r>
+            <a:r>
+              <a:rPr lang="en-US" dirty="0"/>
+              <a:t> </a:t>
+            </a:r>
+            <a:r>
+              <a:rPr lang="en-US" dirty="0" err="1"/>
+              <a:t>látható</a:t>
+            </a:r>
+            <a:r>
+              <a:rPr lang="en-US" dirty="0"/>
+              <a:t>, </a:t>
+            </a:r>
+            <a:r>
+              <a:rPr lang="en-US" dirty="0" err="1"/>
+              <a:t>ahogy</a:t>
+            </a:r>
+            <a:r>
+              <a:rPr lang="en-US" dirty="0"/>
+              <a:t> a </a:t>
+            </a:r>
+            <a:r>
+              <a:rPr lang="en-US" dirty="0" err="1"/>
+              <a:t>másolásnál</a:t>
+            </a:r>
+            <a:r>
+              <a:rPr lang="en-US" dirty="0"/>
+              <a:t> </a:t>
+            </a:r>
+            <a:r>
+              <a:rPr lang="en-US" dirty="0" err="1"/>
+              <a:t>mennyire</a:t>
+            </a:r>
+            <a:r>
+              <a:rPr lang="en-US" dirty="0"/>
+              <a:t> </a:t>
+            </a:r>
+            <a:r>
+              <a:rPr lang="en-US" dirty="0" err="1"/>
+              <a:t>fontos</a:t>
+            </a:r>
+            <a:r>
+              <a:rPr lang="en-US" dirty="0"/>
+              <a:t>, </a:t>
+            </a:r>
+            <a:r>
+              <a:rPr lang="en-US" dirty="0" err="1"/>
+              <a:t>hogy</a:t>
+            </a:r>
+            <a:r>
+              <a:rPr lang="en-US" dirty="0"/>
+              <a:t> </a:t>
+            </a:r>
+            <a:r>
+              <a:rPr lang="en-US" dirty="0" err="1"/>
+              <a:t>minden</a:t>
+            </a:r>
+            <a:r>
+              <a:rPr lang="en-US" dirty="0"/>
+              <a:t> </a:t>
+            </a:r>
+            <a:r>
+              <a:rPr lang="en-US" dirty="0" err="1"/>
+              <a:t>érték</a:t>
+            </a:r>
+            <a:r>
+              <a:rPr lang="en-US" dirty="0"/>
+              <a:t> </a:t>
+            </a:r>
+            <a:r>
+              <a:rPr lang="en-US" dirty="0" err="1"/>
+              <a:t>passzoljon</a:t>
+            </a:r>
+            <a:r>
+              <a:rPr lang="en-US" dirty="0"/>
+              <a:t>, </a:t>
+            </a:r>
+            <a:r>
+              <a:rPr lang="en-US" dirty="0" err="1"/>
+              <a:t>nem</a:t>
+            </a:r>
+            <a:r>
+              <a:rPr lang="en-US" dirty="0"/>
+              <a:t> </a:t>
+            </a:r>
+            <a:r>
+              <a:rPr lang="en-US" dirty="0" err="1"/>
+              <a:t>csak</a:t>
+            </a:r>
+            <a:r>
+              <a:rPr lang="en-US" dirty="0"/>
+              <a:t> </a:t>
+            </a:r>
+            <a:r>
+              <a:rPr lang="en-US" dirty="0" err="1"/>
+              <a:t>egy</a:t>
+            </a:r>
+            <a:r>
+              <a:rPr lang="en-US" dirty="0"/>
+              <a:t> pointer </a:t>
+            </a:r>
+            <a:r>
+              <a:rPr lang="en-US" dirty="0" err="1"/>
+              <a:t>és</a:t>
+            </a:r>
+            <a:r>
+              <a:rPr lang="en-US" dirty="0"/>
+              <a:t> </a:t>
+            </a:r>
+            <a:r>
+              <a:rPr lang="en-US" dirty="0" err="1"/>
+              <a:t>egy</a:t>
+            </a:r>
+            <a:r>
+              <a:rPr lang="en-US" dirty="0"/>
+              <a:t> </a:t>
+            </a:r>
+            <a:r>
+              <a:rPr lang="en-US" dirty="0" err="1"/>
+              <a:t>sizeof</a:t>
+            </a:r>
+            <a:r>
+              <a:rPr lang="en-US" dirty="0"/>
+              <a:t> </a:t>
+            </a:r>
+            <a:r>
+              <a:rPr lang="en-US" dirty="0" err="1"/>
+              <a:t>hívás</a:t>
+            </a:r>
+            <a:r>
+              <a:rPr lang="en-US" dirty="0"/>
+              <a:t>.</a:t>
+            </a:r>
+          </a:p>
+          <a:p>
+            <a:pPr lvl="1"/>
+            <a:r>
+              <a:rPr lang="en-US" dirty="0" err="1"/>
+              <a:t>CopyTextureRegion</a:t>
+            </a:r>
+            <a:r>
+              <a:rPr lang="en-US" dirty="0"/>
+              <a:t> </a:t>
+            </a:r>
+            <a:r>
+              <a:rPr lang="en-US" dirty="0" err="1"/>
+              <a:t>hívás</a:t>
+            </a:r>
+            <a:r>
+              <a:rPr lang="en-US" dirty="0"/>
+              <a:t> </a:t>
+            </a:r>
+            <a:r>
+              <a:rPr lang="en-US" dirty="0" err="1"/>
+              <a:t>után</a:t>
+            </a:r>
+            <a:r>
+              <a:rPr lang="en-US" dirty="0"/>
+              <a:t>, </a:t>
+            </a:r>
+            <a:r>
+              <a:rPr lang="en-US" dirty="0" err="1"/>
+              <a:t>pedig</a:t>
+            </a:r>
+            <a:r>
+              <a:rPr lang="en-US" dirty="0"/>
+              <a:t> a default </a:t>
+            </a:r>
+            <a:r>
+              <a:rPr lang="en-US" dirty="0" err="1"/>
+              <a:t>heapben</a:t>
+            </a:r>
+            <a:r>
+              <a:rPr lang="en-US" dirty="0"/>
+              <a:t> </a:t>
+            </a:r>
+            <a:r>
+              <a:rPr lang="en-US" dirty="0" err="1"/>
+              <a:t>lévő</a:t>
+            </a:r>
+            <a:r>
+              <a:rPr lang="en-US" dirty="0"/>
+              <a:t> </a:t>
+            </a:r>
+            <a:r>
+              <a:rPr lang="en-US" dirty="0" err="1"/>
+              <a:t>erőforrás</a:t>
+            </a:r>
+            <a:r>
+              <a:rPr lang="en-US" dirty="0"/>
+              <a:t> </a:t>
+            </a:r>
+            <a:r>
+              <a:rPr lang="en-US" dirty="0" err="1"/>
+              <a:t>állapotát</a:t>
+            </a:r>
+            <a:r>
+              <a:rPr lang="en-US" dirty="0"/>
+              <a:t> </a:t>
+            </a:r>
+            <a:r>
+              <a:rPr lang="en-US" dirty="0" err="1"/>
+              <a:t>átállítjuk</a:t>
+            </a:r>
+            <a:r>
+              <a:rPr lang="en-US" dirty="0"/>
+              <a:t> COPY_DEST </a:t>
+            </a:r>
+            <a:r>
+              <a:rPr lang="en-US" dirty="0" err="1"/>
+              <a:t>állapotról</a:t>
+            </a:r>
+            <a:r>
+              <a:rPr lang="en-US" dirty="0"/>
+              <a:t>.</a:t>
+            </a:r>
+          </a:p>
+        </p:txBody>
+      </p:sp>
+    </p:spTree>
+    <p:extLst>
+      <p:ext uri="{BB962C8B-B14F-4D97-AF65-F5344CB8AC3E}">
+        <p14:creationId xmlns:p14="http://schemas.microsoft.com/office/powerpoint/2010/main" val="1099388368"/>
+      </p:ext>
+    </p:extLst>
+  </p:cSld>
+  <p:clrMapOvr>
+    <a:masterClrMapping/>
+  </p:clrMapOvr>
+</p:sld>
+</file>
+
+<file path=ppt/slides/slide12.xml><?xml version="1.0" encoding="utf-8"?>
+<p:sld xmlns:a="http://schemas.openxmlformats.org/drawingml/2006/main" xmlns:r="http://schemas.openxmlformats.org/officeDocument/2006/relationships" xmlns:p="http://schemas.openxmlformats.org/presentationml/2006/main">
+  <p:cSld>
+    <p:spTree>
+      <p:nvGrpSpPr>
+        <p:cNvPr id="1" name=""/>
+        <p:cNvGrpSpPr/>
+        <p:nvPr/>
+      </p:nvGrpSpPr>
+      <p:grpSpPr>
+        <a:xfrm>
+          <a:off x="0" y="0"/>
+          <a:ext cx="0" cy="0"/>
+          <a:chOff x="0" y="0"/>
+          <a:chExt cx="0" cy="0"/>
+        </a:xfrm>
+      </p:grpSpPr>
+      <p:sp>
+        <p:nvSpPr>
+          <p:cNvPr id="2" name="Cím 1"/>
+          <p:cNvSpPr>
+            <a:spLocks noGrp="1"/>
+          </p:cNvSpPr>
+          <p:nvPr>
+            <p:ph type="title"/>
+          </p:nvPr>
+        </p:nvSpPr>
+        <p:spPr/>
+        <p:txBody>
+          <a:bodyPr/>
+          <a:lstStyle/>
+          <a:p>
+            <a:r>
+              <a:rPr lang="en-US" dirty="0" err="1"/>
+              <a:t>Textúra</a:t>
+            </a:r>
+            <a:r>
+              <a:rPr lang="en-US" dirty="0"/>
+              <a:t> </a:t>
+            </a:r>
+            <a:r>
+              <a:rPr lang="en-US" dirty="0" err="1"/>
+              <a:t>feltöltés</a:t>
+            </a:r>
+            <a:r>
+              <a:rPr lang="en-US" dirty="0"/>
+              <a:t> (GPU-ra)</a:t>
+            </a:r>
+          </a:p>
+        </p:txBody>
+      </p:sp>
+      <p:sp>
+        <p:nvSpPr>
+          <p:cNvPr id="4" name="Tartalom helye 2">
+            <a:extLst>
+              <a:ext uri="{FF2B5EF4-FFF2-40B4-BE49-F238E27FC236}">
+                <a16:creationId xmlns:a16="http://schemas.microsoft.com/office/drawing/2014/main" id="{6656AE22-C593-43CD-BEF3-6FFD0E284A64}"/>
+              </a:ext>
+            </a:extLst>
+          </p:cNvPr>
+          <p:cNvSpPr>
+            <a:spLocks noGrp="1"/>
+          </p:cNvSpPr>
+          <p:nvPr>
+            <p:ph idx="1"/>
+          </p:nvPr>
+        </p:nvSpPr>
+        <p:spPr>
+          <a:xfrm>
+            <a:off x="457200" y="1600200"/>
+            <a:ext cx="8229600" cy="5105400"/>
+          </a:xfrm>
+        </p:spPr>
+        <p:txBody>
+          <a:bodyPr>
+            <a:normAutofit/>
+          </a:bodyPr>
+          <a:lstStyle/>
+          <a:p>
+            <a:r>
+              <a:rPr lang="en-US" dirty="0"/>
+              <a:t>A </a:t>
+            </a:r>
+            <a:r>
+              <a:rPr lang="en-US" dirty="0" err="1"/>
+              <a:t>következőkben</a:t>
+            </a:r>
+            <a:r>
+              <a:rPr lang="en-US" dirty="0"/>
+              <a:t> a ggl004-Textures </a:t>
+            </a:r>
+            <a:r>
+              <a:rPr lang="en-US" dirty="0" err="1"/>
+              <a:t>projekten</a:t>
+            </a:r>
+            <a:r>
+              <a:rPr lang="en-US" dirty="0"/>
+              <a:t> </a:t>
+            </a:r>
+            <a:r>
+              <a:rPr lang="en-US" dirty="0" err="1"/>
+              <a:t>belül</a:t>
+            </a:r>
+            <a:r>
+              <a:rPr lang="en-US" dirty="0"/>
+              <a:t> a ggl004App.h </a:t>
+            </a:r>
+            <a:r>
+              <a:rPr lang="en-US" dirty="0" err="1"/>
+              <a:t>fájlba</a:t>
+            </a:r>
+            <a:r>
+              <a:rPr lang="en-US" dirty="0"/>
+              <a:t> </a:t>
+            </a:r>
+            <a:r>
+              <a:rPr lang="en-US" dirty="0" err="1"/>
+              <a:t>fogunk</a:t>
+            </a:r>
+            <a:r>
+              <a:rPr lang="en-US" dirty="0"/>
+              <a:t> </a:t>
+            </a:r>
+            <a:r>
+              <a:rPr lang="en-US" dirty="0" err="1"/>
+              <a:t>dolgozni</a:t>
+            </a:r>
+            <a:endParaRPr lang="en-US" dirty="0"/>
+          </a:p>
+        </p:txBody>
+      </p:sp>
+    </p:spTree>
+    <p:extLst>
+      <p:ext uri="{BB962C8B-B14F-4D97-AF65-F5344CB8AC3E}">
+        <p14:creationId xmlns:p14="http://schemas.microsoft.com/office/powerpoint/2010/main" val="2801246333"/>
+      </p:ext>
+    </p:extLst>
+  </p:cSld>
+  <p:clrMapOvr>
+    <a:masterClrMapping/>
+  </p:clrMapOvr>
+</p:sld>
+</file>
+
+<file path=ppt/slides/slide13.xml><?xml version="1.0" encoding="utf-8"?>
+<p:sld xmlns:a="http://schemas.openxmlformats.org/drawingml/2006/main" xmlns:r="http://schemas.openxmlformats.org/officeDocument/2006/relationships" xmlns:p="http://schemas.openxmlformats.org/presentationml/2006/main">
+  <p:cSld>
+    <p:spTree>
+      <p:nvGrpSpPr>
+        <p:cNvPr id="1" name=""/>
+        <p:cNvGrpSpPr/>
+        <p:nvPr/>
+      </p:nvGrpSpPr>
+      <p:grpSpPr>
+        <a:xfrm>
+          <a:off x="0" y="0"/>
+          <a:ext cx="0" cy="0"/>
+          <a:chOff x="0" y="0"/>
+          <a:chExt cx="0" cy="0"/>
+        </a:xfrm>
+      </p:grpSpPr>
+      <p:sp>
+        <p:nvSpPr>
+          <p:cNvPr id="3" name="Szöveg helye 2"/>
+          <p:cNvSpPr>
+            <a:spLocks noGrp="1"/>
+          </p:cNvSpPr>
+          <p:nvPr>
+            <p:ph type="body" sz="quarter" idx="13"/>
+          </p:nvPr>
+        </p:nvSpPr>
+        <p:spPr/>
+        <p:txBody>
+          <a:bodyPr>
+            <a:normAutofit/>
+          </a:bodyPr>
+          <a:lstStyle/>
+          <a:p>
+            <a:r>
+              <a:rPr lang="en-US" sz="2400" dirty="0" err="1"/>
+              <a:t>com_ptr</a:t>
+            </a:r>
+            <a:r>
+              <a:rPr lang="en-US" sz="2400" dirty="0"/>
+              <a:t>&lt;ID3D12DescriptorHeap&gt; </a:t>
+            </a:r>
+            <a:r>
+              <a:rPr lang="en-US" sz="2400" dirty="0" err="1"/>
+              <a:t>srvHeap</a:t>
+            </a:r>
+            <a:r>
+              <a:rPr lang="en-US" sz="2400" dirty="0"/>
+              <a:t>;</a:t>
+            </a:r>
+          </a:p>
+          <a:p>
+            <a:r>
+              <a:rPr lang="en-US" sz="2400" dirty="0"/>
+              <a:t>Egg::Texture2D </a:t>
+            </a:r>
+            <a:r>
+              <a:rPr lang="en-US" sz="2400" dirty="0" err="1"/>
+              <a:t>tex</a:t>
+            </a:r>
+            <a:r>
+              <a:rPr lang="en-US" sz="2400" dirty="0"/>
+              <a:t>;</a:t>
+            </a:r>
+          </a:p>
+        </p:txBody>
+      </p:sp>
+      <p:sp>
+        <p:nvSpPr>
+          <p:cNvPr id="6" name="Title 5">
+            <a:extLst>
+              <a:ext uri="{FF2B5EF4-FFF2-40B4-BE49-F238E27FC236}">
+                <a16:creationId xmlns:a16="http://schemas.microsoft.com/office/drawing/2014/main" id="{13397F04-F22D-49B7-9111-3E764FC17708}"/>
+              </a:ext>
+            </a:extLst>
+          </p:cNvPr>
+          <p:cNvSpPr>
+            <a:spLocks noGrp="1"/>
+          </p:cNvSpPr>
+          <p:nvPr>
+            <p:ph type="title"/>
+          </p:nvPr>
+        </p:nvSpPr>
+        <p:spPr>
+          <a:xfrm>
+            <a:off x="152400" y="76200"/>
+            <a:ext cx="8839200" cy="685800"/>
+          </a:xfrm>
+        </p:spPr>
+        <p:txBody>
+          <a:bodyPr/>
+          <a:lstStyle/>
+          <a:p>
+            <a:r>
+              <a:rPr lang="en-US" sz="4000" dirty="0"/>
+              <a:t>ggl004App - </a:t>
+            </a:r>
+            <a:r>
+              <a:rPr lang="en-US" sz="4000" dirty="0" err="1"/>
+              <a:t>adattagok</a:t>
+            </a:r>
+            <a:endParaRPr lang="hu-HU" sz="4000" dirty="0"/>
+          </a:p>
+        </p:txBody>
+      </p:sp>
+    </p:spTree>
+    <p:extLst>
+      <p:ext uri="{BB962C8B-B14F-4D97-AF65-F5344CB8AC3E}">
+        <p14:creationId xmlns:p14="http://schemas.microsoft.com/office/powerpoint/2010/main" val="1072686486"/>
+      </p:ext>
+    </p:extLst>
+  </p:cSld>
+  <p:clrMapOvr>
+    <a:masterClrMapping/>
+  </p:clrMapOvr>
+</p:sld>
+</file>
+
+<file path=ppt/slides/slide14.xml><?xml version="1.0" encoding="utf-8"?>
+<p:sld xmlns:a="http://schemas.openxmlformats.org/drawingml/2006/main" xmlns:r="http://schemas.openxmlformats.org/officeDocument/2006/relationships" xmlns:p="http://schemas.openxmlformats.org/presentationml/2006/main">
+  <p:cSld>
+    <p:spTree>
+      <p:nvGrpSpPr>
+        <p:cNvPr id="1" name=""/>
+        <p:cNvGrpSpPr/>
+        <p:nvPr/>
+      </p:nvGrpSpPr>
+      <p:grpSpPr>
+        <a:xfrm>
+          <a:off x="0" y="0"/>
+          <a:ext cx="0" cy="0"/>
+          <a:chOff x="0" y="0"/>
+          <a:chExt cx="0" cy="0"/>
+        </a:xfrm>
+      </p:grpSpPr>
+      <p:sp>
+        <p:nvSpPr>
+          <p:cNvPr id="3" name="Szöveg helye 2"/>
+          <p:cNvSpPr>
+            <a:spLocks noGrp="1"/>
+          </p:cNvSpPr>
+          <p:nvPr>
+            <p:ph type="body" sz="quarter" idx="13"/>
+          </p:nvPr>
+        </p:nvSpPr>
+        <p:spPr/>
+        <p:txBody>
+          <a:bodyPr>
+            <a:normAutofit/>
+          </a:bodyPr>
+          <a:lstStyle/>
+          <a:p>
+            <a:endParaRPr lang="en-US" sz="2000" dirty="0"/>
+          </a:p>
+          <a:p>
+            <a:r>
+              <a:rPr lang="en-US" sz="2000" dirty="0"/>
+              <a:t>virtual void </a:t>
+            </a:r>
+            <a:r>
+              <a:rPr lang="en-US" sz="2000" dirty="0" err="1"/>
+              <a:t>CreateResources</a:t>
+            </a:r>
+            <a:r>
+              <a:rPr lang="en-US" sz="2000" dirty="0"/>
+              <a:t>() override {</a:t>
+            </a:r>
+          </a:p>
+          <a:p>
+            <a:r>
+              <a:rPr lang="en-US" sz="2000" dirty="0"/>
+              <a:t>	Egg::</a:t>
+            </a:r>
+            <a:r>
+              <a:rPr lang="en-US" sz="2000" dirty="0" err="1"/>
+              <a:t>SimpleApp</a:t>
+            </a:r>
+            <a:r>
+              <a:rPr lang="en-US" sz="2000" dirty="0"/>
+              <a:t>::</a:t>
+            </a:r>
+            <a:r>
+              <a:rPr lang="en-US" sz="2000" dirty="0" err="1"/>
+              <a:t>CreateResources</a:t>
+            </a:r>
+            <a:r>
+              <a:rPr lang="en-US" sz="2000" dirty="0"/>
+              <a:t>();</a:t>
+            </a:r>
+          </a:p>
+          <a:p>
+            <a:endParaRPr lang="en-US" sz="2000" dirty="0"/>
+          </a:p>
+          <a:p>
+            <a:r>
+              <a:rPr lang="en-US" sz="2000" dirty="0"/>
+              <a:t>	D3D12_DESCRIPTOR_HEAP_DESC </a:t>
+            </a:r>
+            <a:r>
+              <a:rPr lang="en-US" sz="2000" dirty="0" err="1"/>
+              <a:t>dhd</a:t>
+            </a:r>
+            <a:r>
+              <a:rPr lang="en-US" sz="2000" dirty="0"/>
+              <a:t>;</a:t>
+            </a:r>
+          </a:p>
+          <a:p>
+            <a:r>
+              <a:rPr lang="en-US" sz="2000" dirty="0"/>
+              <a:t>	</a:t>
+            </a:r>
+            <a:r>
+              <a:rPr lang="en-US" sz="2000" dirty="0" err="1"/>
+              <a:t>dhd.Flags</a:t>
+            </a:r>
+            <a:r>
+              <a:rPr lang="en-US" sz="2000" dirty="0"/>
+              <a:t> = D3D12_DESCRIPTOR_HEAP_FLAG_SHADER_VISIBLE;</a:t>
+            </a:r>
+          </a:p>
+          <a:p>
+            <a:r>
+              <a:rPr lang="en-US" sz="2000" dirty="0"/>
+              <a:t>	</a:t>
+            </a:r>
+            <a:r>
+              <a:rPr lang="en-US" sz="2000" dirty="0" err="1"/>
+              <a:t>dhd.NodeMask</a:t>
+            </a:r>
+            <a:r>
+              <a:rPr lang="en-US" sz="2000" dirty="0"/>
+              <a:t> = 0;</a:t>
+            </a:r>
+          </a:p>
+          <a:p>
+            <a:r>
+              <a:rPr lang="en-US" sz="2000" dirty="0"/>
+              <a:t>	</a:t>
+            </a:r>
+            <a:r>
+              <a:rPr lang="en-US" sz="2000" dirty="0" err="1"/>
+              <a:t>dhd.NumDescriptors</a:t>
+            </a:r>
+            <a:r>
+              <a:rPr lang="en-US" sz="2000" dirty="0"/>
+              <a:t> = 1;</a:t>
+            </a:r>
+          </a:p>
+          <a:p>
+            <a:r>
+              <a:rPr lang="en-US" sz="2000" dirty="0"/>
+              <a:t>	</a:t>
+            </a:r>
+            <a:r>
+              <a:rPr lang="en-US" sz="2000" dirty="0" err="1"/>
+              <a:t>dhd.Type</a:t>
+            </a:r>
+            <a:r>
+              <a:rPr lang="en-US" sz="2000" dirty="0"/>
+              <a:t> = D3D12_DESCRIPTOR_HEAP_TYPE_CBV_SRV_UAV;</a:t>
+            </a:r>
+          </a:p>
+          <a:p>
+            <a:endParaRPr lang="en-US" sz="2000" dirty="0"/>
+          </a:p>
+          <a:p>
+            <a:r>
+              <a:rPr lang="en-US" sz="2000" dirty="0"/>
+              <a:t>	DX_API("Failed to create descriptor heap for texture")</a:t>
+            </a:r>
+          </a:p>
+          <a:p>
+            <a:r>
+              <a:rPr lang="en-US" sz="2000" dirty="0"/>
+              <a:t>		device-&gt;</a:t>
+            </a:r>
+            <a:r>
+              <a:rPr lang="en-US" sz="2000" dirty="0" err="1"/>
+              <a:t>CreateDescriptorHeap</a:t>
+            </a:r>
+            <a:r>
+              <a:rPr lang="en-US" sz="2000" dirty="0"/>
+              <a:t>(&amp;</a:t>
+            </a:r>
+            <a:r>
+              <a:rPr lang="en-US" sz="2000" dirty="0" err="1"/>
+              <a:t>dhd</a:t>
+            </a:r>
+            <a:r>
+              <a:rPr lang="en-US" sz="2000" dirty="0"/>
+              <a:t>, </a:t>
+            </a:r>
+            <a:br>
+              <a:rPr lang="en-US" sz="2000" dirty="0"/>
+            </a:br>
+            <a:r>
+              <a:rPr lang="en-US" sz="2000" dirty="0"/>
+              <a:t>		IID_PPV_ARGS(</a:t>
+            </a:r>
+            <a:r>
+              <a:rPr lang="en-US" sz="2000" dirty="0" err="1"/>
+              <a:t>srvHeap.GetAddressOf</a:t>
+            </a:r>
+            <a:r>
+              <a:rPr lang="en-US" sz="2000" dirty="0"/>
+              <a:t>()));</a:t>
+            </a:r>
+          </a:p>
+          <a:p>
+            <a:r>
+              <a:rPr lang="en-US" sz="2000" dirty="0"/>
+              <a:t>}</a:t>
+            </a:r>
+          </a:p>
+        </p:txBody>
+      </p:sp>
+      <p:sp>
+        <p:nvSpPr>
+          <p:cNvPr id="6" name="Title 5">
+            <a:extLst>
+              <a:ext uri="{FF2B5EF4-FFF2-40B4-BE49-F238E27FC236}">
+                <a16:creationId xmlns:a16="http://schemas.microsoft.com/office/drawing/2014/main" id="{13397F04-F22D-49B7-9111-3E764FC17708}"/>
+              </a:ext>
+            </a:extLst>
+          </p:cNvPr>
+          <p:cNvSpPr>
+            <a:spLocks noGrp="1"/>
+          </p:cNvSpPr>
+          <p:nvPr>
+            <p:ph type="title"/>
+          </p:nvPr>
+        </p:nvSpPr>
+        <p:spPr>
+          <a:xfrm>
+            <a:off x="152400" y="76200"/>
+            <a:ext cx="8839200" cy="685800"/>
+          </a:xfrm>
+        </p:spPr>
+        <p:txBody>
+          <a:bodyPr/>
+          <a:lstStyle/>
+          <a:p>
+            <a:r>
+              <a:rPr lang="en-US" sz="4000" dirty="0" err="1"/>
+              <a:t>CreateResources</a:t>
+            </a:r>
+            <a:r>
+              <a:rPr lang="en-US" sz="4000" dirty="0"/>
+              <a:t>()</a:t>
+            </a:r>
+            <a:endParaRPr lang="hu-HU" sz="4000" dirty="0"/>
+          </a:p>
+        </p:txBody>
+      </p:sp>
+    </p:spTree>
+    <p:extLst>
+      <p:ext uri="{BB962C8B-B14F-4D97-AF65-F5344CB8AC3E}">
+        <p14:creationId xmlns:p14="http://schemas.microsoft.com/office/powerpoint/2010/main" val="835255311"/>
+      </p:ext>
+    </p:extLst>
+  </p:cSld>
+  <p:clrMapOvr>
+    <a:masterClrMapping/>
+  </p:clrMapOvr>
+</p:sld>
+</file>
+
+<file path=ppt/slides/slide15.xml><?xml version="1.0" encoding="utf-8"?>
+<p:sld xmlns:a="http://schemas.openxmlformats.org/drawingml/2006/main" xmlns:r="http://schemas.openxmlformats.org/officeDocument/2006/relationships" xmlns:p="http://schemas.openxmlformats.org/presentationml/2006/main">
+  <p:cSld>
+    <p:spTree>
+      <p:nvGrpSpPr>
+        <p:cNvPr id="1" name=""/>
+        <p:cNvGrpSpPr/>
+        <p:nvPr/>
+      </p:nvGrpSpPr>
+      <p:grpSpPr>
+        <a:xfrm>
+          <a:off x="0" y="0"/>
+          <a:ext cx="0" cy="0"/>
+          <a:chOff x="0" y="0"/>
+          <a:chExt cx="0" cy="0"/>
+        </a:xfrm>
+      </p:grpSpPr>
+      <p:sp>
+        <p:nvSpPr>
+          <p:cNvPr id="3" name="Szöveg helye 2"/>
+          <p:cNvSpPr>
+            <a:spLocks noGrp="1"/>
+          </p:cNvSpPr>
+          <p:nvPr>
+            <p:ph type="body" sz="quarter" idx="13"/>
+          </p:nvPr>
+        </p:nvSpPr>
+        <p:spPr/>
+        <p:txBody>
+          <a:bodyPr>
+            <a:normAutofit/>
+          </a:bodyPr>
+          <a:lstStyle/>
+          <a:p>
+            <a:endParaRPr lang="en-US" sz="2000" dirty="0"/>
+          </a:p>
+          <a:p>
+            <a:r>
+              <a:rPr lang="en-US" sz="2000" dirty="0" err="1"/>
+              <a:t>tex</a:t>
+            </a:r>
+            <a:r>
+              <a:rPr lang="en-US" sz="2000" dirty="0"/>
+              <a:t> = Egg::Importer::ImportTexture2D(</a:t>
+            </a:r>
+            <a:r>
+              <a:rPr lang="en-US" sz="2000" dirty="0" err="1"/>
+              <a:t>device.Get</a:t>
+            </a:r>
+            <a:r>
+              <a:rPr lang="en-US" sz="2000" dirty="0"/>
+              <a:t>(), "giraffe.jpg");</a:t>
+            </a:r>
+          </a:p>
+          <a:p>
+            <a:r>
+              <a:rPr lang="en-US" sz="2000" dirty="0" err="1"/>
+              <a:t>tex.CreateSRV</a:t>
+            </a:r>
+            <a:r>
+              <a:rPr lang="en-US" sz="2000" dirty="0"/>
+              <a:t>(</a:t>
+            </a:r>
+            <a:r>
+              <a:rPr lang="en-US" sz="2000" dirty="0" err="1"/>
+              <a:t>device.Get</a:t>
+            </a:r>
+            <a:r>
+              <a:rPr lang="en-US" sz="2000" dirty="0"/>
+              <a:t>(), </a:t>
+            </a:r>
+            <a:r>
+              <a:rPr lang="en-US" sz="2000" dirty="0" err="1"/>
+              <a:t>srvHeap.Get</a:t>
+            </a:r>
+            <a:r>
+              <a:rPr lang="en-US" sz="2000" dirty="0"/>
+              <a:t>(), 0);</a:t>
+            </a:r>
+          </a:p>
+          <a:p>
+            <a:r>
+              <a:rPr lang="en-US" sz="2000" dirty="0" err="1"/>
+              <a:t>UploadResources</a:t>
+            </a:r>
+            <a:r>
+              <a:rPr lang="en-US" sz="2000" dirty="0"/>
+              <a:t>();</a:t>
+            </a:r>
+          </a:p>
+        </p:txBody>
+      </p:sp>
+      <p:sp>
+        <p:nvSpPr>
+          <p:cNvPr id="6" name="Title 5">
+            <a:extLst>
+              <a:ext uri="{FF2B5EF4-FFF2-40B4-BE49-F238E27FC236}">
+                <a16:creationId xmlns:a16="http://schemas.microsoft.com/office/drawing/2014/main" id="{13397F04-F22D-49B7-9111-3E764FC17708}"/>
+              </a:ext>
+            </a:extLst>
+          </p:cNvPr>
+          <p:cNvSpPr>
+            <a:spLocks noGrp="1"/>
+          </p:cNvSpPr>
+          <p:nvPr>
+            <p:ph type="title"/>
+          </p:nvPr>
+        </p:nvSpPr>
+        <p:spPr>
+          <a:xfrm>
+            <a:off x="152400" y="76200"/>
+            <a:ext cx="8839200" cy="685800"/>
+          </a:xfrm>
+        </p:spPr>
+        <p:txBody>
+          <a:bodyPr/>
+          <a:lstStyle/>
+          <a:p>
+            <a:r>
+              <a:rPr lang="en-US" sz="4000" dirty="0" err="1"/>
+              <a:t>LoadAssets</a:t>
+            </a:r>
+            <a:r>
+              <a:rPr lang="en-US" sz="4000" dirty="0"/>
+              <a:t>()</a:t>
+            </a:r>
+            <a:endParaRPr lang="hu-HU" sz="4000" dirty="0"/>
+          </a:p>
+        </p:txBody>
+      </p:sp>
+    </p:spTree>
+    <p:extLst>
+      <p:ext uri="{BB962C8B-B14F-4D97-AF65-F5344CB8AC3E}">
+        <p14:creationId xmlns:p14="http://schemas.microsoft.com/office/powerpoint/2010/main" val="1048758361"/>
+      </p:ext>
+    </p:extLst>
+  </p:cSld>
+  <p:clrMapOvr>
+    <a:masterClrMapping/>
+  </p:clrMapOvr>
+</p:sld>
+</file>
+
+<file path=ppt/slides/slide16.xml><?xml version="1.0" encoding="utf-8"?>
+<p:sld xmlns:a="http://schemas.openxmlformats.org/drawingml/2006/main" xmlns:r="http://schemas.openxmlformats.org/officeDocument/2006/relationships" xmlns:p="http://schemas.openxmlformats.org/presentationml/2006/main">
+  <p:cSld>
+    <p:spTree>
+      <p:nvGrpSpPr>
+        <p:cNvPr id="1" name=""/>
+        <p:cNvGrpSpPr/>
+        <p:nvPr/>
+      </p:nvGrpSpPr>
+      <p:grpSpPr>
+        <a:xfrm>
+          <a:off x="0" y="0"/>
+          <a:ext cx="0" cy="0"/>
+          <a:chOff x="0" y="0"/>
+          <a:chExt cx="0" cy="0"/>
+        </a:xfrm>
+      </p:grpSpPr>
+      <p:sp>
+        <p:nvSpPr>
+          <p:cNvPr id="3" name="Szöveg helye 2"/>
+          <p:cNvSpPr>
+            <a:spLocks noGrp="1"/>
+          </p:cNvSpPr>
+          <p:nvPr>
+            <p:ph type="body" sz="quarter" idx="13"/>
+          </p:nvPr>
+        </p:nvSpPr>
+        <p:spPr/>
+        <p:txBody>
+          <a:bodyPr>
+            <a:normAutofit fontScale="55000" lnSpcReduction="20000"/>
+          </a:bodyPr>
+          <a:lstStyle/>
+          <a:p>
+            <a:r>
+              <a:rPr lang="en-US" dirty="0"/>
+              <a:t>void </a:t>
+            </a:r>
+            <a:r>
+              <a:rPr lang="en-US" dirty="0" err="1"/>
+              <a:t>UploadResources</a:t>
+            </a:r>
+            <a:r>
+              <a:rPr lang="en-US" dirty="0"/>
+              <a:t>() {</a:t>
+            </a:r>
+          </a:p>
+          <a:p>
+            <a:r>
+              <a:rPr lang="en-US" dirty="0"/>
+              <a:t>	DX_API("Failed to reset command allocator")</a:t>
+            </a:r>
+          </a:p>
+          <a:p>
+            <a:r>
+              <a:rPr lang="en-US" dirty="0"/>
+              <a:t>		</a:t>
+            </a:r>
+            <a:r>
+              <a:rPr lang="en-US" dirty="0" err="1"/>
+              <a:t>commandAllocator</a:t>
+            </a:r>
+            <a:r>
+              <a:rPr lang="en-US" dirty="0"/>
+              <a:t>-&gt;Reset();</a:t>
+            </a:r>
+          </a:p>
+          <a:p>
+            <a:r>
+              <a:rPr lang="en-US" dirty="0"/>
+              <a:t>	DX_API("Failed to reset command list (</a:t>
+            </a:r>
+            <a:r>
+              <a:rPr lang="en-US" dirty="0" err="1"/>
+              <a:t>UploadResources</a:t>
+            </a:r>
+            <a:r>
+              <a:rPr lang="en-US" dirty="0"/>
+              <a:t>)")</a:t>
+            </a:r>
+          </a:p>
+          <a:p>
+            <a:r>
+              <a:rPr lang="fr-FR" dirty="0"/>
+              <a:t>		</a:t>
+            </a:r>
+            <a:r>
+              <a:rPr lang="fr-FR" dirty="0" err="1"/>
+              <a:t>commandList</a:t>
+            </a:r>
+            <a:r>
+              <a:rPr lang="fr-FR" dirty="0"/>
+              <a:t>-&gt;Reset(</a:t>
+            </a:r>
+            <a:r>
+              <a:rPr lang="fr-FR" dirty="0" err="1"/>
+              <a:t>commandAllocator.Get</a:t>
+            </a:r>
+            <a:r>
+              <a:rPr lang="fr-FR" dirty="0"/>
+              <a:t>(), </a:t>
+            </a:r>
+            <a:r>
+              <a:rPr lang="fr-FR" dirty="0" err="1"/>
+              <a:t>nullptr</a:t>
+            </a:r>
+            <a:r>
+              <a:rPr lang="fr-FR" dirty="0"/>
+              <a:t>);</a:t>
+            </a:r>
+          </a:p>
+          <a:p>
+            <a:endParaRPr lang="en-US" dirty="0"/>
+          </a:p>
+          <a:p>
+            <a:r>
+              <a:rPr lang="en-US" dirty="0"/>
+              <a:t>	</a:t>
+            </a:r>
+            <a:r>
+              <a:rPr lang="en-US" dirty="0" err="1"/>
+              <a:t>tex.UploadResource</a:t>
+            </a:r>
+            <a:r>
+              <a:rPr lang="en-US" dirty="0"/>
+              <a:t>(</a:t>
+            </a:r>
+            <a:r>
+              <a:rPr lang="en-US" dirty="0" err="1"/>
+              <a:t>commandList.Get</a:t>
+            </a:r>
+            <a:r>
+              <a:rPr lang="en-US" dirty="0"/>
+              <a:t>());</a:t>
+            </a:r>
+          </a:p>
+          <a:p>
+            <a:endParaRPr lang="en-US" dirty="0"/>
+          </a:p>
+          <a:p>
+            <a:r>
+              <a:rPr lang="en-US" dirty="0"/>
+              <a:t>	DX_API("Failed to close command list (</a:t>
+            </a:r>
+            <a:r>
+              <a:rPr lang="en-US" dirty="0" err="1"/>
+              <a:t>UploadResources</a:t>
+            </a:r>
+            <a:r>
+              <a:rPr lang="en-US" dirty="0"/>
+              <a:t>)")</a:t>
+            </a:r>
+          </a:p>
+          <a:p>
+            <a:r>
+              <a:rPr lang="en-US" dirty="0"/>
+              <a:t>		</a:t>
+            </a:r>
+            <a:r>
+              <a:rPr lang="en-US" dirty="0" err="1"/>
+              <a:t>commandList</a:t>
+            </a:r>
+            <a:r>
+              <a:rPr lang="en-US" dirty="0"/>
+              <a:t>-&gt;Close();</a:t>
+            </a:r>
+          </a:p>
+          <a:p>
+            <a:endParaRPr lang="en-US" dirty="0"/>
+          </a:p>
+          <a:p>
+            <a:r>
+              <a:rPr lang="en-US" dirty="0"/>
+              <a:t>ID3D12CommandList * </a:t>
+            </a:r>
+            <a:r>
+              <a:rPr lang="en-US" dirty="0" err="1"/>
+              <a:t>commandLists</a:t>
+            </a:r>
+            <a:r>
+              <a:rPr lang="en-US" dirty="0"/>
+              <a:t>[] = { </a:t>
+            </a:r>
+            <a:r>
+              <a:rPr lang="en-US" dirty="0" err="1"/>
+              <a:t>commandList.Get</a:t>
+            </a:r>
+            <a:r>
+              <a:rPr lang="en-US" dirty="0"/>
+              <a:t>() };</a:t>
+            </a:r>
+          </a:p>
+          <a:p>
+            <a:r>
+              <a:rPr lang="en-US" dirty="0"/>
+              <a:t>	</a:t>
+            </a:r>
+            <a:r>
+              <a:rPr lang="en-US" dirty="0" err="1"/>
+              <a:t>commandQueue</a:t>
+            </a:r>
+            <a:r>
+              <a:rPr lang="en-US" dirty="0"/>
+              <a:t>-&gt;</a:t>
+            </a:r>
+            <a:r>
+              <a:rPr lang="en-US" dirty="0" err="1"/>
+              <a:t>ExecuteCommandLists</a:t>
+            </a:r>
+            <a:r>
+              <a:rPr lang="en-US" dirty="0"/>
+              <a:t>(_</a:t>
+            </a:r>
+            <a:r>
+              <a:rPr lang="en-US" dirty="0" err="1"/>
+              <a:t>countof</a:t>
+            </a:r>
+            <a:r>
+              <a:rPr lang="en-US" dirty="0"/>
+              <a:t>(</a:t>
+            </a:r>
+            <a:r>
+              <a:rPr lang="en-US" dirty="0" err="1"/>
+              <a:t>commandLists</a:t>
+            </a:r>
+            <a:r>
+              <a:rPr lang="en-US" dirty="0"/>
+              <a:t>), 	</a:t>
+            </a:r>
+            <a:r>
+              <a:rPr lang="en-US" dirty="0" err="1"/>
+              <a:t>commandLists</a:t>
+            </a:r>
+            <a:r>
+              <a:rPr lang="en-US" dirty="0"/>
+              <a:t>);</a:t>
+            </a:r>
+          </a:p>
+          <a:p>
+            <a:endParaRPr lang="en-US" dirty="0"/>
+          </a:p>
+          <a:p>
+            <a:r>
+              <a:rPr lang="en-US" dirty="0"/>
+              <a:t>	</a:t>
+            </a:r>
+            <a:r>
+              <a:rPr lang="en-US" dirty="0" err="1"/>
+              <a:t>WaitForPreviousFrame</a:t>
+            </a:r>
+            <a:r>
+              <a:rPr lang="en-US" dirty="0"/>
+              <a:t>();</a:t>
+            </a:r>
+          </a:p>
+          <a:p>
+            <a:endParaRPr lang="en-US" dirty="0"/>
+          </a:p>
+          <a:p>
+            <a:r>
+              <a:rPr lang="en-US" dirty="0"/>
+              <a:t>	</a:t>
+            </a:r>
+            <a:r>
+              <a:rPr lang="en-US" dirty="0" err="1"/>
+              <a:t>tex.ReleaseUploadResources</a:t>
+            </a:r>
+            <a:r>
+              <a:rPr lang="en-US" dirty="0"/>
+              <a:t>();</a:t>
+            </a:r>
+          </a:p>
+          <a:p>
+            <a:r>
+              <a:rPr lang="en-US" dirty="0"/>
+              <a:t>}</a:t>
+            </a:r>
+            <a:endParaRPr lang="en-US" sz="2000" dirty="0"/>
+          </a:p>
+        </p:txBody>
+      </p:sp>
+      <p:sp>
+        <p:nvSpPr>
+          <p:cNvPr id="6" name="Title 5">
+            <a:extLst>
+              <a:ext uri="{FF2B5EF4-FFF2-40B4-BE49-F238E27FC236}">
+                <a16:creationId xmlns:a16="http://schemas.microsoft.com/office/drawing/2014/main" id="{13397F04-F22D-49B7-9111-3E764FC17708}"/>
+              </a:ext>
+            </a:extLst>
+          </p:cNvPr>
+          <p:cNvSpPr>
+            <a:spLocks noGrp="1"/>
+          </p:cNvSpPr>
+          <p:nvPr>
+            <p:ph type="title"/>
+          </p:nvPr>
+        </p:nvSpPr>
+        <p:spPr>
+          <a:xfrm>
+            <a:off x="152400" y="76200"/>
+            <a:ext cx="8839200" cy="685800"/>
+          </a:xfrm>
+        </p:spPr>
+        <p:txBody>
+          <a:bodyPr/>
+          <a:lstStyle/>
+          <a:p>
+            <a:r>
+              <a:rPr lang="en-US" sz="4000" dirty="0" err="1"/>
+              <a:t>UploadResources</a:t>
+            </a:r>
+            <a:r>
+              <a:rPr lang="en-US" sz="4000" dirty="0"/>
+              <a:t>()</a:t>
+            </a:r>
+            <a:endParaRPr lang="hu-HU" sz="4000" dirty="0"/>
+          </a:p>
+        </p:txBody>
+      </p:sp>
+    </p:spTree>
+    <p:extLst>
+      <p:ext uri="{BB962C8B-B14F-4D97-AF65-F5344CB8AC3E}">
+        <p14:creationId xmlns:p14="http://schemas.microsoft.com/office/powerpoint/2010/main" val="1442909739"/>
+      </p:ext>
+    </p:extLst>
+  </p:cSld>
+  <p:clrMapOvr>
+    <a:masterClrMapping/>
+  </p:clrMapOvr>
+</p:sld>
+</file>
+
 <file path=ppt/slides/slide2.xml><?xml version="1.0" encoding="utf-8"?>
 <p:sld xmlns:a="http://schemas.openxmlformats.org/drawingml/2006/main" xmlns:r="http://schemas.openxmlformats.org/officeDocument/2006/relationships" xmlns:p="http://schemas.openxmlformats.org/presentationml/2006/main">
   <p:cSld>
@@ -4843,6 +11747,401 @@
     <p:extLst>
       <p:ext uri="{BB962C8B-B14F-4D97-AF65-F5344CB8AC3E}">
         <p14:creationId xmlns:p14="http://schemas.microsoft.com/office/powerpoint/2010/main" val="1065829245"/>
+      </p:ext>
+    </p:extLst>
+  </p:cSld>
+  <p:clrMapOvr>
+    <a:masterClrMapping/>
+  </p:clrMapOvr>
+</p:sld>
+</file>
+
+<file path=ppt/slides/slide8.xml><?xml version="1.0" encoding="utf-8"?>
+<p:sld xmlns:a="http://schemas.openxmlformats.org/drawingml/2006/main" xmlns:r="http://schemas.openxmlformats.org/officeDocument/2006/relationships" xmlns:p="http://schemas.openxmlformats.org/presentationml/2006/main">
+  <p:cSld>
+    <p:spTree>
+      <p:nvGrpSpPr>
+        <p:cNvPr id="1" name=""/>
+        <p:cNvGrpSpPr/>
+        <p:nvPr/>
+      </p:nvGrpSpPr>
+      <p:grpSpPr>
+        <a:xfrm>
+          <a:off x="0" y="0"/>
+          <a:ext cx="0" cy="0"/>
+          <a:chOff x="0" y="0"/>
+          <a:chExt cx="0" cy="0"/>
+        </a:xfrm>
+      </p:grpSpPr>
+      <p:sp>
+        <p:nvSpPr>
+          <p:cNvPr id="3" name="Szöveg helye 2"/>
+          <p:cNvSpPr>
+            <a:spLocks noGrp="1"/>
+          </p:cNvSpPr>
+          <p:nvPr>
+            <p:ph type="body" sz="quarter" idx="13"/>
+          </p:nvPr>
+        </p:nvSpPr>
+        <p:spPr/>
+        <p:txBody>
+          <a:bodyPr>
+            <a:normAutofit/>
+          </a:bodyPr>
+          <a:lstStyle/>
+          <a:p>
+            <a:r>
+              <a:rPr lang="en-US" sz="2000" dirty="0"/>
+              <a:t>DX_API("failed to create committed resource for texture file")</a:t>
+            </a:r>
+          </a:p>
+          <a:p>
+            <a:r>
+              <a:rPr lang="en-US" sz="2000" dirty="0"/>
+              <a:t>	device-&gt;</a:t>
+            </a:r>
+            <a:r>
+              <a:rPr lang="en-US" sz="2000" dirty="0" err="1"/>
+              <a:t>CreateCommittedResource</a:t>
+            </a:r>
+            <a:r>
+              <a:rPr lang="en-US" sz="2000" dirty="0"/>
+              <a:t>(</a:t>
+            </a:r>
+          </a:p>
+          <a:p>
+            <a:r>
+              <a:rPr lang="en-US" sz="2000" dirty="0"/>
+              <a:t>		&amp;CD3DX12_HEAP_PROPERTIES(D3D12_HEAP_TYPE_DEFAULT),</a:t>
+            </a:r>
+          </a:p>
+          <a:p>
+            <a:r>
+              <a:rPr lang="en-US" sz="2000" dirty="0"/>
+              <a:t>		D3D12_HEAP_FLAG_NONE,</a:t>
+            </a:r>
+          </a:p>
+          <a:p>
+            <a:r>
+              <a:rPr lang="en-US" sz="2000" dirty="0"/>
+              <a:t>		&amp;</a:t>
+            </a:r>
+            <a:r>
+              <a:rPr lang="en-US" sz="2000" dirty="0" err="1"/>
+              <a:t>rdsc</a:t>
+            </a:r>
+            <a:r>
+              <a:rPr lang="en-US" sz="2000" dirty="0"/>
+              <a:t>,</a:t>
+            </a:r>
+          </a:p>
+          <a:p>
+            <a:r>
+              <a:rPr lang="en-US" sz="2000" dirty="0"/>
+              <a:t>		D3D12_RESOURCE_STATE_COPY_DEST,</a:t>
+            </a:r>
+          </a:p>
+          <a:p>
+            <a:r>
+              <a:rPr lang="en-US" sz="2000" dirty="0"/>
+              <a:t>		</a:t>
+            </a:r>
+            <a:r>
+              <a:rPr lang="en-US" sz="2000" dirty="0" err="1"/>
+              <a:t>nullptr</a:t>
+            </a:r>
+            <a:r>
+              <a:rPr lang="en-US" sz="2000" dirty="0"/>
+              <a:t>,</a:t>
+            </a:r>
+          </a:p>
+          <a:p>
+            <a:r>
+              <a:rPr lang="en-US" sz="2000" dirty="0"/>
+              <a:t>		IID_PPV_ARGS(</a:t>
+            </a:r>
+            <a:r>
+              <a:rPr lang="en-US" sz="2000" dirty="0" err="1"/>
+              <a:t>resource.GetAddressOf</a:t>
+            </a:r>
+            <a:r>
+              <a:rPr lang="en-US" sz="2000" dirty="0"/>
+              <a:t>()));</a:t>
+            </a:r>
+          </a:p>
+        </p:txBody>
+      </p:sp>
+      <p:sp>
+        <p:nvSpPr>
+          <p:cNvPr id="6" name="Title 5">
+            <a:extLst>
+              <a:ext uri="{FF2B5EF4-FFF2-40B4-BE49-F238E27FC236}">
+                <a16:creationId xmlns:a16="http://schemas.microsoft.com/office/drawing/2014/main" id="{13397F04-F22D-49B7-9111-3E764FC17708}"/>
+              </a:ext>
+            </a:extLst>
+          </p:cNvPr>
+          <p:cNvSpPr>
+            <a:spLocks noGrp="1"/>
+          </p:cNvSpPr>
+          <p:nvPr>
+            <p:ph type="title"/>
+          </p:nvPr>
+        </p:nvSpPr>
+        <p:spPr>
+          <a:xfrm>
+            <a:off x="152400" y="76200"/>
+            <a:ext cx="8839200" cy="685800"/>
+          </a:xfrm>
+        </p:spPr>
+        <p:txBody>
+          <a:bodyPr/>
+          <a:lstStyle/>
+          <a:p>
+            <a:r>
+              <a:rPr lang="en-US" sz="4000" dirty="0"/>
+              <a:t>ImportTexture2D</a:t>
+            </a:r>
+            <a:endParaRPr lang="hu-HU" sz="4000" dirty="0"/>
+          </a:p>
+        </p:txBody>
+      </p:sp>
+    </p:spTree>
+    <p:extLst>
+      <p:ext uri="{BB962C8B-B14F-4D97-AF65-F5344CB8AC3E}">
+        <p14:creationId xmlns:p14="http://schemas.microsoft.com/office/powerpoint/2010/main" val="1507199768"/>
+      </p:ext>
+    </p:extLst>
+  </p:cSld>
+  <p:clrMapOvr>
+    <a:masterClrMapping/>
+  </p:clrMapOvr>
+</p:sld>
+</file>
+
+<file path=ppt/slides/slide9.xml><?xml version="1.0" encoding="utf-8"?>
+<p:sld xmlns:a="http://schemas.openxmlformats.org/drawingml/2006/main" xmlns:r="http://schemas.openxmlformats.org/officeDocument/2006/relationships" xmlns:p="http://schemas.openxmlformats.org/presentationml/2006/main">
+  <p:cSld>
+    <p:spTree>
+      <p:nvGrpSpPr>
+        <p:cNvPr id="1" name=""/>
+        <p:cNvGrpSpPr/>
+        <p:nvPr/>
+      </p:nvGrpSpPr>
+      <p:grpSpPr>
+        <a:xfrm>
+          <a:off x="0" y="0"/>
+          <a:ext cx="0" cy="0"/>
+          <a:chOff x="0" y="0"/>
+          <a:chExt cx="0" cy="0"/>
+        </a:xfrm>
+      </p:grpSpPr>
+      <p:sp>
+        <p:nvSpPr>
+          <p:cNvPr id="3" name="Szöveg helye 2"/>
+          <p:cNvSpPr>
+            <a:spLocks noGrp="1"/>
+          </p:cNvSpPr>
+          <p:nvPr>
+            <p:ph type="body" sz="quarter" idx="13"/>
+          </p:nvPr>
+        </p:nvSpPr>
+        <p:spPr/>
+        <p:txBody>
+          <a:bodyPr>
+            <a:normAutofit/>
+          </a:bodyPr>
+          <a:lstStyle/>
+          <a:p>
+            <a:r>
+              <a:rPr lang="en-US" sz="2000" dirty="0"/>
+              <a:t>UINT64 </a:t>
+            </a:r>
+            <a:r>
+              <a:rPr lang="en-US" sz="2000" dirty="0" err="1"/>
+              <a:t>copyableSize</a:t>
+            </a:r>
+            <a:r>
+              <a:rPr lang="en-US" sz="2000" dirty="0"/>
+              <a:t>;</a:t>
+            </a:r>
+          </a:p>
+          <a:p>
+            <a:r>
+              <a:rPr lang="en-US" sz="2000" dirty="0"/>
+              <a:t>device-&gt;</a:t>
+            </a:r>
+            <a:r>
+              <a:rPr lang="en-US" sz="2000" dirty="0" err="1"/>
+              <a:t>GetCopyableFootprints</a:t>
+            </a:r>
+            <a:r>
+              <a:rPr lang="en-US" sz="2000" dirty="0"/>
+              <a:t>(&amp;</a:t>
+            </a:r>
+            <a:r>
+              <a:rPr lang="en-US" sz="2000" dirty="0" err="1"/>
+              <a:t>rdsc</a:t>
+            </a:r>
+            <a:r>
+              <a:rPr lang="en-US" sz="2000" dirty="0"/>
+              <a:t>, 0, 1, 0, </a:t>
+            </a:r>
+            <a:r>
+              <a:rPr lang="en-US" sz="2000" dirty="0" err="1"/>
+              <a:t>nullptr</a:t>
+            </a:r>
+            <a:r>
+              <a:rPr lang="en-US" sz="2000" dirty="0"/>
+              <a:t>, </a:t>
+            </a:r>
+            <a:r>
+              <a:rPr lang="en-US" sz="2000" dirty="0" err="1"/>
+              <a:t>nullptr</a:t>
+            </a:r>
+            <a:r>
+              <a:rPr lang="en-US" sz="2000" dirty="0"/>
+              <a:t>, </a:t>
+            </a:r>
+            <a:r>
+              <a:rPr lang="en-US" sz="2000" dirty="0" err="1"/>
+              <a:t>nullptr</a:t>
+            </a:r>
+            <a:r>
+              <a:rPr lang="en-US" sz="2000" dirty="0"/>
+              <a:t>, &amp;</a:t>
+            </a:r>
+            <a:r>
+              <a:rPr lang="en-US" sz="2000" dirty="0" err="1"/>
+              <a:t>copyableSize</a:t>
+            </a:r>
+            <a:r>
+              <a:rPr lang="en-US" sz="2000" dirty="0"/>
+              <a:t>);</a:t>
+            </a:r>
+          </a:p>
+          <a:p>
+            <a:endParaRPr lang="en-US" sz="2000" dirty="0"/>
+          </a:p>
+          <a:p>
+            <a:r>
+              <a:rPr lang="en-US" sz="2000" dirty="0"/>
+              <a:t>DX_API("failed to create committed resource for texture file (upload buffer)")</a:t>
+            </a:r>
+          </a:p>
+          <a:p>
+            <a:r>
+              <a:rPr lang="en-US" sz="2000" dirty="0"/>
+              <a:t>	device-&gt;</a:t>
+            </a:r>
+            <a:r>
+              <a:rPr lang="en-US" sz="2000" dirty="0" err="1"/>
+              <a:t>CreateCommittedResource</a:t>
+            </a:r>
+            <a:r>
+              <a:rPr lang="en-US" sz="2000" dirty="0"/>
+              <a:t>(</a:t>
+            </a:r>
+          </a:p>
+          <a:p>
+            <a:r>
+              <a:rPr lang="en-US" sz="2000" dirty="0"/>
+              <a:t>		&amp;CD3DX12_HEAP_PROPERTIES(D3D12_HEAP_TYPE_UPLOAD),</a:t>
+            </a:r>
+          </a:p>
+          <a:p>
+            <a:r>
+              <a:rPr lang="en-US" sz="2000" dirty="0"/>
+              <a:t>		D3D12_HEAP_FLAG_NONE,</a:t>
+            </a:r>
+          </a:p>
+          <a:p>
+            <a:r>
+              <a:rPr lang="en-US" sz="2000" dirty="0"/>
+              <a:t>		&amp;CD3DX12_RESOURCE_DESC::Buffer(</a:t>
+            </a:r>
+            <a:r>
+              <a:rPr lang="en-US" sz="2000" dirty="0" err="1"/>
+              <a:t>copyableSize</a:t>
+            </a:r>
+            <a:r>
+              <a:rPr lang="en-US" sz="2000" dirty="0"/>
+              <a:t>),</a:t>
+            </a:r>
+          </a:p>
+          <a:p>
+            <a:r>
+              <a:rPr lang="en-US" sz="2000" dirty="0"/>
+              <a:t>		D3D12_RESOURCE_STATE_GENERIC_READ,</a:t>
+            </a:r>
+          </a:p>
+          <a:p>
+            <a:r>
+              <a:rPr lang="en-US" sz="2000" dirty="0"/>
+              <a:t>		</a:t>
+            </a:r>
+            <a:r>
+              <a:rPr lang="en-US" sz="2000" dirty="0" err="1"/>
+              <a:t>nullptr</a:t>
+            </a:r>
+            <a:r>
+              <a:rPr lang="en-US" sz="2000" dirty="0"/>
+              <a:t>,</a:t>
+            </a:r>
+          </a:p>
+          <a:p>
+            <a:r>
+              <a:rPr lang="en-US" sz="2000" dirty="0"/>
+              <a:t>		IID_PPV_ARGS(</a:t>
+            </a:r>
+            <a:r>
+              <a:rPr lang="en-US" sz="2000" dirty="0" err="1"/>
+              <a:t>uploadResource.GetAddressOf</a:t>
+            </a:r>
+            <a:r>
+              <a:rPr lang="en-US" sz="2000" dirty="0"/>
+              <a:t>()));</a:t>
+            </a:r>
+          </a:p>
+        </p:txBody>
+      </p:sp>
+      <p:sp>
+        <p:nvSpPr>
+          <p:cNvPr id="6" name="Title 5">
+            <a:extLst>
+              <a:ext uri="{FF2B5EF4-FFF2-40B4-BE49-F238E27FC236}">
+                <a16:creationId xmlns:a16="http://schemas.microsoft.com/office/drawing/2014/main" id="{13397F04-F22D-49B7-9111-3E764FC17708}"/>
+              </a:ext>
+            </a:extLst>
+          </p:cNvPr>
+          <p:cNvSpPr>
+            <a:spLocks noGrp="1"/>
+          </p:cNvSpPr>
+          <p:nvPr>
+            <p:ph type="title"/>
+          </p:nvPr>
+        </p:nvSpPr>
+        <p:spPr>
+          <a:xfrm>
+            <a:off x="152400" y="76200"/>
+            <a:ext cx="8839200" cy="685800"/>
+          </a:xfrm>
+        </p:spPr>
+        <p:txBody>
+          <a:bodyPr/>
+          <a:lstStyle/>
+          <a:p>
+            <a:r>
+              <a:rPr lang="en-US" sz="4000" dirty="0"/>
+              <a:t>ImportTexture2D</a:t>
+            </a:r>
+            <a:endParaRPr lang="hu-HU" sz="4000" dirty="0"/>
+          </a:p>
+        </p:txBody>
+      </p:sp>
+    </p:spTree>
+    <p:extLst>
+      <p:ext uri="{BB962C8B-B14F-4D97-AF65-F5344CB8AC3E}">
+        <p14:creationId xmlns:p14="http://schemas.microsoft.com/office/powerpoint/2010/main" val="2539786805"/>
       </p:ext>
     </p:extLst>
   </p:cSld>

--- a/Slides/ggl004-Textures.pptx
+++ b/Slides/ggl004-Textures.pptx
@@ -3846,6 +3846,244 @@
               <a:buNone/>
             </a:pPr>
             <a:r>
+              <a:rPr lang="en-US" dirty="0"/>
+              <a:t>A </a:t>
+            </a:r>
+            <a:r>
+              <a:rPr lang="en-US" dirty="0" err="1"/>
+              <a:t>SetDescriptorHeaps-nél</a:t>
+            </a:r>
+            <a:r>
+              <a:rPr lang="en-US" dirty="0"/>
+              <a:t> </a:t>
+            </a:r>
+            <a:r>
+              <a:rPr lang="en-US" dirty="0" err="1"/>
+              <a:t>átadjuk</a:t>
+            </a:r>
+            <a:r>
+              <a:rPr lang="en-US" dirty="0"/>
+              <a:t> a </a:t>
+            </a:r>
+            <a:r>
+              <a:rPr lang="en-US" dirty="0" err="1"/>
+              <a:t>pipelinenak</a:t>
+            </a:r>
+            <a:r>
+              <a:rPr lang="en-US" dirty="0"/>
+              <a:t> a descriptor </a:t>
+            </a:r>
+            <a:r>
+              <a:rPr lang="en-US" dirty="0" err="1"/>
+              <a:t>heapeket</a:t>
+            </a:r>
+            <a:r>
+              <a:rPr lang="en-US" dirty="0"/>
+              <a:t>, </a:t>
+            </a:r>
+            <a:r>
+              <a:rPr lang="en-US" dirty="0" err="1"/>
+              <a:t>ezt</a:t>
+            </a:r>
+            <a:r>
+              <a:rPr lang="en-US" dirty="0"/>
+              <a:t> </a:t>
+            </a:r>
+            <a:r>
+              <a:rPr lang="en-US" dirty="0" err="1"/>
+              <a:t>azért</a:t>
+            </a:r>
+            <a:r>
+              <a:rPr lang="en-US" dirty="0"/>
+              <a:t> </a:t>
+            </a:r>
+            <a:r>
+              <a:rPr lang="en-US" dirty="0" err="1"/>
+              <a:t>így</a:t>
+            </a:r>
+            <a:r>
+              <a:rPr lang="en-US" dirty="0"/>
+              <a:t> </a:t>
+            </a:r>
+            <a:r>
+              <a:rPr lang="en-US" dirty="0" err="1"/>
+              <a:t>kell</a:t>
+            </a:r>
+            <a:r>
+              <a:rPr lang="en-US" dirty="0"/>
+              <a:t> </a:t>
+            </a:r>
+            <a:r>
+              <a:rPr lang="en-US" dirty="0" err="1"/>
+              <a:t>csinálni</a:t>
+            </a:r>
+            <a:r>
+              <a:rPr lang="en-US" dirty="0"/>
+              <a:t>, </a:t>
+            </a:r>
+            <a:r>
+              <a:rPr lang="en-US" dirty="0" err="1"/>
+              <a:t>mert</a:t>
+            </a:r>
+            <a:r>
+              <a:rPr lang="en-US" dirty="0"/>
+              <a:t> </a:t>
+            </a:r>
+            <a:r>
+              <a:rPr lang="en-US" dirty="0" err="1"/>
+              <a:t>amikor</a:t>
+            </a:r>
+            <a:r>
+              <a:rPr lang="en-US" dirty="0"/>
+              <a:t> a </a:t>
+            </a:r>
+            <a:r>
+              <a:rPr lang="en-US" dirty="0" err="1"/>
+              <a:t>következő</a:t>
+            </a:r>
+            <a:r>
+              <a:rPr lang="en-US" dirty="0"/>
+              <a:t> </a:t>
+            </a:r>
+            <a:r>
+              <a:rPr lang="en-US" dirty="0" err="1"/>
+              <a:t>kék</a:t>
+            </a:r>
+            <a:r>
+              <a:rPr lang="en-US" dirty="0"/>
+              <a:t> </a:t>
+            </a:r>
+            <a:r>
+              <a:rPr lang="en-US" dirty="0" err="1"/>
+              <a:t>függvény</a:t>
+            </a:r>
+            <a:r>
+              <a:rPr lang="en-US" dirty="0"/>
+              <a:t> </a:t>
+            </a:r>
+            <a:r>
+              <a:rPr lang="en-US" dirty="0" err="1"/>
+              <a:t>rábindolja</a:t>
+            </a:r>
+            <a:r>
+              <a:rPr lang="en-US" dirty="0"/>
+              <a:t> a </a:t>
+            </a:r>
+            <a:r>
+              <a:rPr lang="en-US" dirty="0" err="1"/>
+              <a:t>pipelinera</a:t>
+            </a:r>
+            <a:r>
+              <a:rPr lang="en-US" dirty="0"/>
+              <a:t>, </a:t>
+            </a:r>
+            <a:r>
+              <a:rPr lang="en-US" dirty="0" err="1"/>
+              <a:t>akkor</a:t>
+            </a:r>
+            <a:r>
+              <a:rPr lang="en-US" dirty="0"/>
+              <a:t> </a:t>
+            </a:r>
+            <a:r>
+              <a:rPr lang="en-US" dirty="0" err="1"/>
+              <a:t>csak</a:t>
+            </a:r>
+            <a:r>
+              <a:rPr lang="en-US" dirty="0"/>
+              <a:t> </a:t>
+            </a:r>
+            <a:r>
+              <a:rPr lang="en-US" dirty="0" err="1"/>
+              <a:t>egy</a:t>
+            </a:r>
+            <a:r>
+              <a:rPr lang="en-US" dirty="0"/>
+              <a:t> pointer ad </a:t>
+            </a:r>
+            <a:r>
+              <a:rPr lang="en-US" dirty="0" err="1"/>
+              <a:t>át,de</a:t>
+            </a:r>
+            <a:r>
+              <a:rPr lang="en-US" dirty="0"/>
+              <a:t> </a:t>
+            </a:r>
+            <a:r>
+              <a:rPr lang="en-US" dirty="0" err="1"/>
+              <a:t>magát</a:t>
+            </a:r>
+            <a:r>
+              <a:rPr lang="en-US" dirty="0"/>
+              <a:t> </a:t>
+            </a:r>
+            <a:r>
+              <a:rPr lang="en-US" dirty="0" err="1"/>
+              <a:t>az</a:t>
+            </a:r>
+            <a:r>
+              <a:rPr lang="en-US" dirty="0"/>
+              <a:t> </a:t>
+            </a:r>
+            <a:r>
+              <a:rPr lang="en-US" dirty="0" err="1"/>
+              <a:t>DescriptorHeapben</a:t>
+            </a:r>
+            <a:r>
+              <a:rPr lang="en-US" dirty="0"/>
+              <a:t> </a:t>
+            </a:r>
+            <a:r>
+              <a:rPr lang="en-US" dirty="0" err="1"/>
+              <a:t>lévő</a:t>
+            </a:r>
+            <a:r>
+              <a:rPr lang="en-US" dirty="0"/>
+              <a:t> </a:t>
+            </a:r>
+            <a:r>
+              <a:rPr lang="en-US" dirty="0" err="1"/>
+              <a:t>adatokat</a:t>
+            </a:r>
+            <a:r>
+              <a:rPr lang="en-US" dirty="0"/>
+              <a:t> </a:t>
+            </a:r>
+            <a:r>
+              <a:rPr lang="en-US" dirty="0" err="1"/>
+              <a:t>itt</a:t>
+            </a:r>
+            <a:r>
+              <a:rPr lang="en-US" dirty="0"/>
+              <a:t> </a:t>
+            </a:r>
+            <a:r>
+              <a:rPr lang="en-US" dirty="0" err="1"/>
+              <a:t>töltjük</a:t>
+            </a:r>
+            <a:r>
+              <a:rPr lang="en-US" dirty="0"/>
+              <a:t> </a:t>
+            </a:r>
+            <a:r>
+              <a:rPr lang="en-US" dirty="0" err="1"/>
+              <a:t>fel</a:t>
+            </a:r>
+            <a:endParaRPr lang="en-US" dirty="0"/>
+          </a:p>
+          <a:p>
+            <a:pPr marL="0" indent="0">
+              <a:buFontTx/>
+              <a:buNone/>
+            </a:pPr>
+            <a:endParaRPr lang="en-US" dirty="0"/>
+          </a:p>
+          <a:p>
+            <a:pPr marL="0" indent="0">
+              <a:buFontTx/>
+              <a:buNone/>
+            </a:pPr>
+            <a:r>
               <a:rPr lang="en-US" dirty="0" err="1"/>
               <a:t>Ez</a:t>
             </a:r>
@@ -6966,7 +7204,7 @@
         <p:spPr/>
         <p:txBody>
           <a:bodyPr>
-            <a:normAutofit fontScale="92500"/>
+            <a:normAutofit/>
           </a:bodyPr>
           <a:lstStyle/>
           <a:p>
@@ -15242,6 +15480,172 @@
           <a:lstStyle/>
           <a:p>
             <a:endParaRPr lang="en-US" sz="2000" dirty="0"/>
+          </a:p>
+          <a:p>
+            <a:r>
+              <a:rPr lang="en-US" sz="2000" dirty="0">
+                <a:solidFill>
+                  <a:schemeClr val="accent1">
+                    <a:lumMod val="75000"/>
+                  </a:schemeClr>
+                </a:solidFill>
+              </a:rPr>
+              <a:t>ID3D12DescriptorHeap* </a:t>
+            </a:r>
+            <a:r>
+              <a:rPr lang="en-US" sz="2000" dirty="0" err="1">
+                <a:solidFill>
+                  <a:schemeClr val="accent1">
+                    <a:lumMod val="75000"/>
+                  </a:schemeClr>
+                </a:solidFill>
+              </a:rPr>
+              <a:t>descriptorHeaps</a:t>
+            </a:r>
+            <a:r>
+              <a:rPr lang="en-US" sz="2000" dirty="0">
+                <a:solidFill>
+                  <a:schemeClr val="accent1">
+                    <a:lumMod val="75000"/>
+                  </a:schemeClr>
+                </a:solidFill>
+              </a:rPr>
+              <a:t>[] = { </a:t>
+            </a:r>
+            <a:r>
+              <a:rPr lang="en-US" sz="2000" dirty="0" err="1">
+                <a:solidFill>
+                  <a:schemeClr val="accent1">
+                    <a:lumMod val="75000"/>
+                  </a:schemeClr>
+                </a:solidFill>
+              </a:rPr>
+              <a:t>srvHeap.Get</a:t>
+            </a:r>
+            <a:r>
+              <a:rPr lang="en-US" sz="2000" dirty="0">
+                <a:solidFill>
+                  <a:schemeClr val="accent1">
+                    <a:lumMod val="75000"/>
+                  </a:schemeClr>
+                </a:solidFill>
+              </a:rPr>
+              <a:t>() };</a:t>
+            </a:r>
+          </a:p>
+          <a:p>
+            <a:r>
+              <a:rPr lang="en-US" sz="2000" dirty="0" err="1">
+                <a:solidFill>
+                  <a:schemeClr val="accent1">
+                    <a:lumMod val="75000"/>
+                  </a:schemeClr>
+                </a:solidFill>
+              </a:rPr>
+              <a:t>commandList</a:t>
+            </a:r>
+            <a:r>
+              <a:rPr lang="en-US" sz="2000" dirty="0">
+                <a:solidFill>
+                  <a:schemeClr val="accent1">
+                    <a:lumMod val="75000"/>
+                  </a:schemeClr>
+                </a:solidFill>
+              </a:rPr>
+              <a:t>-&gt;</a:t>
+            </a:r>
+            <a:r>
+              <a:rPr lang="en-US" sz="2000" dirty="0" err="1">
+                <a:solidFill>
+                  <a:schemeClr val="accent1">
+                    <a:lumMod val="75000"/>
+                  </a:schemeClr>
+                </a:solidFill>
+              </a:rPr>
+              <a:t>SetDescriptorHeaps</a:t>
+            </a:r>
+            <a:r>
+              <a:rPr lang="en-US" sz="2000" dirty="0">
+                <a:solidFill>
+                  <a:schemeClr val="accent1">
+                    <a:lumMod val="75000"/>
+                  </a:schemeClr>
+                </a:solidFill>
+              </a:rPr>
+              <a:t>(</a:t>
+            </a:r>
+          </a:p>
+          <a:p>
+            <a:r>
+              <a:rPr lang="en-US" sz="2000" dirty="0">
+                <a:solidFill>
+                  <a:schemeClr val="accent1">
+                    <a:lumMod val="75000"/>
+                  </a:schemeClr>
+                </a:solidFill>
+              </a:rPr>
+              <a:t>	_</a:t>
+            </a:r>
+            <a:r>
+              <a:rPr lang="en-US" sz="2000" dirty="0" err="1">
+                <a:solidFill>
+                  <a:schemeClr val="accent1">
+                    <a:lumMod val="75000"/>
+                  </a:schemeClr>
+                </a:solidFill>
+              </a:rPr>
+              <a:t>countof</a:t>
+            </a:r>
+            <a:r>
+              <a:rPr lang="en-US" sz="2000" dirty="0">
+                <a:solidFill>
+                  <a:schemeClr val="accent1">
+                    <a:lumMod val="75000"/>
+                  </a:schemeClr>
+                </a:solidFill>
+              </a:rPr>
+              <a:t>(</a:t>
+            </a:r>
+            <a:r>
+              <a:rPr lang="en-US" sz="2000" dirty="0" err="1">
+                <a:solidFill>
+                  <a:schemeClr val="accent1">
+                    <a:lumMod val="75000"/>
+                  </a:schemeClr>
+                </a:solidFill>
+              </a:rPr>
+              <a:t>descriptorHeaps</a:t>
+            </a:r>
+            <a:r>
+              <a:rPr lang="en-US" sz="2000" dirty="0">
+                <a:solidFill>
+                  <a:schemeClr val="accent1">
+                    <a:lumMod val="75000"/>
+                  </a:schemeClr>
+                </a:solidFill>
+              </a:rPr>
+              <a:t>), </a:t>
+            </a:r>
+            <a:r>
+              <a:rPr lang="en-US" sz="2000" dirty="0" err="1">
+                <a:solidFill>
+                  <a:schemeClr val="accent1">
+                    <a:lumMod val="75000"/>
+                  </a:schemeClr>
+                </a:solidFill>
+              </a:rPr>
+              <a:t>descriptorHeaps</a:t>
+            </a:r>
+            <a:r>
+              <a:rPr lang="en-US" sz="2000" dirty="0">
+                <a:solidFill>
+                  <a:schemeClr val="accent1">
+                    <a:lumMod val="75000"/>
+                  </a:schemeClr>
+                </a:solidFill>
+              </a:rPr>
+              <a:t>);</a:t>
+            </a:r>
           </a:p>
           <a:p>
             <a:r>
